--- a/prosojnice.pptx
+++ b/prosojnice.pptx
@@ -2,15 +2,20 @@
 <file path=ppt/presentation.xml><?xml version="1.0" encoding="utf-8"?>
 <p:presentation xmlns:a="http://schemas.openxmlformats.org/drawingml/2006/main" xmlns:r="http://schemas.openxmlformats.org/officeDocument/2006/relationships" xmlns:p="http://schemas.openxmlformats.org/presentationml/2006/main" saveSubsetFonts="1">
   <p:sldMasterIdLst>
-    <p:sldMasterId id="2147483648" r:id="rId1"/>
+    <p:sldMasterId id="2147483904" r:id="rId1"/>
   </p:sldMasterIdLst>
   <p:sldIdLst>
     <p:sldId id="256" r:id="rId2"/>
     <p:sldId id="257" r:id="rId3"/>
-    <p:sldId id="258" r:id="rId4"/>
-    <p:sldId id="259" r:id="rId5"/>
-    <p:sldId id="260" r:id="rId6"/>
-    <p:sldId id="261" r:id="rId7"/>
+    <p:sldId id="262" r:id="rId4"/>
+    <p:sldId id="263" r:id="rId5"/>
+    <p:sldId id="264" r:id="rId6"/>
+    <p:sldId id="258" r:id="rId7"/>
+    <p:sldId id="259" r:id="rId8"/>
+    <p:sldId id="265" r:id="rId9"/>
+    <p:sldId id="266" r:id="rId10"/>
+    <p:sldId id="260" r:id="rId11"/>
+    <p:sldId id="261" r:id="rId12"/>
   </p:sldIdLst>
   <p:sldSz cx="12192000" cy="6858000"/>
   <p:notesSz cx="6858000" cy="9144000"/>
@@ -109,12 +114,22 @@
       </a:defRPr>
     </a:lvl9pPr>
   </p:defaultTextStyle>
+  <p:extLst>
+    <p:ext uri="{EFAFB233-063F-42B5-8137-9DF3F51BA10A}">
+      <p15:sldGuideLst xmlns:p15="http://schemas.microsoft.com/office/powerpoint/2012/main"/>
+    </p:ext>
+  </p:extLst>
 </p:presentation>
 </file>
 
 <file path=ppt/slideLayouts/slideLayout1.xml><?xml version="1.0" encoding="utf-8"?>
-<p:sldLayout xmlns:a="http://schemas.openxmlformats.org/drawingml/2006/main" xmlns:r="http://schemas.openxmlformats.org/officeDocument/2006/relationships" xmlns:p="http://schemas.openxmlformats.org/presentationml/2006/main" type="title" preserve="1">
+<p:sldLayout xmlns:a="http://schemas.openxmlformats.org/drawingml/2006/main" xmlns:r="http://schemas.openxmlformats.org/officeDocument/2006/relationships" xmlns:p="http://schemas.openxmlformats.org/presentationml/2006/main" showMasterSp="0" type="title" preserve="1">
   <p:cSld name="Naslovni diapozitiv">
+    <p:bg>
+      <p:bgRef idx="1001">
+        <a:schemeClr val="bg2"/>
+      </p:bgRef>
+    </p:bg>
     <p:spTree>
       <p:nvGrpSpPr>
         <p:cNvPr id="1" name=""/>
@@ -131,13 +146,303 @@
       </p:grpSpPr>
       <p:sp>
         <p:nvSpPr>
-          <p:cNvPr id="2" name="Naslov 1">
-            <a:extLst>
-              <a:ext uri="{FF2B5EF4-FFF2-40B4-BE49-F238E27FC236}">
-                <a16:creationId xmlns:a16="http://schemas.microsoft.com/office/drawing/2014/main" id="{91231468-7FB2-4F19-B3EB-46F35102F90B}"/>
-              </a:ext>
-            </a:extLst>
-          </p:cNvPr>
+          <p:cNvPr id="16" name="Rectangle 15"/>
+          <p:cNvSpPr/>
+          <p:nvPr/>
+        </p:nvSpPr>
+        <p:spPr>
+          <a:xfrm>
+            <a:off x="1" y="0"/>
+            <a:ext cx="12192000" cy="6858000"/>
+          </a:xfrm>
+          <a:prstGeom prst="rect">
+            <a:avLst/>
+          </a:prstGeom>
+          <a:blipFill dpi="0" rotWithShape="1">
+            <a:blip r:embed="rId2">
+              <a:alphaModFix amt="40000"/>
+              <a:duotone>
+                <a:schemeClr val="accent1">
+                  <a:shade val="45000"/>
+                  <a:satMod val="135000"/>
+                </a:schemeClr>
+                <a:prstClr val="white"/>
+              </a:duotone>
+            </a:blip>
+            <a:srcRect/>
+            <a:tile tx="-133350" ty="330200" sx="85000" sy="85000" flip="xy" algn="tl"/>
+          </a:blipFill>
+          <a:ln>
+            <a:noFill/>
+          </a:ln>
+        </p:spPr>
+        <p:style>
+          <a:lnRef idx="2">
+            <a:schemeClr val="accent1">
+              <a:shade val="50000"/>
+            </a:schemeClr>
+          </a:lnRef>
+          <a:fillRef idx="1">
+            <a:schemeClr val="accent1"/>
+          </a:fillRef>
+          <a:effectRef idx="0">
+            <a:schemeClr val="accent1"/>
+          </a:effectRef>
+          <a:fontRef idx="minor">
+            <a:schemeClr val="lt1"/>
+          </a:fontRef>
+        </p:style>
+      </p:sp>
+      <p:sp>
+        <p:nvSpPr>
+          <p:cNvPr id="10" name="Rectangle 9"/>
+          <p:cNvSpPr/>
+          <p:nvPr/>
+        </p:nvSpPr>
+        <p:spPr>
+          <a:xfrm>
+            <a:off x="1307870" y="1267730"/>
+            <a:ext cx="9576262" cy="4307950"/>
+          </a:xfrm>
+          <a:prstGeom prst="rect">
+            <a:avLst/>
+          </a:prstGeom>
+          <a:solidFill>
+            <a:schemeClr val="bg1"/>
+          </a:solidFill>
+          <a:ln w="6350" cap="flat" cmpd="sng" algn="ctr">
+            <a:noFill/>
+            <a:prstDash val="solid"/>
+          </a:ln>
+          <a:effectLst>
+            <a:outerShdw blurRad="50800" algn="ctr" rotWithShape="0">
+              <a:prstClr val="black">
+                <a:alpha val="66000"/>
+              </a:prstClr>
+            </a:outerShdw>
+            <a:softEdge rad="0"/>
+          </a:effectLst>
+        </p:spPr>
+      </p:sp>
+      <p:sp>
+        <p:nvSpPr>
+          <p:cNvPr id="11" name="Rectangle 10"/>
+          <p:cNvSpPr/>
+          <p:nvPr/>
+        </p:nvSpPr>
+        <p:spPr>
+          <a:xfrm>
+            <a:off x="1447801" y="1411615"/>
+            <a:ext cx="9296400" cy="4034770"/>
+          </a:xfrm>
+          <a:prstGeom prst="rect">
+            <a:avLst/>
+          </a:prstGeom>
+          <a:noFill/>
+          <a:ln w="6350" cap="sq" cmpd="sng" algn="ctr">
+            <a:solidFill>
+              <a:schemeClr val="tx1">
+                <a:lumMod val="75000"/>
+                <a:lumOff val="25000"/>
+              </a:schemeClr>
+            </a:solidFill>
+            <a:prstDash val="solid"/>
+            <a:miter lim="800000"/>
+          </a:ln>
+          <a:effectLst/>
+        </p:spPr>
+      </p:sp>
+      <p:sp>
+        <p:nvSpPr>
+          <p:cNvPr id="15" name="Rectangle 14"/>
+          <p:cNvSpPr/>
+          <p:nvPr/>
+        </p:nvSpPr>
+        <p:spPr>
+          <a:xfrm>
+            <a:off x="5135880" y="1267730"/>
+            <a:ext cx="1920240" cy="731520"/>
+          </a:xfrm>
+          <a:prstGeom prst="rect">
+            <a:avLst/>
+          </a:prstGeom>
+          <a:solidFill>
+            <a:schemeClr val="accent1"/>
+          </a:solidFill>
+          <a:ln>
+            <a:noFill/>
+          </a:ln>
+        </p:spPr>
+        <p:style>
+          <a:lnRef idx="2">
+            <a:schemeClr val="accent1">
+              <a:shade val="50000"/>
+            </a:schemeClr>
+          </a:lnRef>
+          <a:fillRef idx="1">
+            <a:schemeClr val="accent1"/>
+          </a:fillRef>
+          <a:effectRef idx="0">
+            <a:schemeClr val="accent1"/>
+          </a:effectRef>
+          <a:fontRef idx="minor">
+            <a:schemeClr val="lt1"/>
+          </a:fontRef>
+        </p:style>
+      </p:sp>
+      <p:grpSp>
+        <p:nvGrpSpPr>
+          <p:cNvPr id="4" name="Group 3"/>
+          <p:cNvGrpSpPr/>
+          <p:nvPr/>
+        </p:nvGrpSpPr>
+        <p:grpSpPr>
+          <a:xfrm>
+            <a:off x="5250180" y="1267730"/>
+            <a:ext cx="1691640" cy="645295"/>
+            <a:chOff x="5318306" y="1386268"/>
+            <a:chExt cx="1567331" cy="645295"/>
+          </a:xfrm>
+        </p:grpSpPr>
+        <p:cxnSp>
+          <p:nvCxnSpPr>
+            <p:cNvPr id="17" name="Straight Connector 16"/>
+            <p:cNvCxnSpPr/>
+            <p:nvPr/>
+          </p:nvCxnSpPr>
+          <p:spPr>
+            <a:xfrm>
+              <a:off x="5318306" y="1386268"/>
+              <a:ext cx="0" cy="640080"/>
+            </a:xfrm>
+            <a:prstGeom prst="line">
+              <a:avLst/>
+            </a:prstGeom>
+            <a:solidFill>
+              <a:schemeClr val="tx1">
+                <a:lumMod val="85000"/>
+                <a:lumOff val="15000"/>
+              </a:schemeClr>
+            </a:solidFill>
+            <a:ln>
+              <a:solidFill>
+                <a:schemeClr val="tx1">
+                  <a:lumMod val="85000"/>
+                  <a:lumOff val="15000"/>
+                </a:schemeClr>
+              </a:solidFill>
+              <a:miter lim="800000"/>
+            </a:ln>
+          </p:spPr>
+          <p:style>
+            <a:lnRef idx="1">
+              <a:schemeClr val="accent1"/>
+            </a:lnRef>
+            <a:fillRef idx="0">
+              <a:schemeClr val="accent1"/>
+            </a:fillRef>
+            <a:effectRef idx="0">
+              <a:schemeClr val="accent1"/>
+            </a:effectRef>
+            <a:fontRef idx="minor">
+              <a:schemeClr val="tx1"/>
+            </a:fontRef>
+          </p:style>
+        </p:cxnSp>
+        <p:cxnSp>
+          <p:nvCxnSpPr>
+            <p:cNvPr id="18" name="Straight Connector 17"/>
+            <p:cNvCxnSpPr/>
+            <p:nvPr/>
+          </p:nvCxnSpPr>
+          <p:spPr>
+            <a:xfrm>
+              <a:off x="6885637" y="1386268"/>
+              <a:ext cx="0" cy="640080"/>
+            </a:xfrm>
+            <a:prstGeom prst="line">
+              <a:avLst/>
+            </a:prstGeom>
+            <a:solidFill>
+              <a:schemeClr val="tx1">
+                <a:lumMod val="85000"/>
+                <a:lumOff val="15000"/>
+              </a:schemeClr>
+            </a:solidFill>
+            <a:ln>
+              <a:solidFill>
+                <a:schemeClr val="tx1">
+                  <a:lumMod val="85000"/>
+                  <a:lumOff val="15000"/>
+                </a:schemeClr>
+              </a:solidFill>
+              <a:miter lim="800000"/>
+            </a:ln>
+          </p:spPr>
+          <p:style>
+            <a:lnRef idx="1">
+              <a:schemeClr val="accent1"/>
+            </a:lnRef>
+            <a:fillRef idx="0">
+              <a:schemeClr val="accent1"/>
+            </a:fillRef>
+            <a:effectRef idx="0">
+              <a:schemeClr val="accent1"/>
+            </a:effectRef>
+            <a:fontRef idx="minor">
+              <a:schemeClr val="tx1"/>
+            </a:fontRef>
+          </p:style>
+        </p:cxnSp>
+        <p:cxnSp>
+          <p:nvCxnSpPr>
+            <p:cNvPr id="19" name="Straight Connector 18"/>
+            <p:cNvCxnSpPr/>
+            <p:nvPr/>
+          </p:nvCxnSpPr>
+          <p:spPr>
+            <a:xfrm>
+              <a:off x="5318306" y="2031563"/>
+              <a:ext cx="1567331" cy="0"/>
+            </a:xfrm>
+            <a:prstGeom prst="line">
+              <a:avLst/>
+            </a:prstGeom>
+            <a:solidFill>
+              <a:schemeClr val="tx1">
+                <a:lumMod val="85000"/>
+                <a:lumOff val="15000"/>
+              </a:schemeClr>
+            </a:solidFill>
+            <a:ln>
+              <a:solidFill>
+                <a:schemeClr val="tx1">
+                  <a:lumMod val="85000"/>
+                  <a:lumOff val="15000"/>
+                </a:schemeClr>
+              </a:solidFill>
+              <a:miter lim="800000"/>
+            </a:ln>
+          </p:spPr>
+          <p:style>
+            <a:lnRef idx="1">
+              <a:schemeClr val="accent1"/>
+            </a:lnRef>
+            <a:fillRef idx="0">
+              <a:schemeClr val="accent1"/>
+            </a:fillRef>
+            <a:effectRef idx="0">
+              <a:schemeClr val="accent1"/>
+            </a:effectRef>
+            <a:fontRef idx="minor">
+              <a:schemeClr val="tx1"/>
+            </a:fontRef>
+          </p:style>
+        </p:cxnSp>
+      </p:grpSp>
+      <p:sp>
+        <p:nvSpPr>
+          <p:cNvPr id="2" name="Title 1"/>
           <p:cNvSpPr>
             <a:spLocks noGrp="1"/>
           </p:cNvSpPr>
@@ -147,34 +452,45 @@
         </p:nvSpPr>
         <p:spPr>
           <a:xfrm>
-            <a:off x="1524000" y="1122363"/>
-            <a:ext cx="9144000" cy="2387600"/>
+            <a:off x="1561708" y="2091263"/>
+            <a:ext cx="9068586" cy="2590800"/>
           </a:xfrm>
         </p:spPr>
         <p:txBody>
-          <a:bodyPr anchor="b"/>
+          <a:bodyPr tIns="45720" bIns="45720" anchor="ctr">
+            <a:noAutofit/>
+          </a:bodyPr>
           <a:lstStyle>
             <a:lvl1pPr algn="ctr">
-              <a:defRPr sz="6000"/>
+              <a:lnSpc>
+                <a:spcPct val="83000"/>
+              </a:lnSpc>
+              <a:defRPr lang="en-US" sz="7200" b="0" kern="1200" cap="all" spc="-100" baseline="0" dirty="0">
+                <a:solidFill>
+                  <a:schemeClr val="tx1">
+                    <a:lumMod val="85000"/>
+                    <a:lumOff val="15000"/>
+                  </a:schemeClr>
+                </a:solidFill>
+                <a:effectLst/>
+                <a:latin typeface="+mj-lt"/>
+                <a:ea typeface="+mn-ea"/>
+                <a:cs typeface="+mn-cs"/>
+              </a:defRPr>
             </a:lvl1pPr>
           </a:lstStyle>
           <a:p>
             <a:r>
-              <a:rPr lang="sl-SI"/>
-              <a:t>Kliknite, če želite urediti slog naslova matrice</a:t>
-            </a:r>
+              <a:rPr lang="sl-SI" smtClean="0"/>
+              <a:t>Uredite slog naslova matrice</a:t>
+            </a:r>
+            <a:endParaRPr lang="en-US" dirty="0"/>
           </a:p>
         </p:txBody>
       </p:sp>
       <p:sp>
         <p:nvSpPr>
-          <p:cNvPr id="3" name="Podnaslov 2">
-            <a:extLst>
-              <a:ext uri="{FF2B5EF4-FFF2-40B4-BE49-F238E27FC236}">
-                <a16:creationId xmlns:a16="http://schemas.microsoft.com/office/drawing/2014/main" id="{2C86FB05-32A3-43FF-AB6E-22722CDE553C}"/>
-              </a:ext>
-            </a:extLst>
-          </p:cNvPr>
+          <p:cNvPr id="3" name="Subtitle 2"/>
           <p:cNvSpPr>
             <a:spLocks noGrp="1"/>
           </p:cNvSpPr>
@@ -184,24 +500,35 @@
         </p:nvSpPr>
         <p:spPr>
           <a:xfrm>
-            <a:off x="1524000" y="3602038"/>
-            <a:ext cx="9144000" cy="1655762"/>
+            <a:off x="1562100" y="4682062"/>
+            <a:ext cx="9070848" cy="457201"/>
           </a:xfrm>
         </p:spPr>
         <p:txBody>
-          <a:bodyPr/>
+          <a:bodyPr>
+            <a:normAutofit/>
+          </a:bodyPr>
           <a:lstStyle>
             <a:lvl1pPr marL="0" indent="0" algn="ctr">
+              <a:spcBef>
+                <a:spcPts val="0"/>
+              </a:spcBef>
               <a:buNone/>
-              <a:defRPr sz="2400"/>
+              <a:defRPr sz="1600" spc="80" baseline="0">
+                <a:solidFill>
+                  <a:schemeClr val="tx2">
+                    <a:lumMod val="75000"/>
+                  </a:schemeClr>
+                </a:solidFill>
+              </a:defRPr>
             </a:lvl1pPr>
             <a:lvl2pPr marL="457200" indent="0" algn="ctr">
               <a:buNone/>
-              <a:defRPr sz="2000"/>
+              <a:defRPr sz="1600"/>
             </a:lvl2pPr>
             <a:lvl3pPr marL="914400" indent="0" algn="ctr">
               <a:buNone/>
-              <a:defRPr sz="1800"/>
+              <a:defRPr sz="1600"/>
             </a:lvl3pPr>
             <a:lvl4pPr marL="1371600" indent="0" algn="ctr">
               <a:buNone/>
@@ -230,21 +557,16 @@
           </a:lstStyle>
           <a:p>
             <a:r>
-              <a:rPr lang="sl-SI"/>
-              <a:t>Kliknite, če želite urediti slog podnaslova matrice</a:t>
-            </a:r>
+              <a:rPr lang="sl-SI" smtClean="0"/>
+              <a:t>Kliknite, da uredite slog podnaslova matrice</a:t>
+            </a:r>
+            <a:endParaRPr lang="en-US" dirty="0"/>
           </a:p>
         </p:txBody>
       </p:sp>
       <p:sp>
         <p:nvSpPr>
-          <p:cNvPr id="4" name="Označba mesta datuma 3">
-            <a:extLst>
-              <a:ext uri="{FF2B5EF4-FFF2-40B4-BE49-F238E27FC236}">
-                <a16:creationId xmlns:a16="http://schemas.microsoft.com/office/drawing/2014/main" id="{59E637C6-BAD1-4C10-8345-D75FAE0C1ADF}"/>
-              </a:ext>
-            </a:extLst>
-          </p:cNvPr>
+          <p:cNvPr id="20" name="Date Placeholder 19"/>
           <p:cNvSpPr>
             <a:spLocks noGrp="1"/>
           </p:cNvSpPr>
@@ -252,10 +574,24 @@
             <p:ph type="dt" sz="half" idx="10"/>
           </p:nvPr>
         </p:nvSpPr>
-        <p:spPr/>
+        <p:spPr>
+          <a:xfrm>
+            <a:off x="5318760" y="1341255"/>
+            <a:ext cx="1554480" cy="527213"/>
+          </a:xfrm>
+        </p:spPr>
         <p:txBody>
           <a:bodyPr/>
-          <a:lstStyle/>
+          <a:lstStyle>
+            <a:lvl1pPr algn="ctr">
+              <a:defRPr sz="1300" spc="0" baseline="0">
+                <a:solidFill>
+                  <a:srgbClr val="FFFFFF"/>
+                </a:solidFill>
+                <a:latin typeface="+mn-lt"/>
+              </a:defRPr>
+            </a:lvl1pPr>
+          </a:lstStyle>
           <a:p>
             <a:fld id="{5B7A9F00-252E-4934-8989-361D36C351BE}" type="datetimeFigureOut">
               <a:rPr lang="sl-SI" smtClean="0"/>
@@ -267,13 +603,7 @@
       </p:sp>
       <p:sp>
         <p:nvSpPr>
-          <p:cNvPr id="5" name="Označba mesta noge 4">
-            <a:extLst>
-              <a:ext uri="{FF2B5EF4-FFF2-40B4-BE49-F238E27FC236}">
-                <a16:creationId xmlns:a16="http://schemas.microsoft.com/office/drawing/2014/main" id="{2750A10C-B735-4404-A31F-6CB209715EFF}"/>
-              </a:ext>
-            </a:extLst>
-          </p:cNvPr>
+          <p:cNvPr id="21" name="Footer Placeholder 20"/>
           <p:cNvSpPr>
             <a:spLocks noGrp="1"/>
           </p:cNvSpPr>
@@ -281,10 +611,26 @@
             <p:ph type="ftr" sz="quarter" idx="11"/>
           </p:nvPr>
         </p:nvSpPr>
-        <p:spPr/>
+        <p:spPr>
+          <a:xfrm>
+            <a:off x="1453896" y="5212080"/>
+            <a:ext cx="5905500" cy="228600"/>
+          </a:xfrm>
+        </p:spPr>
         <p:txBody>
           <a:bodyPr/>
-          <a:lstStyle/>
+          <a:lstStyle>
+            <a:lvl1pPr algn="l">
+              <a:defRPr>
+                <a:solidFill>
+                  <a:schemeClr val="tx1">
+                    <a:lumMod val="75000"/>
+                    <a:lumOff val="25000"/>
+                  </a:schemeClr>
+                </a:solidFill>
+              </a:defRPr>
+            </a:lvl1pPr>
+          </a:lstStyle>
           <a:p>
             <a:endParaRPr lang="sl-SI"/>
           </a:p>
@@ -292,13 +638,7 @@
       </p:sp>
       <p:sp>
         <p:nvSpPr>
-          <p:cNvPr id="6" name="Označba mesta številke diapozitiva 5">
-            <a:extLst>
-              <a:ext uri="{FF2B5EF4-FFF2-40B4-BE49-F238E27FC236}">
-                <a16:creationId xmlns:a16="http://schemas.microsoft.com/office/drawing/2014/main" id="{D8C2A4DB-3AA4-42A4-9308-979CBCD41D47}"/>
-              </a:ext>
-            </a:extLst>
-          </p:cNvPr>
+          <p:cNvPr id="22" name="Slide Number Placeholder 21"/>
           <p:cNvSpPr>
             <a:spLocks noGrp="1"/>
           </p:cNvSpPr>
@@ -306,10 +646,26 @@
             <p:ph type="sldNum" sz="quarter" idx="12"/>
           </p:nvPr>
         </p:nvSpPr>
-        <p:spPr/>
+        <p:spPr>
+          <a:xfrm>
+            <a:off x="8606919" y="5212080"/>
+            <a:ext cx="2111881" cy="228600"/>
+          </a:xfrm>
+        </p:spPr>
         <p:txBody>
           <a:bodyPr/>
-          <a:lstStyle/>
+          <a:lstStyle>
+            <a:lvl1pPr>
+              <a:defRPr>
+                <a:solidFill>
+                  <a:schemeClr val="tx1">
+                    <a:lumMod val="75000"/>
+                    <a:lumOff val="25000"/>
+                  </a:schemeClr>
+                </a:solidFill>
+              </a:defRPr>
+            </a:lvl1pPr>
+          </a:lstStyle>
           <a:p>
             <a:fld id="{FFA46F70-211F-40C1-BB67-083A1859D7F3}" type="slidenum">
               <a:rPr lang="sl-SI" smtClean="0"/>
@@ -322,12 +678,12 @@
     </p:spTree>
     <p:extLst>
       <p:ext uri="{BB962C8B-B14F-4D97-AF65-F5344CB8AC3E}">
-        <p14:creationId xmlns:p14="http://schemas.microsoft.com/office/powerpoint/2010/main" val="2914704370"/>
+        <p14:creationId xmlns:p14="http://schemas.microsoft.com/office/powerpoint/2010/main" val="1049973580"/>
       </p:ext>
     </p:extLst>
   </p:cSld>
   <p:clrMapOvr>
-    <a:masterClrMapping/>
+    <a:overrideClrMapping bg1="lt1" tx1="dk1" bg2="lt2" tx2="dk2" accent1="accent1" accent2="accent2" accent3="accent3" accent4="accent4" accent5="accent5" accent6="accent6" hlink="hlink" folHlink="folHlink"/>
   </p:clrMapOvr>
 </p:sldLayout>
 </file>
@@ -351,13 +707,7 @@
       </p:grpSpPr>
       <p:sp>
         <p:nvSpPr>
-          <p:cNvPr id="2" name="Naslov 1">
-            <a:extLst>
-              <a:ext uri="{FF2B5EF4-FFF2-40B4-BE49-F238E27FC236}">
-                <a16:creationId xmlns:a16="http://schemas.microsoft.com/office/drawing/2014/main" id="{AB24B9F7-1486-452C-9169-204EFEBC095E}"/>
-              </a:ext>
-            </a:extLst>
-          </p:cNvPr>
+          <p:cNvPr id="2" name="Title 1"/>
           <p:cNvSpPr>
             <a:spLocks noGrp="1"/>
           </p:cNvSpPr>
@@ -371,21 +721,16 @@
           <a:lstStyle/>
           <a:p>
             <a:r>
-              <a:rPr lang="sl-SI"/>
-              <a:t>Kliknite, če želite urediti slog naslova matrice</a:t>
-            </a:r>
+              <a:rPr lang="sl-SI" smtClean="0"/>
+              <a:t>Uredite slog naslova matrice</a:t>
+            </a:r>
+            <a:endParaRPr lang="en-US" dirty="0"/>
           </a:p>
         </p:txBody>
       </p:sp>
       <p:sp>
         <p:nvSpPr>
-          <p:cNvPr id="3" name="Označba mesta navpičnega besedila 2">
-            <a:extLst>
-              <a:ext uri="{FF2B5EF4-FFF2-40B4-BE49-F238E27FC236}">
-                <a16:creationId xmlns:a16="http://schemas.microsoft.com/office/drawing/2014/main" id="{9D7394EB-1656-43E6-BC4E-D8DDF243729D}"/>
-              </a:ext>
-            </a:extLst>
-          </p:cNvPr>
+          <p:cNvPr id="3" name="Vertical Text Placeholder 2"/>
           <p:cNvSpPr>
             <a:spLocks noGrp="1"/>
           </p:cNvSpPr>
@@ -400,49 +745,44 @@
           <a:p>
             <a:pPr lvl="0"/>
             <a:r>
-              <a:rPr lang="sl-SI"/>
-              <a:t>Kliknite za urejanje slogov besedila matrice</a:t>
+              <a:rPr lang="sl-SI" smtClean="0"/>
+              <a:t>Uredite sloge besedila matrice</a:t>
             </a:r>
           </a:p>
           <a:p>
             <a:pPr lvl="1"/>
             <a:r>
-              <a:rPr lang="sl-SI"/>
+              <a:rPr lang="sl-SI" smtClean="0"/>
               <a:t>Druga raven</a:t>
             </a:r>
           </a:p>
           <a:p>
             <a:pPr lvl="2"/>
             <a:r>
-              <a:rPr lang="sl-SI"/>
+              <a:rPr lang="sl-SI" smtClean="0"/>
               <a:t>Tretja raven</a:t>
             </a:r>
           </a:p>
           <a:p>
             <a:pPr lvl="3"/>
             <a:r>
-              <a:rPr lang="sl-SI"/>
+              <a:rPr lang="sl-SI" smtClean="0"/>
               <a:t>Četrta raven</a:t>
             </a:r>
           </a:p>
           <a:p>
             <a:pPr lvl="4"/>
             <a:r>
-              <a:rPr lang="sl-SI"/>
+              <a:rPr lang="sl-SI" smtClean="0"/>
               <a:t>Peta raven</a:t>
             </a:r>
+            <a:endParaRPr lang="en-US" dirty="0"/>
           </a:p>
         </p:txBody>
       </p:sp>
       <p:sp>
         <p:nvSpPr>
-          <p:cNvPr id="4" name="Označba mesta datuma 3">
-            <a:extLst>
-              <a:ext uri="{FF2B5EF4-FFF2-40B4-BE49-F238E27FC236}">
-                <a16:creationId xmlns:a16="http://schemas.microsoft.com/office/drawing/2014/main" id="{B5892A8F-A09F-438B-8638-FAC2C47C941D}"/>
-              </a:ext>
-            </a:extLst>
-          </p:cNvPr>
+          <p:cNvPr id="4" name="Date Placeholder 3"/>
           <p:cNvSpPr>
             <a:spLocks noGrp="1"/>
           </p:cNvSpPr>
@@ -465,13 +805,7 @@
       </p:sp>
       <p:sp>
         <p:nvSpPr>
-          <p:cNvPr id="5" name="Označba mesta noge 4">
-            <a:extLst>
-              <a:ext uri="{FF2B5EF4-FFF2-40B4-BE49-F238E27FC236}">
-                <a16:creationId xmlns:a16="http://schemas.microsoft.com/office/drawing/2014/main" id="{9B8FC6D1-D72D-429F-B30D-4D0CDD95AEEF}"/>
-              </a:ext>
-            </a:extLst>
-          </p:cNvPr>
+          <p:cNvPr id="5" name="Footer Placeholder 4"/>
           <p:cNvSpPr>
             <a:spLocks noGrp="1"/>
           </p:cNvSpPr>
@@ -490,13 +824,7 @@
       </p:sp>
       <p:sp>
         <p:nvSpPr>
-          <p:cNvPr id="6" name="Označba mesta številke diapozitiva 5">
-            <a:extLst>
-              <a:ext uri="{FF2B5EF4-FFF2-40B4-BE49-F238E27FC236}">
-                <a16:creationId xmlns:a16="http://schemas.microsoft.com/office/drawing/2014/main" id="{89D33F2F-9DC4-44D8-AD74-D894B0FB3284}"/>
-              </a:ext>
-            </a:extLst>
-          </p:cNvPr>
+          <p:cNvPr id="6" name="Slide Number Placeholder 5"/>
           <p:cNvSpPr>
             <a:spLocks noGrp="1"/>
           </p:cNvSpPr>
@@ -520,7 +848,7 @@
     </p:spTree>
     <p:extLst>
       <p:ext uri="{BB962C8B-B14F-4D97-AF65-F5344CB8AC3E}">
-        <p14:creationId xmlns:p14="http://schemas.microsoft.com/office/powerpoint/2010/main" val="3809136401"/>
+        <p14:creationId xmlns:p14="http://schemas.microsoft.com/office/powerpoint/2010/main" val="3522926947"/>
       </p:ext>
     </p:extLst>
   </p:cSld>
@@ -549,13 +877,7 @@
       </p:grpSpPr>
       <p:sp>
         <p:nvSpPr>
-          <p:cNvPr id="2" name="Navpični naslov 1">
-            <a:extLst>
-              <a:ext uri="{FF2B5EF4-FFF2-40B4-BE49-F238E27FC236}">
-                <a16:creationId xmlns:a16="http://schemas.microsoft.com/office/drawing/2014/main" id="{3EEAA66E-6C77-4294-AAFA-EF72E37CF0E8}"/>
-              </a:ext>
-            </a:extLst>
-          </p:cNvPr>
+          <p:cNvPr id="2" name="Vertical Title 1"/>
           <p:cNvSpPr>
             <a:spLocks noGrp="1"/>
           </p:cNvSpPr>
@@ -565,8 +887,8 @@
         </p:nvSpPr>
         <p:spPr>
           <a:xfrm>
-            <a:off x="8724900" y="365125"/>
-            <a:ext cx="2628900" cy="5811838"/>
+            <a:off x="8991600" y="762000"/>
+            <a:ext cx="2362200" cy="5257800"/>
           </a:xfrm>
         </p:spPr>
         <p:txBody>
@@ -574,21 +896,16 @@
           <a:lstStyle/>
           <a:p>
             <a:r>
-              <a:rPr lang="sl-SI"/>
-              <a:t>Kliknite, če želite urediti slog naslova matrice</a:t>
-            </a:r>
+              <a:rPr lang="sl-SI" smtClean="0"/>
+              <a:t>Uredite slog naslova matrice</a:t>
+            </a:r>
+            <a:endParaRPr lang="en-US" dirty="0"/>
           </a:p>
         </p:txBody>
       </p:sp>
       <p:sp>
         <p:nvSpPr>
-          <p:cNvPr id="3" name="Označba mesta navpičnega besedila 2">
-            <a:extLst>
-              <a:ext uri="{FF2B5EF4-FFF2-40B4-BE49-F238E27FC236}">
-                <a16:creationId xmlns:a16="http://schemas.microsoft.com/office/drawing/2014/main" id="{A7174E17-28CB-407E-9E16-714B04B1A3FB}"/>
-              </a:ext>
-            </a:extLst>
-          </p:cNvPr>
+          <p:cNvPr id="3" name="Vertical Text Placeholder 2"/>
           <p:cNvSpPr>
             <a:spLocks noGrp="1"/>
           </p:cNvSpPr>
@@ -598,8 +915,8 @@
         </p:nvSpPr>
         <p:spPr>
           <a:xfrm>
-            <a:off x="838200" y="365125"/>
-            <a:ext cx="7734300" cy="5811838"/>
+            <a:off x="838200" y="762000"/>
+            <a:ext cx="8077200" cy="5257800"/>
           </a:xfrm>
         </p:spPr>
         <p:txBody>
@@ -608,49 +925,44 @@
           <a:p>
             <a:pPr lvl="0"/>
             <a:r>
-              <a:rPr lang="sl-SI"/>
-              <a:t>Kliknite za urejanje slogov besedila matrice</a:t>
+              <a:rPr lang="sl-SI" smtClean="0"/>
+              <a:t>Uredite sloge besedila matrice</a:t>
             </a:r>
           </a:p>
           <a:p>
             <a:pPr lvl="1"/>
             <a:r>
-              <a:rPr lang="sl-SI"/>
+              <a:rPr lang="sl-SI" smtClean="0"/>
               <a:t>Druga raven</a:t>
             </a:r>
           </a:p>
           <a:p>
             <a:pPr lvl="2"/>
             <a:r>
-              <a:rPr lang="sl-SI"/>
+              <a:rPr lang="sl-SI" smtClean="0"/>
               <a:t>Tretja raven</a:t>
             </a:r>
           </a:p>
           <a:p>
             <a:pPr lvl="3"/>
             <a:r>
-              <a:rPr lang="sl-SI"/>
+              <a:rPr lang="sl-SI" smtClean="0"/>
               <a:t>Četrta raven</a:t>
             </a:r>
           </a:p>
           <a:p>
             <a:pPr lvl="4"/>
             <a:r>
-              <a:rPr lang="sl-SI"/>
+              <a:rPr lang="sl-SI" smtClean="0"/>
               <a:t>Peta raven</a:t>
             </a:r>
+            <a:endParaRPr lang="en-US" dirty="0"/>
           </a:p>
         </p:txBody>
       </p:sp>
       <p:sp>
         <p:nvSpPr>
-          <p:cNvPr id="4" name="Označba mesta datuma 3">
-            <a:extLst>
-              <a:ext uri="{FF2B5EF4-FFF2-40B4-BE49-F238E27FC236}">
-                <a16:creationId xmlns:a16="http://schemas.microsoft.com/office/drawing/2014/main" id="{AC5FE4A5-5792-4B9F-941E-926380CD4434}"/>
-              </a:ext>
-            </a:extLst>
-          </p:cNvPr>
+          <p:cNvPr id="4" name="Date Placeholder 3"/>
           <p:cNvSpPr>
             <a:spLocks noGrp="1"/>
           </p:cNvSpPr>
@@ -673,13 +985,7 @@
       </p:sp>
       <p:sp>
         <p:nvSpPr>
-          <p:cNvPr id="5" name="Označba mesta noge 4">
-            <a:extLst>
-              <a:ext uri="{FF2B5EF4-FFF2-40B4-BE49-F238E27FC236}">
-                <a16:creationId xmlns:a16="http://schemas.microsoft.com/office/drawing/2014/main" id="{BA62E87A-A8CF-48B5-9ABD-7919ECF1B2EF}"/>
-              </a:ext>
-            </a:extLst>
-          </p:cNvPr>
+          <p:cNvPr id="5" name="Footer Placeholder 4"/>
           <p:cNvSpPr>
             <a:spLocks noGrp="1"/>
           </p:cNvSpPr>
@@ -698,13 +1004,7 @@
       </p:sp>
       <p:sp>
         <p:nvSpPr>
-          <p:cNvPr id="6" name="Označba mesta številke diapozitiva 5">
-            <a:extLst>
-              <a:ext uri="{FF2B5EF4-FFF2-40B4-BE49-F238E27FC236}">
-                <a16:creationId xmlns:a16="http://schemas.microsoft.com/office/drawing/2014/main" id="{E30315E5-3AED-4BED-AC46-EBD066C5CA89}"/>
-              </a:ext>
-            </a:extLst>
-          </p:cNvPr>
+          <p:cNvPr id="6" name="Slide Number Placeholder 5"/>
           <p:cNvSpPr>
             <a:spLocks noGrp="1"/>
           </p:cNvSpPr>
@@ -728,7 +1028,7 @@
     </p:spTree>
     <p:extLst>
       <p:ext uri="{BB962C8B-B14F-4D97-AF65-F5344CB8AC3E}">
-        <p14:creationId xmlns:p14="http://schemas.microsoft.com/office/powerpoint/2010/main" val="2049831218"/>
+        <p14:creationId xmlns:p14="http://schemas.microsoft.com/office/powerpoint/2010/main" val="916081476"/>
       </p:ext>
     </p:extLst>
   </p:cSld>
@@ -757,13 +1057,7 @@
       </p:grpSpPr>
       <p:sp>
         <p:nvSpPr>
-          <p:cNvPr id="2" name="Naslov 1">
-            <a:extLst>
-              <a:ext uri="{FF2B5EF4-FFF2-40B4-BE49-F238E27FC236}">
-                <a16:creationId xmlns:a16="http://schemas.microsoft.com/office/drawing/2014/main" id="{1F1B958C-F04B-480D-8E40-072EF55301A6}"/>
-              </a:ext>
-            </a:extLst>
-          </p:cNvPr>
+          <p:cNvPr id="2" name="Title 1"/>
           <p:cNvSpPr>
             <a:spLocks noGrp="1"/>
           </p:cNvSpPr>
@@ -777,21 +1071,16 @@
           <a:lstStyle/>
           <a:p>
             <a:r>
-              <a:rPr lang="sl-SI"/>
-              <a:t>Kliknite, če želite urediti slog naslova matrice</a:t>
-            </a:r>
+              <a:rPr lang="sl-SI" smtClean="0"/>
+              <a:t>Uredite slog naslova matrice</a:t>
+            </a:r>
+            <a:endParaRPr lang="en-US" dirty="0"/>
           </a:p>
         </p:txBody>
       </p:sp>
       <p:sp>
         <p:nvSpPr>
-          <p:cNvPr id="3" name="Označba mesta vsebine 2">
-            <a:extLst>
-              <a:ext uri="{FF2B5EF4-FFF2-40B4-BE49-F238E27FC236}">
-                <a16:creationId xmlns:a16="http://schemas.microsoft.com/office/drawing/2014/main" id="{C5F77A6F-BBB2-4DFD-9E5D-B4A8E44E4E5F}"/>
-              </a:ext>
-            </a:extLst>
-          </p:cNvPr>
+          <p:cNvPr id="3" name="Content Placeholder 2"/>
           <p:cNvSpPr>
             <a:spLocks noGrp="1"/>
           </p:cNvSpPr>
@@ -806,49 +1095,44 @@
           <a:p>
             <a:pPr lvl="0"/>
             <a:r>
-              <a:rPr lang="sl-SI"/>
-              <a:t>Kliknite za urejanje slogov besedila matrice</a:t>
+              <a:rPr lang="sl-SI" smtClean="0"/>
+              <a:t>Uredite sloge besedila matrice</a:t>
             </a:r>
           </a:p>
           <a:p>
             <a:pPr lvl="1"/>
             <a:r>
-              <a:rPr lang="sl-SI"/>
+              <a:rPr lang="sl-SI" smtClean="0"/>
               <a:t>Druga raven</a:t>
             </a:r>
           </a:p>
           <a:p>
             <a:pPr lvl="2"/>
             <a:r>
-              <a:rPr lang="sl-SI"/>
+              <a:rPr lang="sl-SI" smtClean="0"/>
               <a:t>Tretja raven</a:t>
             </a:r>
           </a:p>
           <a:p>
             <a:pPr lvl="3"/>
             <a:r>
-              <a:rPr lang="sl-SI"/>
+              <a:rPr lang="sl-SI" smtClean="0"/>
               <a:t>Četrta raven</a:t>
             </a:r>
           </a:p>
           <a:p>
             <a:pPr lvl="4"/>
             <a:r>
-              <a:rPr lang="sl-SI"/>
+              <a:rPr lang="sl-SI" smtClean="0"/>
               <a:t>Peta raven</a:t>
             </a:r>
+            <a:endParaRPr lang="en-US" dirty="0"/>
           </a:p>
         </p:txBody>
       </p:sp>
       <p:sp>
         <p:nvSpPr>
-          <p:cNvPr id="4" name="Označba mesta datuma 3">
-            <a:extLst>
-              <a:ext uri="{FF2B5EF4-FFF2-40B4-BE49-F238E27FC236}">
-                <a16:creationId xmlns:a16="http://schemas.microsoft.com/office/drawing/2014/main" id="{B906ED79-BACF-441F-B257-DC00AB244ADF}"/>
-              </a:ext>
-            </a:extLst>
-          </p:cNvPr>
+          <p:cNvPr id="4" name="Date Placeholder 3"/>
           <p:cNvSpPr>
             <a:spLocks noGrp="1"/>
           </p:cNvSpPr>
@@ -871,13 +1155,7 @@
       </p:sp>
       <p:sp>
         <p:nvSpPr>
-          <p:cNvPr id="5" name="Označba mesta noge 4">
-            <a:extLst>
-              <a:ext uri="{FF2B5EF4-FFF2-40B4-BE49-F238E27FC236}">
-                <a16:creationId xmlns:a16="http://schemas.microsoft.com/office/drawing/2014/main" id="{75A7A2EC-0C36-403D-B194-8377B4C27D24}"/>
-              </a:ext>
-            </a:extLst>
-          </p:cNvPr>
+          <p:cNvPr id="5" name="Footer Placeholder 4"/>
           <p:cNvSpPr>
             <a:spLocks noGrp="1"/>
           </p:cNvSpPr>
@@ -896,13 +1174,7 @@
       </p:sp>
       <p:sp>
         <p:nvSpPr>
-          <p:cNvPr id="6" name="Označba mesta številke diapozitiva 5">
-            <a:extLst>
-              <a:ext uri="{FF2B5EF4-FFF2-40B4-BE49-F238E27FC236}">
-                <a16:creationId xmlns:a16="http://schemas.microsoft.com/office/drawing/2014/main" id="{7F7547AE-83A6-4319-A51B-97CCF8835F36}"/>
-              </a:ext>
-            </a:extLst>
-          </p:cNvPr>
+          <p:cNvPr id="6" name="Slide Number Placeholder 5"/>
           <p:cNvSpPr>
             <a:spLocks noGrp="1"/>
           </p:cNvSpPr>
@@ -926,7 +1198,7 @@
     </p:spTree>
     <p:extLst>
       <p:ext uri="{BB962C8B-B14F-4D97-AF65-F5344CB8AC3E}">
-        <p14:creationId xmlns:p14="http://schemas.microsoft.com/office/powerpoint/2010/main" val="2891836820"/>
+        <p14:creationId xmlns:p14="http://schemas.microsoft.com/office/powerpoint/2010/main" val="3021544022"/>
       </p:ext>
     </p:extLst>
   </p:cSld>
@@ -937,8 +1209,13 @@
 </file>
 
 <file path=ppt/slideLayouts/slideLayout3.xml><?xml version="1.0" encoding="utf-8"?>
-<p:sldLayout xmlns:a="http://schemas.openxmlformats.org/drawingml/2006/main" xmlns:r="http://schemas.openxmlformats.org/officeDocument/2006/relationships" xmlns:p="http://schemas.openxmlformats.org/presentationml/2006/main" type="secHead" preserve="1">
+<p:sldLayout xmlns:a="http://schemas.openxmlformats.org/drawingml/2006/main" xmlns:r="http://schemas.openxmlformats.org/officeDocument/2006/relationships" xmlns:p="http://schemas.openxmlformats.org/presentationml/2006/main" showMasterSp="0" type="secHead" preserve="1">
   <p:cSld name="Glava odseka">
+    <p:bg>
+      <p:bgRef idx="1001">
+        <a:schemeClr val="bg2"/>
+      </p:bgRef>
+    </p:bg>
     <p:spTree>
       <p:nvGrpSpPr>
         <p:cNvPr id="1" name=""/>
@@ -955,13 +1232,300 @@
       </p:grpSpPr>
       <p:sp>
         <p:nvSpPr>
-          <p:cNvPr id="2" name="Naslov 1">
-            <a:extLst>
-              <a:ext uri="{FF2B5EF4-FFF2-40B4-BE49-F238E27FC236}">
-                <a16:creationId xmlns:a16="http://schemas.microsoft.com/office/drawing/2014/main" id="{DB615998-C99B-4DD5-92E4-D428F2320BF8}"/>
-              </a:ext>
-            </a:extLst>
-          </p:cNvPr>
+          <p:cNvPr id="16" name="Rectangle 15"/>
+          <p:cNvSpPr/>
+          <p:nvPr/>
+        </p:nvSpPr>
+        <p:spPr>
+          <a:xfrm>
+            <a:off x="11784" y="0"/>
+            <a:ext cx="12192000" cy="6858000"/>
+          </a:xfrm>
+          <a:prstGeom prst="rect">
+            <a:avLst/>
+          </a:prstGeom>
+          <a:blipFill dpi="0" rotWithShape="1">
+            <a:blip r:embed="rId2">
+              <a:alphaModFix amt="40000"/>
+              <a:duotone>
+                <a:schemeClr val="accent2">
+                  <a:shade val="45000"/>
+                  <a:satMod val="135000"/>
+                </a:schemeClr>
+                <a:prstClr val="white"/>
+              </a:duotone>
+            </a:blip>
+            <a:srcRect/>
+            <a:tile tx="-133350" ty="330200" sx="85000" sy="85000" flip="xy" algn="tl"/>
+          </a:blipFill>
+          <a:ln>
+            <a:noFill/>
+          </a:ln>
+        </p:spPr>
+        <p:style>
+          <a:lnRef idx="2">
+            <a:schemeClr val="accent1">
+              <a:shade val="50000"/>
+            </a:schemeClr>
+          </a:lnRef>
+          <a:fillRef idx="1">
+            <a:schemeClr val="accent1"/>
+          </a:fillRef>
+          <a:effectRef idx="0">
+            <a:schemeClr val="accent1"/>
+          </a:effectRef>
+          <a:fontRef idx="minor">
+            <a:schemeClr val="lt1"/>
+          </a:fontRef>
+        </p:style>
+      </p:sp>
+      <p:sp>
+        <p:nvSpPr>
+          <p:cNvPr id="23" name="Rectangle 22"/>
+          <p:cNvSpPr/>
+          <p:nvPr/>
+        </p:nvSpPr>
+        <p:spPr>
+          <a:xfrm>
+            <a:off x="1307870" y="1267730"/>
+            <a:ext cx="9576262" cy="4307950"/>
+          </a:xfrm>
+          <a:prstGeom prst="rect">
+            <a:avLst/>
+          </a:prstGeom>
+          <a:solidFill>
+            <a:schemeClr val="bg1"/>
+          </a:solidFill>
+          <a:ln w="6350" cap="flat" cmpd="sng" algn="ctr">
+            <a:noFill/>
+            <a:prstDash val="solid"/>
+          </a:ln>
+          <a:effectLst>
+            <a:outerShdw blurRad="50800" algn="ctr" rotWithShape="0">
+              <a:prstClr val="black">
+                <a:alpha val="66000"/>
+              </a:prstClr>
+            </a:outerShdw>
+            <a:softEdge rad="0"/>
+          </a:effectLst>
+        </p:spPr>
+      </p:sp>
+      <p:sp>
+        <p:nvSpPr>
+          <p:cNvPr id="24" name="Rectangle 23"/>
+          <p:cNvSpPr/>
+          <p:nvPr/>
+        </p:nvSpPr>
+        <p:spPr>
+          <a:xfrm>
+            <a:off x="1447801" y="1411615"/>
+            <a:ext cx="9296400" cy="4034770"/>
+          </a:xfrm>
+          <a:prstGeom prst="rect">
+            <a:avLst/>
+          </a:prstGeom>
+          <a:noFill/>
+          <a:ln w="6350" cap="sq" cmpd="sng" algn="ctr">
+            <a:solidFill>
+              <a:schemeClr val="tx1">
+                <a:lumMod val="75000"/>
+                <a:lumOff val="25000"/>
+              </a:schemeClr>
+            </a:solidFill>
+            <a:prstDash val="solid"/>
+            <a:miter lim="800000"/>
+          </a:ln>
+          <a:effectLst/>
+        </p:spPr>
+      </p:sp>
+      <p:sp>
+        <p:nvSpPr>
+          <p:cNvPr id="30" name="Rectangle 29"/>
+          <p:cNvSpPr/>
+          <p:nvPr/>
+        </p:nvSpPr>
+        <p:spPr>
+          <a:xfrm>
+            <a:off x="5135880" y="1267730"/>
+            <a:ext cx="1920240" cy="731520"/>
+          </a:xfrm>
+          <a:prstGeom prst="rect">
+            <a:avLst/>
+          </a:prstGeom>
+          <a:solidFill>
+            <a:schemeClr val="accent2"/>
+          </a:solidFill>
+          <a:ln>
+            <a:noFill/>
+          </a:ln>
+        </p:spPr>
+        <p:style>
+          <a:lnRef idx="2">
+            <a:schemeClr val="accent1">
+              <a:shade val="50000"/>
+            </a:schemeClr>
+          </a:lnRef>
+          <a:fillRef idx="1">
+            <a:schemeClr val="accent1"/>
+          </a:fillRef>
+          <a:effectRef idx="0">
+            <a:schemeClr val="accent1"/>
+          </a:effectRef>
+          <a:fontRef idx="minor">
+            <a:schemeClr val="lt1"/>
+          </a:fontRef>
+        </p:style>
+      </p:sp>
+      <p:grpSp>
+        <p:nvGrpSpPr>
+          <p:cNvPr id="31" name="Group 30"/>
+          <p:cNvGrpSpPr/>
+          <p:nvPr/>
+        </p:nvGrpSpPr>
+        <p:grpSpPr>
+          <a:xfrm>
+            <a:off x="5250180" y="1267730"/>
+            <a:ext cx="1691640" cy="645295"/>
+            <a:chOff x="5318306" y="1386268"/>
+            <a:chExt cx="1567331" cy="645295"/>
+          </a:xfrm>
+        </p:grpSpPr>
+        <p:cxnSp>
+          <p:nvCxnSpPr>
+            <p:cNvPr id="32" name="Straight Connector 31"/>
+            <p:cNvCxnSpPr/>
+            <p:nvPr/>
+          </p:nvCxnSpPr>
+          <p:spPr>
+            <a:xfrm>
+              <a:off x="5318306" y="1386268"/>
+              <a:ext cx="0" cy="640080"/>
+            </a:xfrm>
+            <a:prstGeom prst="line">
+              <a:avLst/>
+            </a:prstGeom>
+            <a:solidFill>
+              <a:schemeClr val="tx1">
+                <a:lumMod val="85000"/>
+                <a:lumOff val="15000"/>
+              </a:schemeClr>
+            </a:solidFill>
+            <a:ln>
+              <a:solidFill>
+                <a:schemeClr val="accent2">
+                  <a:lumMod val="50000"/>
+                </a:schemeClr>
+              </a:solidFill>
+              <a:miter lim="800000"/>
+            </a:ln>
+          </p:spPr>
+          <p:style>
+            <a:lnRef idx="1">
+              <a:schemeClr val="accent1"/>
+            </a:lnRef>
+            <a:fillRef idx="0">
+              <a:schemeClr val="accent1"/>
+            </a:fillRef>
+            <a:effectRef idx="0">
+              <a:schemeClr val="accent1"/>
+            </a:effectRef>
+            <a:fontRef idx="minor">
+              <a:schemeClr val="tx1"/>
+            </a:fontRef>
+          </p:style>
+        </p:cxnSp>
+        <p:cxnSp>
+          <p:nvCxnSpPr>
+            <p:cNvPr id="33" name="Straight Connector 32"/>
+            <p:cNvCxnSpPr/>
+            <p:nvPr/>
+          </p:nvCxnSpPr>
+          <p:spPr>
+            <a:xfrm>
+              <a:off x="6885637" y="1386268"/>
+              <a:ext cx="0" cy="640080"/>
+            </a:xfrm>
+            <a:prstGeom prst="line">
+              <a:avLst/>
+            </a:prstGeom>
+            <a:solidFill>
+              <a:schemeClr val="tx1">
+                <a:lumMod val="85000"/>
+                <a:lumOff val="15000"/>
+              </a:schemeClr>
+            </a:solidFill>
+            <a:ln>
+              <a:solidFill>
+                <a:schemeClr val="accent2">
+                  <a:lumMod val="50000"/>
+                </a:schemeClr>
+              </a:solidFill>
+              <a:miter lim="800000"/>
+            </a:ln>
+          </p:spPr>
+          <p:style>
+            <a:lnRef idx="1">
+              <a:schemeClr val="accent1"/>
+            </a:lnRef>
+            <a:fillRef idx="0">
+              <a:schemeClr val="accent1"/>
+            </a:fillRef>
+            <a:effectRef idx="0">
+              <a:schemeClr val="accent1"/>
+            </a:effectRef>
+            <a:fontRef idx="minor">
+              <a:schemeClr val="tx1"/>
+            </a:fontRef>
+          </p:style>
+        </p:cxnSp>
+        <p:cxnSp>
+          <p:nvCxnSpPr>
+            <p:cNvPr id="34" name="Straight Connector 33"/>
+            <p:cNvCxnSpPr/>
+            <p:nvPr/>
+          </p:nvCxnSpPr>
+          <p:spPr>
+            <a:xfrm>
+              <a:off x="5318306" y="2031563"/>
+              <a:ext cx="1567331" cy="0"/>
+            </a:xfrm>
+            <a:prstGeom prst="line">
+              <a:avLst/>
+            </a:prstGeom>
+            <a:solidFill>
+              <a:schemeClr val="tx1">
+                <a:lumMod val="85000"/>
+                <a:lumOff val="15000"/>
+              </a:schemeClr>
+            </a:solidFill>
+            <a:ln>
+              <a:solidFill>
+                <a:schemeClr val="accent2">
+                  <a:lumMod val="50000"/>
+                </a:schemeClr>
+              </a:solidFill>
+              <a:miter lim="800000"/>
+            </a:ln>
+          </p:spPr>
+          <p:style>
+            <a:lnRef idx="1">
+              <a:schemeClr val="accent1"/>
+            </a:lnRef>
+            <a:fillRef idx="0">
+              <a:schemeClr val="accent1"/>
+            </a:fillRef>
+            <a:effectRef idx="0">
+              <a:schemeClr val="accent1"/>
+            </a:effectRef>
+            <a:fontRef idx="minor">
+              <a:schemeClr val="tx1"/>
+            </a:fontRef>
+          </p:style>
+        </p:cxnSp>
+      </p:grpSp>
+      <p:sp>
+        <p:nvSpPr>
+          <p:cNvPr id="2" name="Title 1"/>
           <p:cNvSpPr>
             <a:spLocks noGrp="1"/>
           </p:cNvSpPr>
@@ -971,34 +1535,45 @@
         </p:nvSpPr>
         <p:spPr>
           <a:xfrm>
-            <a:off x="831850" y="1709738"/>
-            <a:ext cx="10515600" cy="2852737"/>
+            <a:off x="1563623" y="2094309"/>
+            <a:ext cx="9070848" cy="2587752"/>
           </a:xfrm>
         </p:spPr>
         <p:txBody>
-          <a:bodyPr anchor="b"/>
+          <a:bodyPr anchor="ctr">
+            <a:noAutofit/>
+          </a:bodyPr>
           <a:lstStyle>
-            <a:lvl1pPr>
-              <a:defRPr sz="6000"/>
+            <a:lvl1pPr algn="ctr">
+              <a:lnSpc>
+                <a:spcPct val="83000"/>
+              </a:lnSpc>
+              <a:defRPr lang="en-US" sz="7200" kern="1200" cap="all" spc="-100" baseline="0" dirty="0">
+                <a:solidFill>
+                  <a:schemeClr val="tx1">
+                    <a:lumMod val="85000"/>
+                    <a:lumOff val="15000"/>
+                  </a:schemeClr>
+                </a:solidFill>
+                <a:effectLst/>
+                <a:latin typeface="+mj-lt"/>
+                <a:ea typeface="+mn-ea"/>
+                <a:cs typeface="+mn-cs"/>
+              </a:defRPr>
             </a:lvl1pPr>
           </a:lstStyle>
           <a:p>
             <a:r>
-              <a:rPr lang="sl-SI"/>
-              <a:t>Kliknite, če želite urediti slog naslova matrice</a:t>
-            </a:r>
+              <a:rPr lang="sl-SI" smtClean="0"/>
+              <a:t>Uredite slog naslova matrice</a:t>
+            </a:r>
+            <a:endParaRPr lang="en-US" dirty="0"/>
           </a:p>
         </p:txBody>
       </p:sp>
       <p:sp>
         <p:nvSpPr>
-          <p:cNvPr id="3" name="Označba mesta besedila 2">
-            <a:extLst>
-              <a:ext uri="{FF2B5EF4-FFF2-40B4-BE49-F238E27FC236}">
-                <a16:creationId xmlns:a16="http://schemas.microsoft.com/office/drawing/2014/main" id="{36717D7F-720C-4D95-9A9F-DCA8B0196C69}"/>
-              </a:ext>
-            </a:extLst>
-          </p:cNvPr>
+          <p:cNvPr id="3" name="Text Placeholder 2"/>
           <p:cNvSpPr>
             <a:spLocks noGrp="1"/>
           </p:cNvSpPr>
@@ -1008,26 +1583,30 @@
         </p:nvSpPr>
         <p:spPr>
           <a:xfrm>
-            <a:off x="831850" y="4589463"/>
-            <a:ext cx="10515600" cy="1500187"/>
+            <a:off x="1563624" y="4682062"/>
+            <a:ext cx="9070848" cy="457200"/>
           </a:xfrm>
         </p:spPr>
         <p:txBody>
-          <a:bodyPr/>
+          <a:bodyPr anchor="t">
+            <a:normAutofit/>
+          </a:bodyPr>
           <a:lstStyle>
-            <a:lvl1pPr marL="0" indent="0">
+            <a:lvl1pPr marL="0" indent="0" algn="ctr">
               <a:buNone/>
-              <a:defRPr sz="2400">
+              <a:tabLst>
+                <a:tab pos="2633663" algn="l"/>
+              </a:tabLst>
+              <a:defRPr sz="1600">
                 <a:solidFill>
-                  <a:schemeClr val="tx1">
-                    <a:tint val="75000"/>
-                  </a:schemeClr>
+                  <a:schemeClr val="tx2"/>
                 </a:solidFill>
+                <a:effectLst/>
               </a:defRPr>
             </a:lvl1pPr>
             <a:lvl2pPr marL="457200" indent="0">
               <a:buNone/>
-              <a:defRPr sz="2000">
+              <a:defRPr sz="1600">
                 <a:solidFill>
                   <a:schemeClr val="tx1">
                     <a:tint val="75000"/>
@@ -1037,7 +1616,7 @@
             </a:lvl2pPr>
             <a:lvl3pPr marL="914400" indent="0">
               <a:buNone/>
-              <a:defRPr sz="1800">
+              <a:defRPr sz="1600">
                 <a:solidFill>
                   <a:schemeClr val="tx1">
                     <a:tint val="75000"/>
@@ -1047,7 +1626,7 @@
             </a:lvl3pPr>
             <a:lvl4pPr marL="1371600" indent="0">
               <a:buNone/>
-              <a:defRPr sz="1600">
+              <a:defRPr sz="1400">
                 <a:solidFill>
                   <a:schemeClr val="tx1">
                     <a:tint val="75000"/>
@@ -1057,7 +1636,7 @@
             </a:lvl4pPr>
             <a:lvl5pPr marL="1828800" indent="0">
               <a:buNone/>
-              <a:defRPr sz="1600">
+              <a:defRPr sz="1400">
                 <a:solidFill>
                   <a:schemeClr val="tx1">
                     <a:tint val="75000"/>
@@ -1067,7 +1646,7 @@
             </a:lvl5pPr>
             <a:lvl6pPr marL="2286000" indent="0">
               <a:buNone/>
-              <a:defRPr sz="1600">
+              <a:defRPr sz="1400">
                 <a:solidFill>
                   <a:schemeClr val="tx1">
                     <a:tint val="75000"/>
@@ -1077,7 +1656,7 @@
             </a:lvl6pPr>
             <a:lvl7pPr marL="2743200" indent="0">
               <a:buNone/>
-              <a:defRPr sz="1600">
+              <a:defRPr sz="1400">
                 <a:solidFill>
                   <a:schemeClr val="tx1">
                     <a:tint val="75000"/>
@@ -1087,7 +1666,7 @@
             </a:lvl7pPr>
             <a:lvl8pPr marL="3200400" indent="0">
               <a:buNone/>
-              <a:defRPr sz="1600">
+              <a:defRPr sz="1400">
                 <a:solidFill>
                   <a:schemeClr val="tx1">
                     <a:tint val="75000"/>
@@ -1097,7 +1676,7 @@
             </a:lvl8pPr>
             <a:lvl9pPr marL="3657600" indent="0">
               <a:buNone/>
-              <a:defRPr sz="1600">
+              <a:defRPr sz="1400">
                 <a:solidFill>
                   <a:schemeClr val="tx1">
                     <a:tint val="75000"/>
@@ -1109,21 +1688,15 @@
           <a:p>
             <a:pPr lvl="0"/>
             <a:r>
-              <a:rPr lang="sl-SI"/>
-              <a:t>Kliknite za urejanje slogov besedila matrice</a:t>
+              <a:rPr lang="sl-SI" smtClean="0"/>
+              <a:t>Uredite sloge besedila matrice</a:t>
             </a:r>
           </a:p>
         </p:txBody>
       </p:sp>
       <p:sp>
         <p:nvSpPr>
-          <p:cNvPr id="4" name="Označba mesta datuma 3">
-            <a:extLst>
-              <a:ext uri="{FF2B5EF4-FFF2-40B4-BE49-F238E27FC236}">
-                <a16:creationId xmlns:a16="http://schemas.microsoft.com/office/drawing/2014/main" id="{E170FF98-5D94-47A7-8B9E-DC2E2C38D291}"/>
-              </a:ext>
-            </a:extLst>
-          </p:cNvPr>
+          <p:cNvPr id="4" name="Date Placeholder 3"/>
           <p:cNvSpPr>
             <a:spLocks noGrp="1"/>
           </p:cNvSpPr>
@@ -1131,65 +1704,83 @@
             <p:ph type="dt" sz="half" idx="10"/>
           </p:nvPr>
         </p:nvSpPr>
-        <p:spPr/>
+        <p:spPr>
+          <a:xfrm>
+            <a:off x="5321808" y="1344502"/>
+            <a:ext cx="1554480" cy="530352"/>
+          </a:xfrm>
+        </p:spPr>
+        <p:txBody>
+          <a:bodyPr/>
+          <a:lstStyle>
+            <a:lvl1pPr algn="ctr">
+              <a:defRPr lang="en-US" sz="1300" kern="1200" spc="0" baseline="0">
+                <a:solidFill>
+                  <a:srgbClr val="FFFFFF"/>
+                </a:solidFill>
+                <a:latin typeface="+mn-lt"/>
+                <a:ea typeface="+mn-ea"/>
+                <a:cs typeface="+mn-cs"/>
+              </a:defRPr>
+            </a:lvl1pPr>
+          </a:lstStyle>
+          <a:p>
+            <a:fld id="{5B7A9F00-252E-4934-8989-361D36C351BE}" type="datetimeFigureOut">
+              <a:rPr lang="sl-SI" smtClean="0"/>
+              <a:t>23. 05. 2020</a:t>
+            </a:fld>
+            <a:endParaRPr lang="sl-SI"/>
+          </a:p>
+        </p:txBody>
+      </p:sp>
+      <p:sp>
+        <p:nvSpPr>
+          <p:cNvPr id="5" name="Footer Placeholder 4"/>
+          <p:cNvSpPr>
+            <a:spLocks noGrp="1"/>
+          </p:cNvSpPr>
+          <p:nvPr>
+            <p:ph type="ftr" sz="quarter" idx="11"/>
+          </p:nvPr>
+        </p:nvSpPr>
+        <p:spPr>
+          <a:xfrm>
+            <a:off x="1453896" y="5212080"/>
+            <a:ext cx="5907024" cy="228600"/>
+          </a:xfrm>
+        </p:spPr>
+        <p:txBody>
+          <a:bodyPr/>
+          <a:lstStyle>
+            <a:lvl1pPr algn="l">
+              <a:defRPr/>
+            </a:lvl1pPr>
+          </a:lstStyle>
+          <a:p>
+            <a:endParaRPr lang="sl-SI"/>
+          </a:p>
+        </p:txBody>
+      </p:sp>
+      <p:sp>
+        <p:nvSpPr>
+          <p:cNvPr id="6" name="Slide Number Placeholder 5"/>
+          <p:cNvSpPr>
+            <a:spLocks noGrp="1"/>
+          </p:cNvSpPr>
+          <p:nvPr>
+            <p:ph type="sldNum" sz="quarter" idx="12"/>
+          </p:nvPr>
+        </p:nvSpPr>
+        <p:spPr>
+          <a:xfrm>
+            <a:off x="8604504" y="5212080"/>
+            <a:ext cx="2112264" cy="228600"/>
+          </a:xfrm>
+        </p:spPr>
         <p:txBody>
           <a:bodyPr/>
           <a:lstStyle/>
           <a:p>
-            <a:fld id="{5B7A9F00-252E-4934-8989-361D36C351BE}" type="datetimeFigureOut">
-              <a:rPr lang="sl-SI" smtClean="0"/>
-              <a:t>23. 05. 2020</a:t>
-            </a:fld>
-            <a:endParaRPr lang="sl-SI"/>
-          </a:p>
-        </p:txBody>
-      </p:sp>
-      <p:sp>
-        <p:nvSpPr>
-          <p:cNvPr id="5" name="Označba mesta noge 4">
-            <a:extLst>
-              <a:ext uri="{FF2B5EF4-FFF2-40B4-BE49-F238E27FC236}">
-                <a16:creationId xmlns:a16="http://schemas.microsoft.com/office/drawing/2014/main" id="{C8FC3864-7FDF-40A8-A947-28C2434FCDC3}"/>
-              </a:ext>
-            </a:extLst>
-          </p:cNvPr>
-          <p:cNvSpPr>
-            <a:spLocks noGrp="1"/>
-          </p:cNvSpPr>
-          <p:nvPr>
-            <p:ph type="ftr" sz="quarter" idx="11"/>
-          </p:nvPr>
-        </p:nvSpPr>
-        <p:spPr/>
-        <p:txBody>
-          <a:bodyPr/>
-          <a:lstStyle/>
-          <a:p>
-            <a:endParaRPr lang="sl-SI"/>
-          </a:p>
-        </p:txBody>
-      </p:sp>
-      <p:sp>
-        <p:nvSpPr>
-          <p:cNvPr id="6" name="Označba mesta številke diapozitiva 5">
-            <a:extLst>
-              <a:ext uri="{FF2B5EF4-FFF2-40B4-BE49-F238E27FC236}">
-                <a16:creationId xmlns:a16="http://schemas.microsoft.com/office/drawing/2014/main" id="{4253C240-E5BA-40EB-8B20-B80576B4E3AB}"/>
-              </a:ext>
-            </a:extLst>
-          </p:cNvPr>
-          <p:cNvSpPr>
-            <a:spLocks noGrp="1"/>
-          </p:cNvSpPr>
-          <p:nvPr>
-            <p:ph type="sldNum" sz="quarter" idx="12"/>
-          </p:nvPr>
-        </p:nvSpPr>
-        <p:spPr/>
-        <p:txBody>
-          <a:bodyPr/>
-          <a:lstStyle/>
-          <a:p>
             <a:fld id="{FFA46F70-211F-40C1-BB67-083A1859D7F3}" type="slidenum">
               <a:rPr lang="sl-SI" smtClean="0"/>
               <a:t>‹#›</a:t>
@@ -1201,12 +1792,12 @@
     </p:spTree>
     <p:extLst>
       <p:ext uri="{BB962C8B-B14F-4D97-AF65-F5344CB8AC3E}">
-        <p14:creationId xmlns:p14="http://schemas.microsoft.com/office/powerpoint/2010/main" val="597030444"/>
+        <p14:creationId xmlns:p14="http://schemas.microsoft.com/office/powerpoint/2010/main" val="2526105191"/>
       </p:ext>
     </p:extLst>
   </p:cSld>
   <p:clrMapOvr>
-    <a:masterClrMapping/>
+    <a:overrideClrMapping bg1="lt1" tx1="dk1" bg2="lt2" tx2="dk2" accent1="accent1" accent2="accent2" accent3="accent3" accent4="accent4" accent5="accent5" accent6="accent6" hlink="hlink" folHlink="folHlink"/>
   </p:clrMapOvr>
 </p:sldLayout>
 </file>
@@ -1230,13 +1821,7 @@
       </p:grpSpPr>
       <p:sp>
         <p:nvSpPr>
-          <p:cNvPr id="2" name="Naslov 1">
-            <a:extLst>
-              <a:ext uri="{FF2B5EF4-FFF2-40B4-BE49-F238E27FC236}">
-                <a16:creationId xmlns:a16="http://schemas.microsoft.com/office/drawing/2014/main" id="{5E7C2299-6A5F-424D-B6D9-301661497185}"/>
-              </a:ext>
-            </a:extLst>
-          </p:cNvPr>
+          <p:cNvPr id="8" name="Title 7"/>
           <p:cNvSpPr>
             <a:spLocks noGrp="1"/>
           </p:cNvSpPr>
@@ -1250,21 +1835,16 @@
           <a:lstStyle/>
           <a:p>
             <a:r>
-              <a:rPr lang="sl-SI"/>
-              <a:t>Kliknite, če želite urediti slog naslova matrice</a:t>
-            </a:r>
+              <a:rPr lang="sl-SI" smtClean="0"/>
+              <a:t>Uredite slog naslova matrice</a:t>
+            </a:r>
+            <a:endParaRPr lang="en-US" dirty="0"/>
           </a:p>
         </p:txBody>
       </p:sp>
       <p:sp>
         <p:nvSpPr>
-          <p:cNvPr id="3" name="Označba mesta vsebine 2">
-            <a:extLst>
-              <a:ext uri="{FF2B5EF4-FFF2-40B4-BE49-F238E27FC236}">
-                <a16:creationId xmlns:a16="http://schemas.microsoft.com/office/drawing/2014/main" id="{DC7617C5-754A-4BC4-8AF9-C163FD573C41}"/>
-              </a:ext>
-            </a:extLst>
-          </p:cNvPr>
+          <p:cNvPr id="3" name="Content Placeholder 2"/>
           <p:cNvSpPr>
             <a:spLocks noGrp="1"/>
           </p:cNvSpPr>
@@ -1274,59 +1854,82 @@
         </p:nvSpPr>
         <p:spPr>
           <a:xfrm>
-            <a:off x="838200" y="1825625"/>
-            <a:ext cx="5181600" cy="4351338"/>
+            <a:off x="1066800" y="2103120"/>
+            <a:ext cx="4754880" cy="3749040"/>
           </a:xfrm>
         </p:spPr>
         <p:txBody>
           <a:bodyPr/>
-          <a:lstStyle/>
+          <a:lstStyle>
+            <a:lvl1pPr>
+              <a:defRPr sz="1800"/>
+            </a:lvl1pPr>
+            <a:lvl2pPr>
+              <a:defRPr sz="1600"/>
+            </a:lvl2pPr>
+            <a:lvl3pPr>
+              <a:defRPr sz="1400"/>
+            </a:lvl3pPr>
+            <a:lvl4pPr>
+              <a:defRPr sz="1400"/>
+            </a:lvl4pPr>
+            <a:lvl5pPr>
+              <a:defRPr sz="1400"/>
+            </a:lvl5pPr>
+            <a:lvl6pPr>
+              <a:defRPr sz="1400"/>
+            </a:lvl6pPr>
+            <a:lvl7pPr>
+              <a:defRPr sz="1400"/>
+            </a:lvl7pPr>
+            <a:lvl8pPr>
+              <a:defRPr sz="1400"/>
+            </a:lvl8pPr>
+            <a:lvl9pPr>
+              <a:defRPr sz="1400"/>
+            </a:lvl9pPr>
+          </a:lstStyle>
           <a:p>
             <a:pPr lvl="0"/>
             <a:r>
-              <a:rPr lang="sl-SI"/>
-              <a:t>Kliknite za urejanje slogov besedila matrice</a:t>
+              <a:rPr lang="sl-SI" smtClean="0"/>
+              <a:t>Uredite sloge besedila matrice</a:t>
             </a:r>
           </a:p>
           <a:p>
             <a:pPr lvl="1"/>
             <a:r>
-              <a:rPr lang="sl-SI"/>
+              <a:rPr lang="sl-SI" smtClean="0"/>
               <a:t>Druga raven</a:t>
             </a:r>
           </a:p>
           <a:p>
             <a:pPr lvl="2"/>
             <a:r>
-              <a:rPr lang="sl-SI"/>
+              <a:rPr lang="sl-SI" smtClean="0"/>
               <a:t>Tretja raven</a:t>
             </a:r>
           </a:p>
           <a:p>
             <a:pPr lvl="3"/>
             <a:r>
-              <a:rPr lang="sl-SI"/>
+              <a:rPr lang="sl-SI" smtClean="0"/>
               <a:t>Četrta raven</a:t>
             </a:r>
           </a:p>
           <a:p>
             <a:pPr lvl="4"/>
             <a:r>
-              <a:rPr lang="sl-SI"/>
+              <a:rPr lang="sl-SI" smtClean="0"/>
               <a:t>Peta raven</a:t>
             </a:r>
+            <a:endParaRPr lang="en-US" dirty="0"/>
           </a:p>
         </p:txBody>
       </p:sp>
       <p:sp>
         <p:nvSpPr>
-          <p:cNvPr id="4" name="Označba mesta vsebine 3">
-            <a:extLst>
-              <a:ext uri="{FF2B5EF4-FFF2-40B4-BE49-F238E27FC236}">
-                <a16:creationId xmlns:a16="http://schemas.microsoft.com/office/drawing/2014/main" id="{5A069018-747C-44AE-87CD-B2DCDE77EB1A}"/>
-              </a:ext>
-            </a:extLst>
-          </p:cNvPr>
+          <p:cNvPr id="4" name="Content Placeholder 3"/>
           <p:cNvSpPr>
             <a:spLocks noGrp="1"/>
           </p:cNvSpPr>
@@ -1336,59 +1939,82 @@
         </p:nvSpPr>
         <p:spPr>
           <a:xfrm>
-            <a:off x="6172200" y="1825625"/>
-            <a:ext cx="5181600" cy="4351338"/>
+            <a:off x="6370320" y="2103120"/>
+            <a:ext cx="4754880" cy="3749040"/>
           </a:xfrm>
         </p:spPr>
         <p:txBody>
           <a:bodyPr/>
-          <a:lstStyle/>
+          <a:lstStyle>
+            <a:lvl1pPr>
+              <a:defRPr sz="1800"/>
+            </a:lvl1pPr>
+            <a:lvl2pPr>
+              <a:defRPr sz="1600"/>
+            </a:lvl2pPr>
+            <a:lvl3pPr>
+              <a:defRPr sz="1400"/>
+            </a:lvl3pPr>
+            <a:lvl4pPr>
+              <a:defRPr sz="1400"/>
+            </a:lvl4pPr>
+            <a:lvl5pPr>
+              <a:defRPr sz="1400"/>
+            </a:lvl5pPr>
+            <a:lvl6pPr>
+              <a:defRPr sz="1400"/>
+            </a:lvl6pPr>
+            <a:lvl7pPr>
+              <a:defRPr sz="1400"/>
+            </a:lvl7pPr>
+            <a:lvl8pPr>
+              <a:defRPr sz="1400"/>
+            </a:lvl8pPr>
+            <a:lvl9pPr>
+              <a:defRPr sz="1400"/>
+            </a:lvl9pPr>
+          </a:lstStyle>
           <a:p>
             <a:pPr lvl="0"/>
             <a:r>
-              <a:rPr lang="sl-SI"/>
-              <a:t>Kliknite za urejanje slogov besedila matrice</a:t>
+              <a:rPr lang="sl-SI" smtClean="0"/>
+              <a:t>Uredite sloge besedila matrice</a:t>
             </a:r>
           </a:p>
           <a:p>
             <a:pPr lvl="1"/>
             <a:r>
-              <a:rPr lang="sl-SI"/>
+              <a:rPr lang="sl-SI" smtClean="0"/>
               <a:t>Druga raven</a:t>
             </a:r>
           </a:p>
           <a:p>
             <a:pPr lvl="2"/>
             <a:r>
-              <a:rPr lang="sl-SI"/>
+              <a:rPr lang="sl-SI" smtClean="0"/>
               <a:t>Tretja raven</a:t>
             </a:r>
           </a:p>
           <a:p>
             <a:pPr lvl="3"/>
             <a:r>
-              <a:rPr lang="sl-SI"/>
+              <a:rPr lang="sl-SI" smtClean="0"/>
               <a:t>Četrta raven</a:t>
             </a:r>
           </a:p>
           <a:p>
             <a:pPr lvl="4"/>
             <a:r>
-              <a:rPr lang="sl-SI"/>
+              <a:rPr lang="sl-SI" smtClean="0"/>
               <a:t>Peta raven</a:t>
             </a:r>
+            <a:endParaRPr lang="en-US" dirty="0"/>
           </a:p>
         </p:txBody>
       </p:sp>
       <p:sp>
         <p:nvSpPr>
-          <p:cNvPr id="5" name="Označba mesta datuma 4">
-            <a:extLst>
-              <a:ext uri="{FF2B5EF4-FFF2-40B4-BE49-F238E27FC236}">
-                <a16:creationId xmlns:a16="http://schemas.microsoft.com/office/drawing/2014/main" id="{4F47D1DA-032C-4676-A9BF-2E2C7D3F5D66}"/>
-              </a:ext>
-            </a:extLst>
-          </p:cNvPr>
+          <p:cNvPr id="5" name="Date Placeholder 4"/>
           <p:cNvSpPr>
             <a:spLocks noGrp="1"/>
           </p:cNvSpPr>
@@ -1411,13 +2037,7 @@
       </p:sp>
       <p:sp>
         <p:nvSpPr>
-          <p:cNvPr id="6" name="Označba mesta noge 5">
-            <a:extLst>
-              <a:ext uri="{FF2B5EF4-FFF2-40B4-BE49-F238E27FC236}">
-                <a16:creationId xmlns:a16="http://schemas.microsoft.com/office/drawing/2014/main" id="{DAA42E70-2DE6-4F85-A190-346BFFAC548B}"/>
-              </a:ext>
-            </a:extLst>
-          </p:cNvPr>
+          <p:cNvPr id="6" name="Footer Placeholder 5"/>
           <p:cNvSpPr>
             <a:spLocks noGrp="1"/>
           </p:cNvSpPr>
@@ -1436,13 +2056,7 @@
       </p:sp>
       <p:sp>
         <p:nvSpPr>
-          <p:cNvPr id="7" name="Označba mesta številke diapozitiva 6">
-            <a:extLst>
-              <a:ext uri="{FF2B5EF4-FFF2-40B4-BE49-F238E27FC236}">
-                <a16:creationId xmlns:a16="http://schemas.microsoft.com/office/drawing/2014/main" id="{DB9FC8D7-3785-48AD-AC20-CF2FF04E1E2B}"/>
-              </a:ext>
-            </a:extLst>
-          </p:cNvPr>
+          <p:cNvPr id="7" name="Slide Number Placeholder 6"/>
           <p:cNvSpPr>
             <a:spLocks noGrp="1"/>
           </p:cNvSpPr>
@@ -1466,7 +2080,7 @@
     </p:spTree>
     <p:extLst>
       <p:ext uri="{BB962C8B-B14F-4D97-AF65-F5344CB8AC3E}">
-        <p14:creationId xmlns:p14="http://schemas.microsoft.com/office/powerpoint/2010/main" val="90759492"/>
+        <p14:creationId xmlns:p14="http://schemas.microsoft.com/office/powerpoint/2010/main" val="3216871847"/>
       </p:ext>
     </p:extLst>
   </p:cSld>
@@ -1495,13 +2109,7 @@
       </p:grpSpPr>
       <p:sp>
         <p:nvSpPr>
-          <p:cNvPr id="2" name="Naslov 1">
-            <a:extLst>
-              <a:ext uri="{FF2B5EF4-FFF2-40B4-BE49-F238E27FC236}">
-                <a16:creationId xmlns:a16="http://schemas.microsoft.com/office/drawing/2014/main" id="{D0836B69-FBFF-4E30-9357-0554BAADE4A4}"/>
-              </a:ext>
-            </a:extLst>
-          </p:cNvPr>
+          <p:cNvPr id="2" name="Title 1"/>
           <p:cNvSpPr>
             <a:spLocks noGrp="1"/>
           </p:cNvSpPr>
@@ -1509,55 +2117,55 @@
             <p:ph type="title"/>
           </p:nvPr>
         </p:nvSpPr>
+        <p:spPr/>
+        <p:txBody>
+          <a:bodyPr/>
+          <a:lstStyle/>
+          <a:p>
+            <a:r>
+              <a:rPr lang="sl-SI" smtClean="0"/>
+              <a:t>Uredite slog naslova matrice</a:t>
+            </a:r>
+            <a:endParaRPr lang="en-US" dirty="0"/>
+          </a:p>
+        </p:txBody>
+      </p:sp>
+      <p:sp>
+        <p:nvSpPr>
+          <p:cNvPr id="3" name="Text Placeholder 2"/>
+          <p:cNvSpPr>
+            <a:spLocks noGrp="1"/>
+          </p:cNvSpPr>
+          <p:nvPr>
+            <p:ph type="body" idx="1"/>
+          </p:nvPr>
+        </p:nvSpPr>
         <p:spPr>
           <a:xfrm>
-            <a:off x="839788" y="365125"/>
-            <a:ext cx="10515600" cy="1325563"/>
+            <a:off x="1069848" y="2074334"/>
+            <a:ext cx="4754880" cy="640080"/>
           </a:xfrm>
         </p:spPr>
         <p:txBody>
-          <a:bodyPr/>
-          <a:lstStyle/>
-          <a:p>
-            <a:r>
-              <a:rPr lang="sl-SI"/>
-              <a:t>Kliknite, če želite urediti slog naslova matrice</a:t>
-            </a:r>
-          </a:p>
-        </p:txBody>
-      </p:sp>
-      <p:sp>
-        <p:nvSpPr>
-          <p:cNvPr id="3" name="Označba mesta besedila 2">
-            <a:extLst>
-              <a:ext uri="{FF2B5EF4-FFF2-40B4-BE49-F238E27FC236}">
-                <a16:creationId xmlns:a16="http://schemas.microsoft.com/office/drawing/2014/main" id="{394D29D0-1AB3-4F8E-A86B-2865CD43DB20}"/>
-              </a:ext>
-            </a:extLst>
-          </p:cNvPr>
-          <p:cNvSpPr>
-            <a:spLocks noGrp="1"/>
-          </p:cNvSpPr>
-          <p:nvPr>
-            <p:ph type="body" idx="1"/>
-          </p:nvPr>
-        </p:nvSpPr>
-        <p:spPr>
-          <a:xfrm>
-            <a:off x="839788" y="1681163"/>
-            <a:ext cx="5157787" cy="823912"/>
-          </a:xfrm>
-        </p:spPr>
-        <p:txBody>
-          <a:bodyPr anchor="b"/>
+          <a:bodyPr anchor="ctr">
+            <a:normAutofit/>
+          </a:bodyPr>
           <a:lstStyle>
-            <a:lvl1pPr marL="0" indent="0">
+            <a:lvl1pPr marL="0" indent="0" algn="ctr">
+              <a:spcBef>
+                <a:spcPts val="0"/>
+              </a:spcBef>
               <a:buNone/>
-              <a:defRPr sz="2400" b="1"/>
+              <a:defRPr sz="1800" b="0">
+                <a:solidFill>
+                  <a:schemeClr val="tx2"/>
+                </a:solidFill>
+                <a:latin typeface="+mn-lt"/>
+              </a:defRPr>
             </a:lvl1pPr>
             <a:lvl2pPr marL="457200" indent="0">
               <a:buNone/>
-              <a:defRPr sz="2000" b="1"/>
+              <a:defRPr sz="1800" b="1"/>
             </a:lvl2pPr>
             <a:lvl3pPr marL="914400" indent="0">
               <a:buNone/>
@@ -1591,21 +2199,15 @@
           <a:p>
             <a:pPr lvl="0"/>
             <a:r>
-              <a:rPr lang="sl-SI"/>
-              <a:t>Kliknite za urejanje slogov besedila matrice</a:t>
+              <a:rPr lang="sl-SI" smtClean="0"/>
+              <a:t>Uredite sloge besedila matrice</a:t>
             </a:r>
           </a:p>
         </p:txBody>
       </p:sp>
       <p:sp>
         <p:nvSpPr>
-          <p:cNvPr id="4" name="Označba mesta vsebine 3">
-            <a:extLst>
-              <a:ext uri="{FF2B5EF4-FFF2-40B4-BE49-F238E27FC236}">
-                <a16:creationId xmlns:a16="http://schemas.microsoft.com/office/drawing/2014/main" id="{F92449B1-7E5F-4652-9813-D972A17DC867}"/>
-              </a:ext>
-            </a:extLst>
-          </p:cNvPr>
+          <p:cNvPr id="4" name="Content Placeholder 3"/>
           <p:cNvSpPr>
             <a:spLocks noGrp="1"/>
           </p:cNvSpPr>
@@ -1615,59 +2217,82 @@
         </p:nvSpPr>
         <p:spPr>
           <a:xfrm>
-            <a:off x="839788" y="2505075"/>
-            <a:ext cx="5157787" cy="3684588"/>
+            <a:off x="1069848" y="2755898"/>
+            <a:ext cx="4754880" cy="3200400"/>
           </a:xfrm>
         </p:spPr>
         <p:txBody>
           <a:bodyPr/>
-          <a:lstStyle/>
+          <a:lstStyle>
+            <a:lvl1pPr>
+              <a:defRPr sz="1800"/>
+            </a:lvl1pPr>
+            <a:lvl2pPr>
+              <a:defRPr sz="1600"/>
+            </a:lvl2pPr>
+            <a:lvl3pPr>
+              <a:defRPr sz="1400"/>
+            </a:lvl3pPr>
+            <a:lvl4pPr>
+              <a:defRPr sz="1400"/>
+            </a:lvl4pPr>
+            <a:lvl5pPr>
+              <a:defRPr sz="1400"/>
+            </a:lvl5pPr>
+            <a:lvl6pPr>
+              <a:defRPr sz="1400"/>
+            </a:lvl6pPr>
+            <a:lvl7pPr>
+              <a:defRPr sz="1400"/>
+            </a:lvl7pPr>
+            <a:lvl8pPr>
+              <a:defRPr sz="1400"/>
+            </a:lvl8pPr>
+            <a:lvl9pPr>
+              <a:defRPr sz="1400"/>
+            </a:lvl9pPr>
+          </a:lstStyle>
           <a:p>
             <a:pPr lvl="0"/>
             <a:r>
-              <a:rPr lang="sl-SI"/>
-              <a:t>Kliknite za urejanje slogov besedila matrice</a:t>
+              <a:rPr lang="sl-SI" smtClean="0"/>
+              <a:t>Uredite sloge besedila matrice</a:t>
             </a:r>
           </a:p>
           <a:p>
             <a:pPr lvl="1"/>
             <a:r>
-              <a:rPr lang="sl-SI"/>
+              <a:rPr lang="sl-SI" smtClean="0"/>
               <a:t>Druga raven</a:t>
             </a:r>
           </a:p>
           <a:p>
             <a:pPr lvl="2"/>
             <a:r>
-              <a:rPr lang="sl-SI"/>
+              <a:rPr lang="sl-SI" smtClean="0"/>
               <a:t>Tretja raven</a:t>
             </a:r>
           </a:p>
           <a:p>
             <a:pPr lvl="3"/>
             <a:r>
-              <a:rPr lang="sl-SI"/>
+              <a:rPr lang="sl-SI" smtClean="0"/>
               <a:t>Četrta raven</a:t>
             </a:r>
           </a:p>
           <a:p>
             <a:pPr lvl="4"/>
             <a:r>
-              <a:rPr lang="sl-SI"/>
+              <a:rPr lang="sl-SI" smtClean="0"/>
               <a:t>Peta raven</a:t>
             </a:r>
+            <a:endParaRPr lang="en-US" dirty="0"/>
           </a:p>
         </p:txBody>
       </p:sp>
       <p:sp>
         <p:nvSpPr>
-          <p:cNvPr id="5" name="Označba mesta besedila 4">
-            <a:extLst>
-              <a:ext uri="{FF2B5EF4-FFF2-40B4-BE49-F238E27FC236}">
-                <a16:creationId xmlns:a16="http://schemas.microsoft.com/office/drawing/2014/main" id="{70ED1910-63CC-4FC7-889F-3914E732F8A9}"/>
-              </a:ext>
-            </a:extLst>
-          </p:cNvPr>
+          <p:cNvPr id="5" name="Text Placeholder 4"/>
           <p:cNvSpPr>
             <a:spLocks noGrp="1"/>
           </p:cNvSpPr>
@@ -1677,20 +2302,29 @@
         </p:nvSpPr>
         <p:spPr>
           <a:xfrm>
-            <a:off x="6172200" y="1681163"/>
-            <a:ext cx="5183188" cy="823912"/>
+            <a:off x="6373368" y="2074334"/>
+            <a:ext cx="4754880" cy="640080"/>
           </a:xfrm>
         </p:spPr>
         <p:txBody>
-          <a:bodyPr anchor="b"/>
+          <a:bodyPr anchor="ctr">
+            <a:normAutofit/>
+          </a:bodyPr>
           <a:lstStyle>
-            <a:lvl1pPr marL="0" indent="0">
+            <a:lvl1pPr marL="0" indent="0" algn="ctr">
+              <a:spcBef>
+                <a:spcPts val="0"/>
+              </a:spcBef>
               <a:buNone/>
-              <a:defRPr sz="2400" b="1"/>
+              <a:defRPr sz="1800" b="0">
+                <a:solidFill>
+                  <a:schemeClr val="tx2"/>
+                </a:solidFill>
+              </a:defRPr>
             </a:lvl1pPr>
             <a:lvl2pPr marL="457200" indent="0">
               <a:buNone/>
-              <a:defRPr sz="2000" b="1"/>
+              <a:defRPr sz="1800" b="1"/>
             </a:lvl2pPr>
             <a:lvl3pPr marL="914400" indent="0">
               <a:buNone/>
@@ -1724,21 +2358,15 @@
           <a:p>
             <a:pPr lvl="0"/>
             <a:r>
-              <a:rPr lang="sl-SI"/>
-              <a:t>Kliknite za urejanje slogov besedila matrice</a:t>
+              <a:rPr lang="sl-SI" smtClean="0"/>
+              <a:t>Uredite sloge besedila matrice</a:t>
             </a:r>
           </a:p>
         </p:txBody>
       </p:sp>
       <p:sp>
         <p:nvSpPr>
-          <p:cNvPr id="6" name="Označba mesta vsebine 5">
-            <a:extLst>
-              <a:ext uri="{FF2B5EF4-FFF2-40B4-BE49-F238E27FC236}">
-                <a16:creationId xmlns:a16="http://schemas.microsoft.com/office/drawing/2014/main" id="{92F46FCF-0C1E-46A0-80BA-69076C7824E2}"/>
-              </a:ext>
-            </a:extLst>
-          </p:cNvPr>
+          <p:cNvPr id="6" name="Content Placeholder 5"/>
           <p:cNvSpPr>
             <a:spLocks noGrp="1"/>
           </p:cNvSpPr>
@@ -1748,59 +2376,82 @@
         </p:nvSpPr>
         <p:spPr>
           <a:xfrm>
-            <a:off x="6172200" y="2505075"/>
-            <a:ext cx="5183188" cy="3684588"/>
+            <a:off x="6373368" y="2756581"/>
+            <a:ext cx="4754880" cy="3200400"/>
           </a:xfrm>
         </p:spPr>
         <p:txBody>
           <a:bodyPr/>
-          <a:lstStyle/>
+          <a:lstStyle>
+            <a:lvl1pPr>
+              <a:defRPr sz="1800"/>
+            </a:lvl1pPr>
+            <a:lvl2pPr>
+              <a:defRPr sz="1600"/>
+            </a:lvl2pPr>
+            <a:lvl3pPr>
+              <a:defRPr sz="1400"/>
+            </a:lvl3pPr>
+            <a:lvl4pPr>
+              <a:defRPr sz="1400"/>
+            </a:lvl4pPr>
+            <a:lvl5pPr>
+              <a:defRPr sz="1400"/>
+            </a:lvl5pPr>
+            <a:lvl6pPr>
+              <a:defRPr sz="1400"/>
+            </a:lvl6pPr>
+            <a:lvl7pPr>
+              <a:defRPr sz="1400"/>
+            </a:lvl7pPr>
+            <a:lvl8pPr>
+              <a:defRPr sz="1400"/>
+            </a:lvl8pPr>
+            <a:lvl9pPr>
+              <a:defRPr sz="1400"/>
+            </a:lvl9pPr>
+          </a:lstStyle>
           <a:p>
             <a:pPr lvl="0"/>
             <a:r>
-              <a:rPr lang="sl-SI"/>
-              <a:t>Kliknite za urejanje slogov besedila matrice</a:t>
+              <a:rPr lang="sl-SI" smtClean="0"/>
+              <a:t>Uredite sloge besedila matrice</a:t>
             </a:r>
           </a:p>
           <a:p>
             <a:pPr lvl="1"/>
             <a:r>
-              <a:rPr lang="sl-SI"/>
+              <a:rPr lang="sl-SI" smtClean="0"/>
               <a:t>Druga raven</a:t>
             </a:r>
           </a:p>
           <a:p>
             <a:pPr lvl="2"/>
             <a:r>
-              <a:rPr lang="sl-SI"/>
+              <a:rPr lang="sl-SI" smtClean="0"/>
               <a:t>Tretja raven</a:t>
             </a:r>
           </a:p>
           <a:p>
             <a:pPr lvl="3"/>
             <a:r>
-              <a:rPr lang="sl-SI"/>
+              <a:rPr lang="sl-SI" smtClean="0"/>
               <a:t>Četrta raven</a:t>
             </a:r>
           </a:p>
           <a:p>
             <a:pPr lvl="4"/>
             <a:r>
-              <a:rPr lang="sl-SI"/>
+              <a:rPr lang="sl-SI" smtClean="0"/>
               <a:t>Peta raven</a:t>
             </a:r>
+            <a:endParaRPr lang="en-US" dirty="0"/>
           </a:p>
         </p:txBody>
       </p:sp>
       <p:sp>
         <p:nvSpPr>
-          <p:cNvPr id="7" name="Označba mesta datuma 6">
-            <a:extLst>
-              <a:ext uri="{FF2B5EF4-FFF2-40B4-BE49-F238E27FC236}">
-                <a16:creationId xmlns:a16="http://schemas.microsoft.com/office/drawing/2014/main" id="{F2B566EB-2C2A-4F64-990B-91D23EA8D70F}"/>
-              </a:ext>
-            </a:extLst>
-          </p:cNvPr>
+          <p:cNvPr id="7" name="Date Placeholder 6"/>
           <p:cNvSpPr>
             <a:spLocks noGrp="1"/>
           </p:cNvSpPr>
@@ -1823,13 +2474,7 @@
       </p:sp>
       <p:sp>
         <p:nvSpPr>
-          <p:cNvPr id="8" name="Označba mesta noge 7">
-            <a:extLst>
-              <a:ext uri="{FF2B5EF4-FFF2-40B4-BE49-F238E27FC236}">
-                <a16:creationId xmlns:a16="http://schemas.microsoft.com/office/drawing/2014/main" id="{00B0648A-5818-40BB-BA26-B7A2631CD129}"/>
-              </a:ext>
-            </a:extLst>
-          </p:cNvPr>
+          <p:cNvPr id="8" name="Footer Placeholder 7"/>
           <p:cNvSpPr>
             <a:spLocks noGrp="1"/>
           </p:cNvSpPr>
@@ -1848,13 +2493,7 @@
       </p:sp>
       <p:sp>
         <p:nvSpPr>
-          <p:cNvPr id="9" name="Označba mesta številke diapozitiva 8">
-            <a:extLst>
-              <a:ext uri="{FF2B5EF4-FFF2-40B4-BE49-F238E27FC236}">
-                <a16:creationId xmlns:a16="http://schemas.microsoft.com/office/drawing/2014/main" id="{FBB4F506-C059-4503-BDF8-B62B26530FBE}"/>
-              </a:ext>
-            </a:extLst>
-          </p:cNvPr>
+          <p:cNvPr id="9" name="Slide Number Placeholder 8"/>
           <p:cNvSpPr>
             <a:spLocks noGrp="1"/>
           </p:cNvSpPr>
@@ -1878,7 +2517,7 @@
     </p:spTree>
     <p:extLst>
       <p:ext uri="{BB962C8B-B14F-4D97-AF65-F5344CB8AC3E}">
-        <p14:creationId xmlns:p14="http://schemas.microsoft.com/office/powerpoint/2010/main" val="3131371999"/>
+        <p14:creationId xmlns:p14="http://schemas.microsoft.com/office/powerpoint/2010/main" val="1483503307"/>
       </p:ext>
     </p:extLst>
   </p:cSld>
@@ -1907,13 +2546,7 @@
       </p:grpSpPr>
       <p:sp>
         <p:nvSpPr>
-          <p:cNvPr id="2" name="Naslov 1">
-            <a:extLst>
-              <a:ext uri="{FF2B5EF4-FFF2-40B4-BE49-F238E27FC236}">
-                <a16:creationId xmlns:a16="http://schemas.microsoft.com/office/drawing/2014/main" id="{A14A9457-0B13-4D98-9DCB-6216A57E40DB}"/>
-              </a:ext>
-            </a:extLst>
-          </p:cNvPr>
+          <p:cNvPr id="2" name="Title 1"/>
           <p:cNvSpPr>
             <a:spLocks noGrp="1"/>
           </p:cNvSpPr>
@@ -1927,21 +2560,16 @@
           <a:lstStyle/>
           <a:p>
             <a:r>
-              <a:rPr lang="sl-SI"/>
-              <a:t>Kliknite, če želite urediti slog naslova matrice</a:t>
-            </a:r>
+              <a:rPr lang="sl-SI" smtClean="0"/>
+              <a:t>Uredite slog naslova matrice</a:t>
+            </a:r>
+            <a:endParaRPr lang="en-US" dirty="0"/>
           </a:p>
         </p:txBody>
       </p:sp>
       <p:sp>
         <p:nvSpPr>
-          <p:cNvPr id="3" name="Označba mesta datuma 2">
-            <a:extLst>
-              <a:ext uri="{FF2B5EF4-FFF2-40B4-BE49-F238E27FC236}">
-                <a16:creationId xmlns:a16="http://schemas.microsoft.com/office/drawing/2014/main" id="{F05A4F50-0425-49F5-8182-92AB7EC6A0A4}"/>
-              </a:ext>
-            </a:extLst>
-          </p:cNvPr>
+          <p:cNvPr id="3" name="Date Placeholder 2"/>
           <p:cNvSpPr>
             <a:spLocks noGrp="1"/>
           </p:cNvSpPr>
@@ -1964,13 +2592,7 @@
       </p:sp>
       <p:sp>
         <p:nvSpPr>
-          <p:cNvPr id="4" name="Označba mesta noge 3">
-            <a:extLst>
-              <a:ext uri="{FF2B5EF4-FFF2-40B4-BE49-F238E27FC236}">
-                <a16:creationId xmlns:a16="http://schemas.microsoft.com/office/drawing/2014/main" id="{EABDAA2F-8B67-45C8-A1BD-2B125848629E}"/>
-              </a:ext>
-            </a:extLst>
-          </p:cNvPr>
+          <p:cNvPr id="4" name="Footer Placeholder 3"/>
           <p:cNvSpPr>
             <a:spLocks noGrp="1"/>
           </p:cNvSpPr>
@@ -1989,13 +2611,7 @@
       </p:sp>
       <p:sp>
         <p:nvSpPr>
-          <p:cNvPr id="5" name="Označba mesta številke diapozitiva 4">
-            <a:extLst>
-              <a:ext uri="{FF2B5EF4-FFF2-40B4-BE49-F238E27FC236}">
-                <a16:creationId xmlns:a16="http://schemas.microsoft.com/office/drawing/2014/main" id="{4828CEC8-7BEF-48A5-B16E-454F4D694E0A}"/>
-              </a:ext>
-            </a:extLst>
-          </p:cNvPr>
+          <p:cNvPr id="5" name="Slide Number Placeholder 4"/>
           <p:cNvSpPr>
             <a:spLocks noGrp="1"/>
           </p:cNvSpPr>
@@ -2019,7 +2635,7 @@
     </p:spTree>
     <p:extLst>
       <p:ext uri="{BB962C8B-B14F-4D97-AF65-F5344CB8AC3E}">
-        <p14:creationId xmlns:p14="http://schemas.microsoft.com/office/powerpoint/2010/main" val="2028028757"/>
+        <p14:creationId xmlns:p14="http://schemas.microsoft.com/office/powerpoint/2010/main" val="2811497659"/>
       </p:ext>
     </p:extLst>
   </p:cSld>
@@ -2048,13 +2664,7 @@
       </p:grpSpPr>
       <p:sp>
         <p:nvSpPr>
-          <p:cNvPr id="2" name="Označba mesta datuma 1">
-            <a:extLst>
-              <a:ext uri="{FF2B5EF4-FFF2-40B4-BE49-F238E27FC236}">
-                <a16:creationId xmlns:a16="http://schemas.microsoft.com/office/drawing/2014/main" id="{79A15B27-398B-49A5-AA22-91E698A4AD61}"/>
-              </a:ext>
-            </a:extLst>
-          </p:cNvPr>
+          <p:cNvPr id="2" name="Date Placeholder 1"/>
           <p:cNvSpPr>
             <a:spLocks noGrp="1"/>
           </p:cNvSpPr>
@@ -2077,13 +2687,7 @@
       </p:sp>
       <p:sp>
         <p:nvSpPr>
-          <p:cNvPr id="3" name="Označba mesta noge 2">
-            <a:extLst>
-              <a:ext uri="{FF2B5EF4-FFF2-40B4-BE49-F238E27FC236}">
-                <a16:creationId xmlns:a16="http://schemas.microsoft.com/office/drawing/2014/main" id="{9D9A6062-CFD8-4DCC-A6CE-5A93AA610EF1}"/>
-              </a:ext>
-            </a:extLst>
-          </p:cNvPr>
+          <p:cNvPr id="3" name="Footer Placeholder 2"/>
           <p:cNvSpPr>
             <a:spLocks noGrp="1"/>
           </p:cNvSpPr>
@@ -2102,13 +2706,7 @@
       </p:sp>
       <p:sp>
         <p:nvSpPr>
-          <p:cNvPr id="4" name="Označba mesta številke diapozitiva 3">
-            <a:extLst>
-              <a:ext uri="{FF2B5EF4-FFF2-40B4-BE49-F238E27FC236}">
-                <a16:creationId xmlns:a16="http://schemas.microsoft.com/office/drawing/2014/main" id="{D235C522-3E78-4A50-8646-8C295FCC46CF}"/>
-              </a:ext>
-            </a:extLst>
-          </p:cNvPr>
+          <p:cNvPr id="4" name="Slide Number Placeholder 3"/>
           <p:cNvSpPr>
             <a:spLocks noGrp="1"/>
           </p:cNvSpPr>
@@ -2132,7 +2730,7 @@
     </p:spTree>
     <p:extLst>
       <p:ext uri="{BB962C8B-B14F-4D97-AF65-F5344CB8AC3E}">
-        <p14:creationId xmlns:p14="http://schemas.microsoft.com/office/powerpoint/2010/main" val="2612176878"/>
+        <p14:creationId xmlns:p14="http://schemas.microsoft.com/office/powerpoint/2010/main" val="1064600757"/>
       </p:ext>
     </p:extLst>
   </p:cSld>
@@ -2143,7 +2741,7 @@
 </file>
 
 <file path=ppt/slideLayouts/slideLayout8.xml><?xml version="1.0" encoding="utf-8"?>
-<p:sldLayout xmlns:a="http://schemas.openxmlformats.org/drawingml/2006/main" xmlns:r="http://schemas.openxmlformats.org/officeDocument/2006/relationships" xmlns:p="http://schemas.openxmlformats.org/presentationml/2006/main" type="objTx" preserve="1">
+<p:sldLayout xmlns:a="http://schemas.openxmlformats.org/drawingml/2006/main" xmlns:r="http://schemas.openxmlformats.org/officeDocument/2006/relationships" xmlns:p="http://schemas.openxmlformats.org/presentationml/2006/main" showMasterSp="0" type="objTx" preserve="1">
   <p:cSld name="Vsebina z naslovom">
     <p:spTree>
       <p:nvGrpSpPr>
@@ -2161,13 +2759,45 @@
       </p:grpSpPr>
       <p:sp>
         <p:nvSpPr>
-          <p:cNvPr id="2" name="Naslov 1">
-            <a:extLst>
-              <a:ext uri="{FF2B5EF4-FFF2-40B4-BE49-F238E27FC236}">
-                <a16:creationId xmlns:a16="http://schemas.microsoft.com/office/drawing/2014/main" id="{817033C2-D51F-4B51-84C1-78AC9ADF1297}"/>
-              </a:ext>
-            </a:extLst>
-          </p:cNvPr>
+          <p:cNvPr id="15" name="Rectangle 14"/>
+          <p:cNvSpPr/>
+          <p:nvPr/>
+        </p:nvSpPr>
+        <p:spPr>
+          <a:xfrm>
+            <a:off x="9020386" y="237744"/>
+            <a:ext cx="2926080" cy="6382512"/>
+          </a:xfrm>
+          <a:prstGeom prst="rect">
+            <a:avLst/>
+          </a:prstGeom>
+          <a:solidFill>
+            <a:schemeClr val="bg2"/>
+          </a:solidFill>
+          <a:ln>
+            <a:noFill/>
+          </a:ln>
+        </p:spPr>
+        <p:style>
+          <a:lnRef idx="2">
+            <a:schemeClr val="accent1">
+              <a:shade val="50000"/>
+            </a:schemeClr>
+          </a:lnRef>
+          <a:fillRef idx="1">
+            <a:schemeClr val="accent1"/>
+          </a:fillRef>
+          <a:effectRef idx="0">
+            <a:schemeClr val="accent1"/>
+          </a:effectRef>
+          <a:fontRef idx="minor">
+            <a:schemeClr val="lt1"/>
+          </a:fontRef>
+        </p:style>
+      </p:sp>
+      <p:sp>
+        <p:nvSpPr>
+          <p:cNvPr id="2" name="Title 1"/>
           <p:cNvSpPr>
             <a:spLocks noGrp="1"/>
           </p:cNvSpPr>
@@ -2177,34 +2807,46 @@
         </p:nvSpPr>
         <p:spPr>
           <a:xfrm>
-            <a:off x="839788" y="457200"/>
-            <a:ext cx="3932237" cy="1600200"/>
+            <a:off x="9296400" y="607392"/>
+            <a:ext cx="2430780" cy="1645920"/>
           </a:xfrm>
         </p:spPr>
         <p:txBody>
-          <a:bodyPr anchor="b"/>
+          <a:bodyPr anchor="b">
+            <a:normAutofit/>
+          </a:bodyPr>
           <a:lstStyle>
-            <a:lvl1pPr>
-              <a:defRPr sz="3200"/>
+            <a:lvl1pPr algn="l" defTabSz="914400" rtl="0" eaLnBrk="1" latinLnBrk="0" hangingPunct="1">
+              <a:lnSpc>
+                <a:spcPct val="90000"/>
+              </a:lnSpc>
+              <a:spcBef>
+                <a:spcPct val="0"/>
+              </a:spcBef>
+              <a:buNone/>
+              <a:defRPr lang="en-US" sz="2800" b="0" kern="1200" cap="none" spc="0" baseline="0" dirty="0">
+                <a:solidFill>
+                  <a:schemeClr val="tx1"/>
+                </a:solidFill>
+                <a:effectLst/>
+                <a:latin typeface="+mj-lt"/>
+                <a:ea typeface="+mn-ea"/>
+                <a:cs typeface="+mn-cs"/>
+              </a:defRPr>
             </a:lvl1pPr>
           </a:lstStyle>
           <a:p>
             <a:r>
-              <a:rPr lang="sl-SI"/>
-              <a:t>Kliknite, če želite urediti slog naslova matrice</a:t>
-            </a:r>
+              <a:rPr lang="sl-SI" smtClean="0"/>
+              <a:t>Uredite slog naslova matrice</a:t>
+            </a:r>
+            <a:endParaRPr lang="en-US" dirty="0"/>
           </a:p>
         </p:txBody>
       </p:sp>
       <p:sp>
         <p:nvSpPr>
-          <p:cNvPr id="3" name="Označba mesta vsebine 2">
-            <a:extLst>
-              <a:ext uri="{FF2B5EF4-FFF2-40B4-BE49-F238E27FC236}">
-                <a16:creationId xmlns:a16="http://schemas.microsoft.com/office/drawing/2014/main" id="{997ED8D0-B053-4FA8-89FB-F4B7FB22F03E}"/>
-              </a:ext>
-            </a:extLst>
-          </p:cNvPr>
+          <p:cNvPr id="3" name="Content Placeholder 2"/>
           <p:cNvSpPr>
             <a:spLocks noGrp="1"/>
           </p:cNvSpPr>
@@ -2214,87 +2856,82 @@
         </p:nvSpPr>
         <p:spPr>
           <a:xfrm>
-            <a:off x="5183188" y="987425"/>
-            <a:ext cx="6172200" cy="4873625"/>
+            <a:off x="685800" y="609600"/>
+            <a:ext cx="7772400" cy="5334000"/>
           </a:xfrm>
         </p:spPr>
         <p:txBody>
           <a:bodyPr/>
           <a:lstStyle>
             <a:lvl1pPr>
-              <a:defRPr sz="3200"/>
+              <a:defRPr sz="1900"/>
             </a:lvl1pPr>
             <a:lvl2pPr>
-              <a:defRPr sz="2800"/>
+              <a:defRPr sz="1600"/>
             </a:lvl2pPr>
             <a:lvl3pPr>
-              <a:defRPr sz="2400"/>
+              <a:defRPr sz="1400"/>
             </a:lvl3pPr>
             <a:lvl4pPr>
-              <a:defRPr sz="2000"/>
+              <a:defRPr sz="1400"/>
             </a:lvl4pPr>
             <a:lvl5pPr>
-              <a:defRPr sz="2000"/>
+              <a:defRPr sz="1400"/>
             </a:lvl5pPr>
             <a:lvl6pPr>
-              <a:defRPr sz="2000"/>
+              <a:defRPr sz="1400"/>
             </a:lvl6pPr>
             <a:lvl7pPr>
-              <a:defRPr sz="2000"/>
+              <a:defRPr sz="1400"/>
             </a:lvl7pPr>
             <a:lvl8pPr>
-              <a:defRPr sz="2000"/>
+              <a:defRPr sz="1400"/>
             </a:lvl8pPr>
             <a:lvl9pPr>
-              <a:defRPr sz="2000"/>
+              <a:defRPr sz="1400"/>
             </a:lvl9pPr>
           </a:lstStyle>
           <a:p>
             <a:pPr lvl="0"/>
             <a:r>
-              <a:rPr lang="sl-SI"/>
-              <a:t>Kliknite za urejanje slogov besedila matrice</a:t>
+              <a:rPr lang="sl-SI" smtClean="0"/>
+              <a:t>Uredite sloge besedila matrice</a:t>
             </a:r>
           </a:p>
           <a:p>
             <a:pPr lvl="1"/>
             <a:r>
-              <a:rPr lang="sl-SI"/>
+              <a:rPr lang="sl-SI" smtClean="0"/>
               <a:t>Druga raven</a:t>
             </a:r>
           </a:p>
           <a:p>
             <a:pPr lvl="2"/>
             <a:r>
-              <a:rPr lang="sl-SI"/>
+              <a:rPr lang="sl-SI" smtClean="0"/>
               <a:t>Tretja raven</a:t>
             </a:r>
           </a:p>
           <a:p>
             <a:pPr lvl="3"/>
             <a:r>
-              <a:rPr lang="sl-SI"/>
+              <a:rPr lang="sl-SI" smtClean="0"/>
               <a:t>Četrta raven</a:t>
             </a:r>
           </a:p>
           <a:p>
             <a:pPr lvl="4"/>
             <a:r>
-              <a:rPr lang="sl-SI"/>
+              <a:rPr lang="sl-SI" smtClean="0"/>
               <a:t>Peta raven</a:t>
             </a:r>
+            <a:endParaRPr lang="en-US" dirty="0"/>
           </a:p>
         </p:txBody>
       </p:sp>
       <p:sp>
         <p:nvSpPr>
-          <p:cNvPr id="4" name="Označba mesta besedila 3">
-            <a:extLst>
-              <a:ext uri="{FF2B5EF4-FFF2-40B4-BE49-F238E27FC236}">
-                <a16:creationId xmlns:a16="http://schemas.microsoft.com/office/drawing/2014/main" id="{4F9B191A-B16E-423B-99AD-D9264316B5B1}"/>
-              </a:ext>
-            </a:extLst>
-          </p:cNvPr>
+          <p:cNvPr id="4" name="Text Placeholder 3"/>
           <p:cNvSpPr>
             <a:spLocks noGrp="1"/>
           </p:cNvSpPr>
@@ -2304,132 +2941,135 @@
         </p:nvSpPr>
         <p:spPr>
           <a:xfrm>
-            <a:off x="839788" y="2057400"/>
-            <a:ext cx="3932237" cy="3811588"/>
+            <a:off x="9296400" y="2286000"/>
+            <a:ext cx="2430780" cy="3505200"/>
+          </a:xfrm>
+        </p:spPr>
+        <p:txBody>
+          <a:bodyPr>
+            <a:normAutofit/>
+          </a:bodyPr>
+          <a:lstStyle>
+            <a:lvl1pPr marL="0" indent="0">
+              <a:lnSpc>
+                <a:spcPct val="110000"/>
+              </a:lnSpc>
+              <a:spcBef>
+                <a:spcPts val="800"/>
+              </a:spcBef>
+              <a:buNone/>
+              <a:defRPr sz="1400">
+                <a:solidFill>
+                  <a:schemeClr val="tx1"/>
+                </a:solidFill>
+              </a:defRPr>
+            </a:lvl1pPr>
+            <a:lvl2pPr marL="457200" indent="0">
+              <a:buNone/>
+              <a:defRPr sz="1200"/>
+            </a:lvl2pPr>
+            <a:lvl3pPr marL="914400" indent="0">
+              <a:buNone/>
+              <a:defRPr sz="1000"/>
+            </a:lvl3pPr>
+            <a:lvl4pPr marL="1371600" indent="0">
+              <a:buNone/>
+              <a:defRPr sz="900"/>
+            </a:lvl4pPr>
+            <a:lvl5pPr marL="1828800" indent="0">
+              <a:buNone/>
+              <a:defRPr sz="900"/>
+            </a:lvl5pPr>
+            <a:lvl6pPr marL="2286000" indent="0">
+              <a:buNone/>
+              <a:defRPr sz="900"/>
+            </a:lvl6pPr>
+            <a:lvl7pPr marL="2743200" indent="0">
+              <a:buNone/>
+              <a:defRPr sz="900"/>
+            </a:lvl7pPr>
+            <a:lvl8pPr marL="3200400" indent="0">
+              <a:buNone/>
+              <a:defRPr sz="900"/>
+            </a:lvl8pPr>
+            <a:lvl9pPr marL="3657600" indent="0">
+              <a:buNone/>
+              <a:defRPr sz="900"/>
+            </a:lvl9pPr>
+          </a:lstStyle>
+          <a:p>
+            <a:pPr lvl="0"/>
+            <a:r>
+              <a:rPr lang="sl-SI" smtClean="0"/>
+              <a:t>Uredite sloge besedila matrice</a:t>
+            </a:r>
+          </a:p>
+        </p:txBody>
+      </p:sp>
+      <p:sp>
+        <p:nvSpPr>
+          <p:cNvPr id="8" name="Date Placeholder 7"/>
+          <p:cNvSpPr>
+            <a:spLocks noGrp="1"/>
+          </p:cNvSpPr>
+          <p:nvPr>
+            <p:ph type="dt" sz="half" idx="10"/>
+          </p:nvPr>
+        </p:nvSpPr>
+        <p:spPr/>
+        <p:txBody>
+          <a:bodyPr/>
+          <a:lstStyle/>
+          <a:p>
+            <a:fld id="{5B7A9F00-252E-4934-8989-361D36C351BE}" type="datetimeFigureOut">
+              <a:rPr lang="sl-SI" smtClean="0"/>
+              <a:t>23. 05. 2020</a:t>
+            </a:fld>
+            <a:endParaRPr lang="sl-SI"/>
+          </a:p>
+        </p:txBody>
+      </p:sp>
+      <p:sp>
+        <p:nvSpPr>
+          <p:cNvPr id="9" name="Footer Placeholder 8"/>
+          <p:cNvSpPr>
+            <a:spLocks noGrp="1"/>
+          </p:cNvSpPr>
+          <p:nvPr>
+            <p:ph type="ftr" sz="quarter" idx="11"/>
+          </p:nvPr>
+        </p:nvSpPr>
+        <p:spPr/>
+        <p:txBody>
+          <a:bodyPr/>
+          <a:lstStyle>
+            <a:lvl1pPr algn="r">
+              <a:defRPr/>
+            </a:lvl1pPr>
+          </a:lstStyle>
+          <a:p>
+            <a:endParaRPr lang="sl-SI"/>
+          </a:p>
+        </p:txBody>
+      </p:sp>
+      <p:sp>
+        <p:nvSpPr>
+          <p:cNvPr id="11" name="Slide Number Placeholder 10"/>
+          <p:cNvSpPr>
+            <a:spLocks noGrp="1"/>
+          </p:cNvSpPr>
+          <p:nvPr>
+            <p:ph type="sldNum" sz="quarter" idx="12"/>
+          </p:nvPr>
+        </p:nvSpPr>
+        <p:spPr>
+          <a:xfrm>
+            <a:off x="10396728" y="6227064"/>
+            <a:ext cx="1463040" cy="256032"/>
           </a:xfrm>
         </p:spPr>
         <p:txBody>
           <a:bodyPr/>
-          <a:lstStyle>
-            <a:lvl1pPr marL="0" indent="0">
-              <a:buNone/>
-              <a:defRPr sz="1600"/>
-            </a:lvl1pPr>
-            <a:lvl2pPr marL="457200" indent="0">
-              <a:buNone/>
-              <a:defRPr sz="1400"/>
-            </a:lvl2pPr>
-            <a:lvl3pPr marL="914400" indent="0">
-              <a:buNone/>
-              <a:defRPr sz="1200"/>
-            </a:lvl3pPr>
-            <a:lvl4pPr marL="1371600" indent="0">
-              <a:buNone/>
-              <a:defRPr sz="1000"/>
-            </a:lvl4pPr>
-            <a:lvl5pPr marL="1828800" indent="0">
-              <a:buNone/>
-              <a:defRPr sz="1000"/>
-            </a:lvl5pPr>
-            <a:lvl6pPr marL="2286000" indent="0">
-              <a:buNone/>
-              <a:defRPr sz="1000"/>
-            </a:lvl6pPr>
-            <a:lvl7pPr marL="2743200" indent="0">
-              <a:buNone/>
-              <a:defRPr sz="1000"/>
-            </a:lvl7pPr>
-            <a:lvl8pPr marL="3200400" indent="0">
-              <a:buNone/>
-              <a:defRPr sz="1000"/>
-            </a:lvl8pPr>
-            <a:lvl9pPr marL="3657600" indent="0">
-              <a:buNone/>
-              <a:defRPr sz="1000"/>
-            </a:lvl9pPr>
-          </a:lstStyle>
-          <a:p>
-            <a:pPr lvl="0"/>
-            <a:r>
-              <a:rPr lang="sl-SI"/>
-              <a:t>Kliknite za urejanje slogov besedila matrice</a:t>
-            </a:r>
-          </a:p>
-        </p:txBody>
-      </p:sp>
-      <p:sp>
-        <p:nvSpPr>
-          <p:cNvPr id="5" name="Označba mesta datuma 4">
-            <a:extLst>
-              <a:ext uri="{FF2B5EF4-FFF2-40B4-BE49-F238E27FC236}">
-                <a16:creationId xmlns:a16="http://schemas.microsoft.com/office/drawing/2014/main" id="{DA4A2BB4-66F6-4C6A-B184-749271EA608C}"/>
-              </a:ext>
-            </a:extLst>
-          </p:cNvPr>
-          <p:cNvSpPr>
-            <a:spLocks noGrp="1"/>
-          </p:cNvSpPr>
-          <p:nvPr>
-            <p:ph type="dt" sz="half" idx="10"/>
-          </p:nvPr>
-        </p:nvSpPr>
-        <p:spPr/>
-        <p:txBody>
-          <a:bodyPr/>
-          <a:lstStyle/>
-          <a:p>
-            <a:fld id="{5B7A9F00-252E-4934-8989-361D36C351BE}" type="datetimeFigureOut">
-              <a:rPr lang="sl-SI" smtClean="0"/>
-              <a:t>23. 05. 2020</a:t>
-            </a:fld>
-            <a:endParaRPr lang="sl-SI"/>
-          </a:p>
-        </p:txBody>
-      </p:sp>
-      <p:sp>
-        <p:nvSpPr>
-          <p:cNvPr id="6" name="Označba mesta noge 5">
-            <a:extLst>
-              <a:ext uri="{FF2B5EF4-FFF2-40B4-BE49-F238E27FC236}">
-                <a16:creationId xmlns:a16="http://schemas.microsoft.com/office/drawing/2014/main" id="{1505B0DA-4B12-487C-9A05-B60E8BC120D0}"/>
-              </a:ext>
-            </a:extLst>
-          </p:cNvPr>
-          <p:cNvSpPr>
-            <a:spLocks noGrp="1"/>
-          </p:cNvSpPr>
-          <p:nvPr>
-            <p:ph type="ftr" sz="quarter" idx="11"/>
-          </p:nvPr>
-        </p:nvSpPr>
-        <p:spPr/>
-        <p:txBody>
-          <a:bodyPr/>
-          <a:lstStyle/>
-          <a:p>
-            <a:endParaRPr lang="sl-SI"/>
-          </a:p>
-        </p:txBody>
-      </p:sp>
-      <p:sp>
-        <p:nvSpPr>
-          <p:cNvPr id="7" name="Označba mesta številke diapozitiva 6">
-            <a:extLst>
-              <a:ext uri="{FF2B5EF4-FFF2-40B4-BE49-F238E27FC236}">
-                <a16:creationId xmlns:a16="http://schemas.microsoft.com/office/drawing/2014/main" id="{2E06577B-AD35-485D-8CE7-6E8B78DE0C1F}"/>
-              </a:ext>
-            </a:extLst>
-          </p:cNvPr>
-          <p:cNvSpPr>
-            <a:spLocks noGrp="1"/>
-          </p:cNvSpPr>
-          <p:nvPr>
-            <p:ph type="sldNum" sz="quarter" idx="12"/>
-          </p:nvPr>
-        </p:nvSpPr>
-        <p:spPr/>
-        <p:txBody>
-          <a:bodyPr/>
           <a:lstStyle/>
           <a:p>
             <a:fld id="{FFA46F70-211F-40C1-BB67-083A1859D7F3}" type="slidenum">
@@ -2440,10 +3080,52 @@
           </a:p>
         </p:txBody>
       </p:sp>
+      <p:sp>
+        <p:nvSpPr>
+          <p:cNvPr id="12" name="Rectangle 11"/>
+          <p:cNvSpPr/>
+          <p:nvPr/>
+        </p:nvSpPr>
+        <p:spPr>
+          <a:xfrm>
+            <a:off x="9157546" y="374904"/>
+            <a:ext cx="2651760" cy="6108192"/>
+          </a:xfrm>
+          <a:prstGeom prst="rect">
+            <a:avLst/>
+          </a:prstGeom>
+          <a:noFill/>
+          <a:ln w="6350" cap="sq">
+            <a:solidFill>
+              <a:schemeClr val="tx1">
+                <a:lumMod val="75000"/>
+                <a:lumOff val="25000"/>
+              </a:schemeClr>
+            </a:solidFill>
+            <a:miter lim="800000"/>
+          </a:ln>
+        </p:spPr>
+        <p:style>
+          <a:lnRef idx="2">
+            <a:schemeClr val="accent1">
+              <a:shade val="50000"/>
+            </a:schemeClr>
+          </a:lnRef>
+          <a:fillRef idx="1">
+            <a:schemeClr val="accent1"/>
+          </a:fillRef>
+          <a:effectRef idx="0">
+            <a:schemeClr val="accent1"/>
+          </a:effectRef>
+          <a:fontRef idx="minor">
+            <a:schemeClr val="lt1"/>
+          </a:fontRef>
+        </p:style>
+      </p:sp>
     </p:spTree>
     <p:extLst>
       <p:ext uri="{BB962C8B-B14F-4D97-AF65-F5344CB8AC3E}">
-        <p14:creationId xmlns:p14="http://schemas.microsoft.com/office/powerpoint/2010/main" val="866970931"/>
+        <p14:creationId xmlns:p14="http://schemas.microsoft.com/office/powerpoint/2010/main" val="2870774858"/>
       </p:ext>
     </p:extLst>
   </p:cSld>
@@ -2454,7 +3136,7 @@
 </file>
 
 <file path=ppt/slideLayouts/slideLayout9.xml><?xml version="1.0" encoding="utf-8"?>
-<p:sldLayout xmlns:a="http://schemas.openxmlformats.org/drawingml/2006/main" xmlns:r="http://schemas.openxmlformats.org/officeDocument/2006/relationships" xmlns:p="http://schemas.openxmlformats.org/presentationml/2006/main" type="picTx" preserve="1">
+<p:sldLayout xmlns:a="http://schemas.openxmlformats.org/drawingml/2006/main" xmlns:r="http://schemas.openxmlformats.org/officeDocument/2006/relationships" xmlns:p="http://schemas.openxmlformats.org/presentationml/2006/main" showMasterSp="0" type="picTx" preserve="1">
   <p:cSld name="Naslov in slika">
     <p:spTree>
       <p:nvGrpSpPr>
@@ -2472,13 +3154,45 @@
       </p:grpSpPr>
       <p:sp>
         <p:nvSpPr>
-          <p:cNvPr id="2" name="Naslov 1">
-            <a:extLst>
-              <a:ext uri="{FF2B5EF4-FFF2-40B4-BE49-F238E27FC236}">
-                <a16:creationId xmlns:a16="http://schemas.microsoft.com/office/drawing/2014/main" id="{7E22891B-5D92-46AA-8E0D-92A520962CE2}"/>
-              </a:ext>
-            </a:extLst>
-          </p:cNvPr>
+          <p:cNvPr id="14" name="Rectangle 13"/>
+          <p:cNvSpPr/>
+          <p:nvPr/>
+        </p:nvSpPr>
+        <p:spPr>
+          <a:xfrm>
+            <a:off x="9020386" y="237744"/>
+            <a:ext cx="2926080" cy="6382512"/>
+          </a:xfrm>
+          <a:prstGeom prst="rect">
+            <a:avLst/>
+          </a:prstGeom>
+          <a:solidFill>
+            <a:schemeClr val="bg2"/>
+          </a:solidFill>
+          <a:ln>
+            <a:noFill/>
+          </a:ln>
+        </p:spPr>
+        <p:style>
+          <a:lnRef idx="2">
+            <a:schemeClr val="accent1">
+              <a:shade val="50000"/>
+            </a:schemeClr>
+          </a:lnRef>
+          <a:fillRef idx="1">
+            <a:schemeClr val="accent1"/>
+          </a:fillRef>
+          <a:effectRef idx="0">
+            <a:schemeClr val="accent1"/>
+          </a:effectRef>
+          <a:fontRef idx="minor">
+            <a:schemeClr val="lt1"/>
+          </a:fontRef>
+        </p:style>
+      </p:sp>
+      <p:sp>
+        <p:nvSpPr>
+          <p:cNvPr id="2" name="Title 1"/>
           <p:cNvSpPr>
             <a:spLocks noGrp="1"/>
           </p:cNvSpPr>
@@ -2488,36 +3202,38 @@
         </p:nvSpPr>
         <p:spPr>
           <a:xfrm>
-            <a:off x="839788" y="457200"/>
-            <a:ext cx="3932237" cy="1600200"/>
+            <a:off x="9296400" y="603504"/>
+            <a:ext cx="2432304" cy="1645920"/>
           </a:xfrm>
         </p:spPr>
         <p:txBody>
-          <a:bodyPr anchor="b"/>
+          <a:bodyPr anchor="b">
+            <a:noAutofit/>
+          </a:bodyPr>
           <a:lstStyle>
-            <a:lvl1pPr>
-              <a:defRPr sz="3200"/>
+            <a:lvl1pPr algn="l">
+              <a:defRPr sz="2800" b="0">
+                <a:solidFill>
+                  <a:schemeClr val="tx1"/>
+                </a:solidFill>
+                <a:latin typeface="+mj-lt"/>
+              </a:defRPr>
             </a:lvl1pPr>
           </a:lstStyle>
           <a:p>
             <a:r>
-              <a:rPr lang="sl-SI"/>
-              <a:t>Kliknite, če želite urediti slog naslova matrice</a:t>
-            </a:r>
+              <a:rPr lang="sl-SI" smtClean="0"/>
+              <a:t>Uredite slog naslova matrice</a:t>
+            </a:r>
+            <a:endParaRPr lang="en-US" dirty="0"/>
           </a:p>
         </p:txBody>
       </p:sp>
       <p:sp>
         <p:nvSpPr>
-          <p:cNvPr id="3" name="Označba mesta slike 2">
-            <a:extLst>
-              <a:ext uri="{FF2B5EF4-FFF2-40B4-BE49-F238E27FC236}">
-                <a16:creationId xmlns:a16="http://schemas.microsoft.com/office/drawing/2014/main" id="{51EC080F-E3FD-4517-8028-E58C7375FE18}"/>
-              </a:ext>
-            </a:extLst>
-          </p:cNvPr>
+          <p:cNvPr id="3" name="Picture Placeholder 2"/>
           <p:cNvSpPr>
-            <a:spLocks noGrp="1"/>
+            <a:spLocks noGrp="1" noChangeAspect="1"/>
           </p:cNvSpPr>
           <p:nvPr>
             <p:ph type="pic" idx="1"/>
@@ -2525,12 +3241,21 @@
         </p:nvSpPr>
         <p:spPr>
           <a:xfrm>
-            <a:off x="5183188" y="987425"/>
-            <a:ext cx="6172200" cy="4873625"/>
+            <a:off x="228599" y="237744"/>
+            <a:ext cx="8531352" cy="6382512"/>
           </a:xfrm>
+          <a:solidFill>
+            <a:schemeClr val="accent6">
+              <a:lumMod val="60000"/>
+              <a:lumOff val="40000"/>
+            </a:schemeClr>
+          </a:solidFill>
+          <a:ln>
+            <a:noFill/>
+          </a:ln>
         </p:spPr>
         <p:txBody>
-          <a:bodyPr/>
+          <a:bodyPr anchor="t"/>
           <a:lstStyle>
             <a:lvl1pPr marL="0" indent="0">
               <a:buNone/>
@@ -2570,19 +3295,17 @@
             </a:lvl9pPr>
           </a:lstStyle>
           <a:p>
-            <a:endParaRPr lang="sl-SI"/>
+            <a:r>
+              <a:rPr lang="sl-SI" smtClean="0"/>
+              <a:t>Kliknite ikono, če želite dodati sliko</a:t>
+            </a:r>
+            <a:endParaRPr lang="en-US" dirty="0"/>
           </a:p>
         </p:txBody>
       </p:sp>
       <p:sp>
         <p:nvSpPr>
-          <p:cNvPr id="4" name="Označba mesta besedila 3">
-            <a:extLst>
-              <a:ext uri="{FF2B5EF4-FFF2-40B4-BE49-F238E27FC236}">
-                <a16:creationId xmlns:a16="http://schemas.microsoft.com/office/drawing/2014/main" id="{78626226-217D-4DAE-A2CC-6D4AC9FBF4AF}"/>
-              </a:ext>
-            </a:extLst>
-          </p:cNvPr>
+          <p:cNvPr id="4" name="Text Placeholder 3"/>
           <p:cNvSpPr>
             <a:spLocks noGrp="1"/>
           </p:cNvSpPr>
@@ -2592,132 +3315,164 @@
         </p:nvSpPr>
         <p:spPr>
           <a:xfrm>
-            <a:off x="839788" y="2057400"/>
-            <a:ext cx="3932237" cy="3811588"/>
+            <a:off x="9296400" y="2286000"/>
+            <a:ext cx="2432304" cy="3502152"/>
+          </a:xfrm>
+        </p:spPr>
+        <p:txBody>
+          <a:bodyPr>
+            <a:normAutofit/>
+          </a:bodyPr>
+          <a:lstStyle>
+            <a:lvl1pPr marL="0" indent="0" algn="l">
+              <a:lnSpc>
+                <a:spcPct val="110000"/>
+              </a:lnSpc>
+              <a:spcBef>
+                <a:spcPts val="800"/>
+              </a:spcBef>
+              <a:buNone/>
+              <a:defRPr sz="1400">
+                <a:solidFill>
+                  <a:schemeClr val="tx1"/>
+                </a:solidFill>
+              </a:defRPr>
+            </a:lvl1pPr>
+            <a:lvl2pPr marL="457200" indent="0">
+              <a:buNone/>
+              <a:defRPr sz="1200"/>
+            </a:lvl2pPr>
+            <a:lvl3pPr marL="914400" indent="0">
+              <a:buNone/>
+              <a:defRPr sz="1000"/>
+            </a:lvl3pPr>
+            <a:lvl4pPr marL="1371600" indent="0">
+              <a:buNone/>
+              <a:defRPr sz="900"/>
+            </a:lvl4pPr>
+            <a:lvl5pPr marL="1828800" indent="0">
+              <a:buNone/>
+              <a:defRPr sz="900"/>
+            </a:lvl5pPr>
+            <a:lvl6pPr marL="2286000" indent="0">
+              <a:buNone/>
+              <a:defRPr sz="900"/>
+            </a:lvl6pPr>
+            <a:lvl7pPr marL="2743200" indent="0">
+              <a:buNone/>
+              <a:defRPr sz="900"/>
+            </a:lvl7pPr>
+            <a:lvl8pPr marL="3200400" indent="0">
+              <a:buNone/>
+              <a:defRPr sz="900"/>
+            </a:lvl8pPr>
+            <a:lvl9pPr marL="3657600" indent="0">
+              <a:buNone/>
+              <a:defRPr sz="900"/>
+            </a:lvl9pPr>
+          </a:lstStyle>
+          <a:p>
+            <a:pPr lvl="0"/>
+            <a:r>
+              <a:rPr lang="sl-SI" smtClean="0"/>
+              <a:t>Uredite sloge besedila matrice</a:t>
+            </a:r>
+          </a:p>
+        </p:txBody>
+      </p:sp>
+      <p:sp>
+        <p:nvSpPr>
+          <p:cNvPr id="5" name="Date Placeholder 4"/>
+          <p:cNvSpPr>
+            <a:spLocks noGrp="1"/>
+          </p:cNvSpPr>
+          <p:nvPr>
+            <p:ph type="dt" sz="half" idx="10"/>
+          </p:nvPr>
+        </p:nvSpPr>
+        <p:spPr/>
+        <p:txBody>
+          <a:bodyPr/>
+          <a:lstStyle>
+            <a:lvl1pPr>
+              <a:defRPr>
+                <a:solidFill>
+                  <a:srgbClr val="FFFFFF"/>
+                </a:solidFill>
+                <a:effectLst>
+                  <a:outerShdw blurRad="19050" dist="6350" dir="2700000" algn="tl" rotWithShape="0">
+                    <a:prstClr val="black">
+                      <a:alpha val="40000"/>
+                    </a:prstClr>
+                  </a:outerShdw>
+                </a:effectLst>
+              </a:defRPr>
+            </a:lvl1pPr>
+          </a:lstStyle>
+          <a:p>
+            <a:fld id="{5B7A9F00-252E-4934-8989-361D36C351BE}" type="datetimeFigureOut">
+              <a:rPr lang="sl-SI" smtClean="0"/>
+              <a:t>23. 05. 2020</a:t>
+            </a:fld>
+            <a:endParaRPr lang="sl-SI"/>
+          </a:p>
+        </p:txBody>
+      </p:sp>
+      <p:sp>
+        <p:nvSpPr>
+          <p:cNvPr id="6" name="Footer Placeholder 5"/>
+          <p:cNvSpPr>
+            <a:spLocks noGrp="1"/>
+          </p:cNvSpPr>
+          <p:nvPr>
+            <p:ph type="ftr" sz="quarter" idx="11"/>
+          </p:nvPr>
+        </p:nvSpPr>
+        <p:spPr/>
+        <p:txBody>
+          <a:bodyPr/>
+          <a:lstStyle>
+            <a:lvl1pPr marL="0" algn="r" defTabSz="914400" rtl="0" eaLnBrk="1" latinLnBrk="0" hangingPunct="1">
+              <a:defRPr lang="en-US" sz="1000" kern="1200" dirty="0">
+                <a:solidFill>
+                  <a:srgbClr val="FFFFFF"/>
+                </a:solidFill>
+                <a:effectLst>
+                  <a:outerShdw blurRad="19050" dist="6350" dir="2700000" algn="tl" rotWithShape="0">
+                    <a:prstClr val="black">
+                      <a:alpha val="40000"/>
+                    </a:prstClr>
+                  </a:outerShdw>
+                </a:effectLst>
+                <a:latin typeface="+mn-lt"/>
+                <a:ea typeface="+mn-ea"/>
+                <a:cs typeface="+mn-cs"/>
+              </a:defRPr>
+            </a:lvl1pPr>
+          </a:lstStyle>
+          <a:p>
+            <a:endParaRPr lang="en-US" dirty="0"/>
+          </a:p>
+        </p:txBody>
+      </p:sp>
+      <p:sp>
+        <p:nvSpPr>
+          <p:cNvPr id="7" name="Slide Number Placeholder 6"/>
+          <p:cNvSpPr>
+            <a:spLocks noGrp="1"/>
+          </p:cNvSpPr>
+          <p:nvPr>
+            <p:ph type="sldNum" sz="quarter" idx="12"/>
+          </p:nvPr>
+        </p:nvSpPr>
+        <p:spPr>
+          <a:xfrm>
+            <a:off x="10396728" y="6227064"/>
+            <a:ext cx="1463040" cy="256032"/>
           </a:xfrm>
         </p:spPr>
         <p:txBody>
           <a:bodyPr/>
-          <a:lstStyle>
-            <a:lvl1pPr marL="0" indent="0">
-              <a:buNone/>
-              <a:defRPr sz="1600"/>
-            </a:lvl1pPr>
-            <a:lvl2pPr marL="457200" indent="0">
-              <a:buNone/>
-              <a:defRPr sz="1400"/>
-            </a:lvl2pPr>
-            <a:lvl3pPr marL="914400" indent="0">
-              <a:buNone/>
-              <a:defRPr sz="1200"/>
-            </a:lvl3pPr>
-            <a:lvl4pPr marL="1371600" indent="0">
-              <a:buNone/>
-              <a:defRPr sz="1000"/>
-            </a:lvl4pPr>
-            <a:lvl5pPr marL="1828800" indent="0">
-              <a:buNone/>
-              <a:defRPr sz="1000"/>
-            </a:lvl5pPr>
-            <a:lvl6pPr marL="2286000" indent="0">
-              <a:buNone/>
-              <a:defRPr sz="1000"/>
-            </a:lvl6pPr>
-            <a:lvl7pPr marL="2743200" indent="0">
-              <a:buNone/>
-              <a:defRPr sz="1000"/>
-            </a:lvl7pPr>
-            <a:lvl8pPr marL="3200400" indent="0">
-              <a:buNone/>
-              <a:defRPr sz="1000"/>
-            </a:lvl8pPr>
-            <a:lvl9pPr marL="3657600" indent="0">
-              <a:buNone/>
-              <a:defRPr sz="1000"/>
-            </a:lvl9pPr>
-          </a:lstStyle>
-          <a:p>
-            <a:pPr lvl="0"/>
-            <a:r>
-              <a:rPr lang="sl-SI"/>
-              <a:t>Kliknite za urejanje slogov besedila matrice</a:t>
-            </a:r>
-          </a:p>
-        </p:txBody>
-      </p:sp>
-      <p:sp>
-        <p:nvSpPr>
-          <p:cNvPr id="5" name="Označba mesta datuma 4">
-            <a:extLst>
-              <a:ext uri="{FF2B5EF4-FFF2-40B4-BE49-F238E27FC236}">
-                <a16:creationId xmlns:a16="http://schemas.microsoft.com/office/drawing/2014/main" id="{9BCECDE4-440B-46D5-B923-0CC2E5C1A345}"/>
-              </a:ext>
-            </a:extLst>
-          </p:cNvPr>
-          <p:cNvSpPr>
-            <a:spLocks noGrp="1"/>
-          </p:cNvSpPr>
-          <p:nvPr>
-            <p:ph type="dt" sz="half" idx="10"/>
-          </p:nvPr>
-        </p:nvSpPr>
-        <p:spPr/>
-        <p:txBody>
-          <a:bodyPr/>
-          <a:lstStyle/>
-          <a:p>
-            <a:fld id="{5B7A9F00-252E-4934-8989-361D36C351BE}" type="datetimeFigureOut">
-              <a:rPr lang="sl-SI" smtClean="0"/>
-              <a:t>23. 05. 2020</a:t>
-            </a:fld>
-            <a:endParaRPr lang="sl-SI"/>
-          </a:p>
-        </p:txBody>
-      </p:sp>
-      <p:sp>
-        <p:nvSpPr>
-          <p:cNvPr id="6" name="Označba mesta noge 5">
-            <a:extLst>
-              <a:ext uri="{FF2B5EF4-FFF2-40B4-BE49-F238E27FC236}">
-                <a16:creationId xmlns:a16="http://schemas.microsoft.com/office/drawing/2014/main" id="{9DED18E5-74B9-4AD4-AD81-01DF10720542}"/>
-              </a:ext>
-            </a:extLst>
-          </p:cNvPr>
-          <p:cNvSpPr>
-            <a:spLocks noGrp="1"/>
-          </p:cNvSpPr>
-          <p:nvPr>
-            <p:ph type="ftr" sz="quarter" idx="11"/>
-          </p:nvPr>
-        </p:nvSpPr>
-        <p:spPr/>
-        <p:txBody>
-          <a:bodyPr/>
-          <a:lstStyle/>
-          <a:p>
-            <a:endParaRPr lang="sl-SI"/>
-          </a:p>
-        </p:txBody>
-      </p:sp>
-      <p:sp>
-        <p:nvSpPr>
-          <p:cNvPr id="7" name="Označba mesta številke diapozitiva 6">
-            <a:extLst>
-              <a:ext uri="{FF2B5EF4-FFF2-40B4-BE49-F238E27FC236}">
-                <a16:creationId xmlns:a16="http://schemas.microsoft.com/office/drawing/2014/main" id="{FE6D2FFB-6795-40FD-81BB-6DA97BAFDE81}"/>
-              </a:ext>
-            </a:extLst>
-          </p:cNvPr>
-          <p:cNvSpPr>
-            <a:spLocks noGrp="1"/>
-          </p:cNvSpPr>
-          <p:nvPr>
-            <p:ph type="sldNum" sz="quarter" idx="12"/>
-          </p:nvPr>
-        </p:nvSpPr>
-        <p:spPr/>
-        <p:txBody>
-          <a:bodyPr/>
           <a:lstStyle/>
           <a:p>
             <a:fld id="{FFA46F70-211F-40C1-BB67-083A1859D7F3}" type="slidenum">
@@ -2728,10 +3483,52 @@
           </a:p>
         </p:txBody>
       </p:sp>
+      <p:sp>
+        <p:nvSpPr>
+          <p:cNvPr id="10" name="Rectangle 9"/>
+          <p:cNvSpPr/>
+          <p:nvPr/>
+        </p:nvSpPr>
+        <p:spPr>
+          <a:xfrm>
+            <a:off x="9157546" y="374904"/>
+            <a:ext cx="2651760" cy="6108192"/>
+          </a:xfrm>
+          <a:prstGeom prst="rect">
+            <a:avLst/>
+          </a:prstGeom>
+          <a:noFill/>
+          <a:ln w="6350" cap="sq">
+            <a:solidFill>
+              <a:schemeClr val="tx1">
+                <a:lumMod val="75000"/>
+                <a:lumOff val="25000"/>
+              </a:schemeClr>
+            </a:solidFill>
+            <a:miter lim="800000"/>
+          </a:ln>
+        </p:spPr>
+        <p:style>
+          <a:lnRef idx="2">
+            <a:schemeClr val="accent1">
+              <a:shade val="50000"/>
+            </a:schemeClr>
+          </a:lnRef>
+          <a:fillRef idx="1">
+            <a:schemeClr val="accent1"/>
+          </a:fillRef>
+          <a:effectRef idx="0">
+            <a:schemeClr val="accent1"/>
+          </a:effectRef>
+          <a:fontRef idx="minor">
+            <a:schemeClr val="lt1"/>
+          </a:fontRef>
+        </p:style>
+      </p:sp>
     </p:spTree>
     <p:extLst>
       <p:ext uri="{BB962C8B-B14F-4D97-AF65-F5344CB8AC3E}">
-        <p14:creationId xmlns:p14="http://schemas.microsoft.com/office/powerpoint/2010/main" val="793771638"/>
+        <p14:creationId xmlns:p14="http://schemas.microsoft.com/office/powerpoint/2010/main" val="253730404"/>
       </p:ext>
     </p:extLst>
   </p:cSld>
@@ -2745,9 +3542,12 @@
 <p:sldMaster xmlns:a="http://schemas.openxmlformats.org/drawingml/2006/main" xmlns:r="http://schemas.openxmlformats.org/officeDocument/2006/relationships" xmlns:p="http://schemas.openxmlformats.org/presentationml/2006/main">
   <p:cSld>
     <p:bg>
-      <p:bgRef idx="1001">
-        <a:schemeClr val="bg1"/>
-      </p:bgRef>
+      <p:bgPr>
+        <a:solidFill>
+          <a:schemeClr val="bg1"/>
+        </a:solidFill>
+        <a:effectLst/>
+      </p:bgPr>
     </p:bg>
     <p:spTree>
       <p:nvGrpSpPr>
@@ -2765,13 +3565,33 @@
       </p:grpSpPr>
       <p:sp>
         <p:nvSpPr>
-          <p:cNvPr id="2" name="Označba mesta naslova 1">
-            <a:extLst>
-              <a:ext uri="{FF2B5EF4-FFF2-40B4-BE49-F238E27FC236}">
-                <a16:creationId xmlns:a16="http://schemas.microsoft.com/office/drawing/2014/main" id="{F396C3DB-2D02-4FBF-8AFF-6787C6C9F717}"/>
-              </a:ext>
-            </a:extLst>
-          </p:cNvPr>
+          <p:cNvPr id="7" name="Rectangle 6"/>
+          <p:cNvSpPr/>
+          <p:nvPr/>
+        </p:nvSpPr>
+        <p:spPr>
+          <a:xfrm>
+            <a:off x="234696" y="237744"/>
+            <a:ext cx="11722608" cy="6382512"/>
+          </a:xfrm>
+          <a:prstGeom prst="rect">
+            <a:avLst/>
+          </a:prstGeom>
+          <a:solidFill>
+            <a:schemeClr val="bg2"/>
+          </a:solidFill>
+          <a:ln w="6350" cap="flat" cmpd="sng" algn="ctr">
+            <a:noFill/>
+            <a:prstDash val="solid"/>
+          </a:ln>
+          <a:effectLst>
+            <a:softEdge rad="0"/>
+          </a:effectLst>
+        </p:spPr>
+      </p:sp>
+      <p:sp>
+        <p:nvSpPr>
+          <p:cNvPr id="2" name="Title Placeholder 1"/>
           <p:cNvSpPr>
             <a:spLocks noGrp="1"/>
           </p:cNvSpPr>
@@ -2781,8 +3601,8 @@
         </p:nvSpPr>
         <p:spPr>
           <a:xfrm>
-            <a:off x="838200" y="365125"/>
-            <a:ext cx="10515600" cy="1325563"/>
+            <a:off x="1066800" y="642594"/>
+            <a:ext cx="10058400" cy="1371600"/>
           </a:xfrm>
           <a:prstGeom prst="rect">
             <a:avLst/>
@@ -2795,21 +3615,16 @@
           <a:lstStyle/>
           <a:p>
             <a:r>
-              <a:rPr lang="sl-SI"/>
-              <a:t>Kliknite, če želite urediti slog naslova matrice</a:t>
-            </a:r>
+              <a:rPr lang="sl-SI" smtClean="0"/>
+              <a:t>Uredite slog naslova matrice</a:t>
+            </a:r>
+            <a:endParaRPr lang="en-US" dirty="0"/>
           </a:p>
         </p:txBody>
       </p:sp>
       <p:sp>
         <p:nvSpPr>
-          <p:cNvPr id="3" name="Označba mesta besedila 2">
-            <a:extLst>
-              <a:ext uri="{FF2B5EF4-FFF2-40B4-BE49-F238E27FC236}">
-                <a16:creationId xmlns:a16="http://schemas.microsoft.com/office/drawing/2014/main" id="{439943E1-49D8-49BA-A483-0DED8F153AB7}"/>
-              </a:ext>
-            </a:extLst>
-          </p:cNvPr>
+          <p:cNvPr id="3" name="Text Placeholder 2"/>
           <p:cNvSpPr>
             <a:spLocks noGrp="1"/>
           </p:cNvSpPr>
@@ -2819,8 +3634,8 @@
         </p:nvSpPr>
         <p:spPr>
           <a:xfrm>
-            <a:off x="838200" y="1825625"/>
-            <a:ext cx="10515600" cy="4351338"/>
+            <a:off x="1066800" y="2103120"/>
+            <a:ext cx="10058400" cy="3931920"/>
           </a:xfrm>
           <a:prstGeom prst="rect">
             <a:avLst/>
@@ -2834,49 +3649,44 @@
           <a:p>
             <a:pPr lvl="0"/>
             <a:r>
-              <a:rPr lang="sl-SI"/>
-              <a:t>Kliknite za urejanje slogov besedila matrice</a:t>
+              <a:rPr lang="sl-SI" smtClean="0"/>
+              <a:t>Uredite sloge besedila matrice</a:t>
             </a:r>
           </a:p>
           <a:p>
             <a:pPr lvl="1"/>
             <a:r>
-              <a:rPr lang="sl-SI"/>
+              <a:rPr lang="sl-SI" smtClean="0"/>
               <a:t>Druga raven</a:t>
             </a:r>
           </a:p>
           <a:p>
             <a:pPr lvl="2"/>
             <a:r>
-              <a:rPr lang="sl-SI"/>
+              <a:rPr lang="sl-SI" smtClean="0"/>
               <a:t>Tretja raven</a:t>
             </a:r>
           </a:p>
           <a:p>
             <a:pPr lvl="3"/>
             <a:r>
-              <a:rPr lang="sl-SI"/>
+              <a:rPr lang="sl-SI" smtClean="0"/>
               <a:t>Četrta raven</a:t>
             </a:r>
           </a:p>
           <a:p>
             <a:pPr lvl="4"/>
             <a:r>
-              <a:rPr lang="sl-SI"/>
+              <a:rPr lang="sl-SI" smtClean="0"/>
               <a:t>Peta raven</a:t>
             </a:r>
+            <a:endParaRPr lang="en-US" dirty="0"/>
           </a:p>
         </p:txBody>
       </p:sp>
       <p:sp>
         <p:nvSpPr>
-          <p:cNvPr id="4" name="Označba mesta datuma 3">
-            <a:extLst>
-              <a:ext uri="{FF2B5EF4-FFF2-40B4-BE49-F238E27FC236}">
-                <a16:creationId xmlns:a16="http://schemas.microsoft.com/office/drawing/2014/main" id="{4C97F39F-5EAB-4D56-8975-1B843399B453}"/>
-              </a:ext>
-            </a:extLst>
-          </p:cNvPr>
+          <p:cNvPr id="4" name="Date Placeholder 3"/>
           <p:cNvSpPr>
             <a:spLocks noGrp="1"/>
           </p:cNvSpPr>
@@ -2886,21 +3696,22 @@
         </p:nvSpPr>
         <p:spPr>
           <a:xfrm>
-            <a:off x="838200" y="6356350"/>
-            <a:ext cx="2743200" cy="365125"/>
+            <a:off x="389464" y="6214535"/>
+            <a:ext cx="2743200" cy="256032"/>
           </a:xfrm>
           <a:prstGeom prst="rect">
             <a:avLst/>
           </a:prstGeom>
         </p:spPr>
         <p:txBody>
-          <a:bodyPr vert="horz" lIns="91440" tIns="45720" rIns="91440" bIns="45720" rtlCol="0" anchor="ctr"/>
+          <a:bodyPr vert="horz" lIns="91440" tIns="45720" rIns="91440" bIns="45720" rtlCol="0" anchor="b"/>
           <a:lstStyle>
             <a:lvl1pPr algn="l">
-              <a:defRPr sz="1200">
+              <a:defRPr sz="1000">
                 <a:solidFill>
                   <a:schemeClr val="tx1">
-                    <a:tint val="75000"/>
+                    <a:lumMod val="75000"/>
+                    <a:lumOff val="25000"/>
                   </a:schemeClr>
                 </a:solidFill>
               </a:defRPr>
@@ -2917,13 +3728,7 @@
       </p:sp>
       <p:sp>
         <p:nvSpPr>
-          <p:cNvPr id="5" name="Označba mesta noge 4">
-            <a:extLst>
-              <a:ext uri="{FF2B5EF4-FFF2-40B4-BE49-F238E27FC236}">
-                <a16:creationId xmlns:a16="http://schemas.microsoft.com/office/drawing/2014/main" id="{E6178769-7C72-41C4-97E5-F585050F8432}"/>
-              </a:ext>
-            </a:extLst>
-          </p:cNvPr>
+          <p:cNvPr id="5" name="Footer Placeholder 4"/>
           <p:cNvSpPr>
             <a:spLocks noGrp="1"/>
           </p:cNvSpPr>
@@ -2933,21 +3738,22 @@
         </p:nvSpPr>
         <p:spPr>
           <a:xfrm>
-            <a:off x="4038600" y="6356350"/>
-            <a:ext cx="4114800" cy="365125"/>
+            <a:off x="3489960" y="6214535"/>
+            <a:ext cx="5212080" cy="256032"/>
           </a:xfrm>
           <a:prstGeom prst="rect">
             <a:avLst/>
           </a:prstGeom>
         </p:spPr>
         <p:txBody>
-          <a:bodyPr vert="horz" lIns="91440" tIns="45720" rIns="91440" bIns="45720" rtlCol="0" anchor="ctr"/>
+          <a:bodyPr vert="horz" lIns="91440" tIns="45720" rIns="91440" bIns="45720" rtlCol="0" anchor="b"/>
           <a:lstStyle>
             <a:lvl1pPr algn="ctr">
-              <a:defRPr sz="1200">
+              <a:defRPr sz="1000">
                 <a:solidFill>
                   <a:schemeClr val="tx1">
-                    <a:tint val="75000"/>
+                    <a:lumMod val="75000"/>
+                    <a:lumOff val="25000"/>
                   </a:schemeClr>
                 </a:solidFill>
               </a:defRPr>
@@ -2960,13 +3766,7 @@
       </p:sp>
       <p:sp>
         <p:nvSpPr>
-          <p:cNvPr id="6" name="Označba mesta številke diapozitiva 5">
-            <a:extLst>
-              <a:ext uri="{FF2B5EF4-FFF2-40B4-BE49-F238E27FC236}">
-                <a16:creationId xmlns:a16="http://schemas.microsoft.com/office/drawing/2014/main" id="{BB4B9DB0-C1F5-47A6-8AF8-9E50E03437EC}"/>
-              </a:ext>
-            </a:extLst>
-          </p:cNvPr>
+          <p:cNvPr id="6" name="Slide Number Placeholder 5"/>
           <p:cNvSpPr>
             <a:spLocks noGrp="1"/>
           </p:cNvSpPr>
@@ -2976,21 +3776,22 @@
         </p:nvSpPr>
         <p:spPr>
           <a:xfrm>
-            <a:off x="8610600" y="6356350"/>
-            <a:ext cx="2743200" cy="365125"/>
+            <a:off x="10348535" y="6214535"/>
+            <a:ext cx="1463040" cy="256032"/>
           </a:xfrm>
           <a:prstGeom prst="rect">
             <a:avLst/>
           </a:prstGeom>
         </p:spPr>
         <p:txBody>
-          <a:bodyPr vert="horz" lIns="91440" tIns="45720" rIns="91440" bIns="45720" rtlCol="0" anchor="ctr"/>
+          <a:bodyPr vert="horz" lIns="91440" tIns="45720" rIns="91440" bIns="45720" rtlCol="0" anchor="b"/>
           <a:lstStyle>
             <a:lvl1pPr algn="r">
-              <a:defRPr sz="1200">
+              <a:defRPr sz="1000">
                 <a:solidFill>
                   <a:schemeClr val="tx1">
-                    <a:tint val="75000"/>
+                    <a:lumMod val="75000"/>
+                    <a:lumOff val="25000"/>
                   </a:schemeClr>
                 </a:solidFill>
               </a:defRPr>
@@ -3005,26 +3806,54 @@
           </a:p>
         </p:txBody>
       </p:sp>
+      <p:sp>
+        <p:nvSpPr>
+          <p:cNvPr id="8" name="Rectangle 7"/>
+          <p:cNvSpPr/>
+          <p:nvPr/>
+        </p:nvSpPr>
+        <p:spPr>
+          <a:xfrm>
+            <a:off x="371856" y="374904"/>
+            <a:ext cx="11448288" cy="6108192"/>
+          </a:xfrm>
+          <a:prstGeom prst="rect">
+            <a:avLst/>
+          </a:prstGeom>
+          <a:noFill/>
+          <a:ln w="6350" cap="sq" cmpd="sng" algn="ctr">
+            <a:solidFill>
+              <a:schemeClr val="tx1">
+                <a:lumMod val="75000"/>
+                <a:lumOff val="25000"/>
+              </a:schemeClr>
+            </a:solidFill>
+            <a:prstDash val="solid"/>
+            <a:miter lim="800000"/>
+          </a:ln>
+          <a:effectLst/>
+        </p:spPr>
+      </p:sp>
     </p:spTree>
     <p:extLst>
       <p:ext uri="{BB962C8B-B14F-4D97-AF65-F5344CB8AC3E}">
-        <p14:creationId xmlns:p14="http://schemas.microsoft.com/office/powerpoint/2010/main" val="1878410500"/>
+        <p14:creationId xmlns:p14="http://schemas.microsoft.com/office/powerpoint/2010/main" val="2030355223"/>
       </p:ext>
     </p:extLst>
   </p:cSld>
   <p:clrMap bg1="lt1" tx1="dk1" bg2="lt2" tx2="dk2" accent1="accent1" accent2="accent2" accent3="accent3" accent4="accent4" accent5="accent5" accent6="accent6" hlink="hlink" folHlink="folHlink"/>
   <p:sldLayoutIdLst>
-    <p:sldLayoutId id="2147483649" r:id="rId1"/>
-    <p:sldLayoutId id="2147483650" r:id="rId2"/>
-    <p:sldLayoutId id="2147483651" r:id="rId3"/>
-    <p:sldLayoutId id="2147483652" r:id="rId4"/>
-    <p:sldLayoutId id="2147483653" r:id="rId5"/>
-    <p:sldLayoutId id="2147483654" r:id="rId6"/>
-    <p:sldLayoutId id="2147483655" r:id="rId7"/>
-    <p:sldLayoutId id="2147483656" r:id="rId8"/>
-    <p:sldLayoutId id="2147483657" r:id="rId9"/>
-    <p:sldLayoutId id="2147483658" r:id="rId10"/>
-    <p:sldLayoutId id="2147483659" r:id="rId11"/>
+    <p:sldLayoutId id="2147483905" r:id="rId1"/>
+    <p:sldLayoutId id="2147483906" r:id="rId2"/>
+    <p:sldLayoutId id="2147483907" r:id="rId3"/>
+    <p:sldLayoutId id="2147483908" r:id="rId4"/>
+    <p:sldLayoutId id="2147483909" r:id="rId5"/>
+    <p:sldLayoutId id="2147483910" r:id="rId6"/>
+    <p:sldLayoutId id="2147483911" r:id="rId7"/>
+    <p:sldLayoutId id="2147483912" r:id="rId8"/>
+    <p:sldLayoutId id="2147483913" r:id="rId9"/>
+    <p:sldLayoutId id="2147483914" r:id="rId10"/>
+    <p:sldLayoutId id="2147483915" r:id="rId11"/>
   </p:sldLayoutIdLst>
   <p:txStyles>
     <p:titleStyle>
@@ -3036,27 +3865,40 @@
           <a:spcPct val="0"/>
         </a:spcBef>
         <a:buNone/>
-        <a:defRPr sz="4400" kern="1200">
+        <a:defRPr lang="en-US" sz="4800" kern="1200" cap="none" spc="0" baseline="0" dirty="0">
           <a:solidFill>
-            <a:schemeClr val="tx1"/>
+            <a:schemeClr val="tx1">
+              <a:lumMod val="85000"/>
+              <a:lumOff val="15000"/>
+            </a:schemeClr>
           </a:solidFill>
+          <a:effectLst/>
           <a:latin typeface="+mj-lt"/>
-          <a:ea typeface="+mj-ea"/>
-          <a:cs typeface="+mj-cs"/>
+          <a:ea typeface="+mn-ea"/>
+          <a:cs typeface="+mn-cs"/>
         </a:defRPr>
       </a:lvl1pPr>
     </p:titleStyle>
     <p:bodyStyle>
-      <a:lvl1pPr marL="228600" indent="-228600" algn="l" defTabSz="914400" rtl="0" eaLnBrk="1" latinLnBrk="0" hangingPunct="1">
+      <a:lvl1pPr marL="182880" indent="-182880" algn="l" defTabSz="914400" rtl="0" eaLnBrk="1" latinLnBrk="0" hangingPunct="1">
         <a:lnSpc>
-          <a:spcPct val="90000"/>
+          <a:spcPct val="100000"/>
         </a:lnSpc>
         <a:spcBef>
-          <a:spcPts val="1000"/>
+          <a:spcPts val="900"/>
         </a:spcBef>
-        <a:buFont typeface="Arial" panose="020B0604020202020204" pitchFamily="34" charset="0"/>
-        <a:buChar char="•"/>
-        <a:defRPr sz="2800" kern="1200">
+        <a:spcAft>
+          <a:spcPts val="0"/>
+        </a:spcAft>
+        <a:buClr>
+          <a:schemeClr val="tx1">
+            <a:lumMod val="85000"/>
+            <a:lumOff val="15000"/>
+          </a:schemeClr>
+        </a:buClr>
+        <a:buFont typeface="Garamond" pitchFamily="18" charset="0"/>
+        <a:buChar char="◦"/>
+        <a:defRPr sz="1800" kern="1200">
           <a:solidFill>
             <a:schemeClr val="tx1"/>
           </a:solidFill>
@@ -3065,16 +3907,22 @@
           <a:cs typeface="+mn-cs"/>
         </a:defRPr>
       </a:lvl1pPr>
-      <a:lvl2pPr marL="685800" indent="-228600" algn="l" defTabSz="914400" rtl="0" eaLnBrk="1" latinLnBrk="0" hangingPunct="1">
+      <a:lvl2pPr marL="457200" indent="-182880" algn="l" defTabSz="914400" rtl="0" eaLnBrk="1" latinLnBrk="0" hangingPunct="1">
         <a:lnSpc>
-          <a:spcPct val="90000"/>
+          <a:spcPct val="100000"/>
         </a:lnSpc>
         <a:spcBef>
           <a:spcPts val="500"/>
         </a:spcBef>
-        <a:buFont typeface="Arial" panose="020B0604020202020204" pitchFamily="34" charset="0"/>
-        <a:buChar char="•"/>
-        <a:defRPr sz="2400" kern="1200">
+        <a:buClr>
+          <a:schemeClr val="tx1">
+            <a:lumMod val="85000"/>
+            <a:lumOff val="15000"/>
+          </a:schemeClr>
+        </a:buClr>
+        <a:buFont typeface="Garamond" pitchFamily="18" charset="0"/>
+        <a:buChar char="◦"/>
+        <a:defRPr sz="1600" kern="1200">
           <a:solidFill>
             <a:schemeClr val="tx1"/>
           </a:solidFill>
@@ -3083,16 +3931,22 @@
           <a:cs typeface="+mn-cs"/>
         </a:defRPr>
       </a:lvl2pPr>
-      <a:lvl3pPr marL="1143000" indent="-228600" algn="l" defTabSz="914400" rtl="0" eaLnBrk="1" latinLnBrk="0" hangingPunct="1">
+      <a:lvl3pPr marL="731520" indent="-182880" algn="l" defTabSz="914400" rtl="0" eaLnBrk="1" latinLnBrk="0" hangingPunct="1">
         <a:lnSpc>
-          <a:spcPct val="90000"/>
+          <a:spcPct val="100000"/>
         </a:lnSpc>
         <a:spcBef>
           <a:spcPts val="500"/>
         </a:spcBef>
-        <a:buFont typeface="Arial" panose="020B0604020202020204" pitchFamily="34" charset="0"/>
-        <a:buChar char="•"/>
-        <a:defRPr sz="2000" kern="1200">
+        <a:buClr>
+          <a:schemeClr val="tx1">
+            <a:lumMod val="85000"/>
+            <a:lumOff val="15000"/>
+          </a:schemeClr>
+        </a:buClr>
+        <a:buFont typeface="Garamond" pitchFamily="18" charset="0"/>
+        <a:buChar char="◦"/>
+        <a:defRPr sz="1400" kern="1200">
           <a:solidFill>
             <a:schemeClr val="tx1"/>
           </a:solidFill>
@@ -3101,16 +3955,22 @@
           <a:cs typeface="+mn-cs"/>
         </a:defRPr>
       </a:lvl3pPr>
-      <a:lvl4pPr marL="1600200" indent="-228600" algn="l" defTabSz="914400" rtl="0" eaLnBrk="1" latinLnBrk="0" hangingPunct="1">
+      <a:lvl4pPr marL="1005840" indent="-182880" algn="l" defTabSz="914400" rtl="0" eaLnBrk="1" latinLnBrk="0" hangingPunct="1">
         <a:lnSpc>
-          <a:spcPct val="90000"/>
+          <a:spcPct val="100000"/>
         </a:lnSpc>
         <a:spcBef>
           <a:spcPts val="500"/>
         </a:spcBef>
-        <a:buFont typeface="Arial" panose="020B0604020202020204" pitchFamily="34" charset="0"/>
-        <a:buChar char="•"/>
-        <a:defRPr sz="1800" kern="1200">
+        <a:buClr>
+          <a:schemeClr val="tx1">
+            <a:lumMod val="85000"/>
+            <a:lumOff val="15000"/>
+          </a:schemeClr>
+        </a:buClr>
+        <a:buFont typeface="Garamond" pitchFamily="18" charset="0"/>
+        <a:buChar char="◦"/>
+        <a:defRPr sz="1400" kern="1200">
           <a:solidFill>
             <a:schemeClr val="tx1"/>
           </a:solidFill>
@@ -3119,16 +3979,22 @@
           <a:cs typeface="+mn-cs"/>
         </a:defRPr>
       </a:lvl4pPr>
-      <a:lvl5pPr marL="2057400" indent="-228600" algn="l" defTabSz="914400" rtl="0" eaLnBrk="1" latinLnBrk="0" hangingPunct="1">
+      <a:lvl5pPr marL="1280160" indent="-182880" algn="l" defTabSz="914400" rtl="0" eaLnBrk="1" latinLnBrk="0" hangingPunct="1">
         <a:lnSpc>
-          <a:spcPct val="90000"/>
+          <a:spcPct val="100000"/>
         </a:lnSpc>
         <a:spcBef>
           <a:spcPts val="500"/>
         </a:spcBef>
-        <a:buFont typeface="Arial" panose="020B0604020202020204" pitchFamily="34" charset="0"/>
-        <a:buChar char="•"/>
-        <a:defRPr sz="1800" kern="1200">
+        <a:buClr>
+          <a:schemeClr val="tx1">
+            <a:lumMod val="85000"/>
+            <a:lumOff val="15000"/>
+          </a:schemeClr>
+        </a:buClr>
+        <a:buFont typeface="Garamond" pitchFamily="18" charset="0"/>
+        <a:buChar char="◦"/>
+        <a:defRPr sz="1400" kern="1200">
           <a:solidFill>
             <a:schemeClr val="tx1"/>
           </a:solidFill>
@@ -3137,16 +4003,22 @@
           <a:cs typeface="+mn-cs"/>
         </a:defRPr>
       </a:lvl5pPr>
-      <a:lvl6pPr marL="2514600" indent="-228600" algn="l" defTabSz="914400" rtl="0" eaLnBrk="1" latinLnBrk="0" hangingPunct="1">
+      <a:lvl6pPr marL="1600000" indent="-228600" algn="l" defTabSz="914400" rtl="0" eaLnBrk="1" latinLnBrk="0" hangingPunct="1">
         <a:lnSpc>
-          <a:spcPct val="90000"/>
+          <a:spcPct val="100000"/>
         </a:lnSpc>
         <a:spcBef>
           <a:spcPts val="500"/>
         </a:spcBef>
-        <a:buFont typeface="Arial" panose="020B0604020202020204" pitchFamily="34" charset="0"/>
-        <a:buChar char="•"/>
-        <a:defRPr sz="1800" kern="1200">
+        <a:buClr>
+          <a:schemeClr val="tx1">
+            <a:lumMod val="85000"/>
+            <a:lumOff val="15000"/>
+          </a:schemeClr>
+        </a:buClr>
+        <a:buFont typeface="Garamond" pitchFamily="18" charset="0"/>
+        <a:buChar char="◦"/>
+        <a:defRPr sz="1400" kern="1200">
           <a:solidFill>
             <a:schemeClr val="tx1"/>
           </a:solidFill>
@@ -3155,16 +4027,22 @@
           <a:cs typeface="+mn-cs"/>
         </a:defRPr>
       </a:lvl6pPr>
-      <a:lvl7pPr marL="2971800" indent="-228600" algn="l" defTabSz="914400" rtl="0" eaLnBrk="1" latinLnBrk="0" hangingPunct="1">
+      <a:lvl7pPr marL="1900000" indent="-228600" algn="l" defTabSz="914400" rtl="0" eaLnBrk="1" latinLnBrk="0" hangingPunct="1">
         <a:lnSpc>
-          <a:spcPct val="90000"/>
+          <a:spcPct val="100000"/>
         </a:lnSpc>
         <a:spcBef>
           <a:spcPts val="500"/>
         </a:spcBef>
-        <a:buFont typeface="Arial" panose="020B0604020202020204" pitchFamily="34" charset="0"/>
-        <a:buChar char="•"/>
-        <a:defRPr sz="1800" kern="1200">
+        <a:buClr>
+          <a:schemeClr val="tx1">
+            <a:lumMod val="85000"/>
+            <a:lumOff val="15000"/>
+          </a:schemeClr>
+        </a:buClr>
+        <a:buFont typeface="Garamond" pitchFamily="18" charset="0"/>
+        <a:buChar char="◦"/>
+        <a:defRPr sz="1400" kern="1200">
           <a:solidFill>
             <a:schemeClr val="tx1"/>
           </a:solidFill>
@@ -3173,16 +4051,22 @@
           <a:cs typeface="+mn-cs"/>
         </a:defRPr>
       </a:lvl7pPr>
-      <a:lvl8pPr marL="3429000" indent="-228600" algn="l" defTabSz="914400" rtl="0" eaLnBrk="1" latinLnBrk="0" hangingPunct="1">
+      <a:lvl8pPr marL="2200000" indent="-228600" algn="l" defTabSz="914400" rtl="0" eaLnBrk="1" latinLnBrk="0" hangingPunct="1">
         <a:lnSpc>
-          <a:spcPct val="90000"/>
+          <a:spcPct val="100000"/>
         </a:lnSpc>
         <a:spcBef>
           <a:spcPts val="500"/>
         </a:spcBef>
-        <a:buFont typeface="Arial" panose="020B0604020202020204" pitchFamily="34" charset="0"/>
-        <a:buChar char="•"/>
-        <a:defRPr sz="1800" kern="1200">
+        <a:buClr>
+          <a:schemeClr val="tx1">
+            <a:lumMod val="85000"/>
+            <a:lumOff val="15000"/>
+          </a:schemeClr>
+        </a:buClr>
+        <a:buFont typeface="Garamond" pitchFamily="18" charset="0"/>
+        <a:buChar char="◦"/>
+        <a:defRPr sz="1400" kern="1200">
           <a:solidFill>
             <a:schemeClr val="tx1"/>
           </a:solidFill>
@@ -3191,16 +4075,22 @@
           <a:cs typeface="+mn-cs"/>
         </a:defRPr>
       </a:lvl8pPr>
-      <a:lvl9pPr marL="3886200" indent="-228600" algn="l" defTabSz="914400" rtl="0" eaLnBrk="1" latinLnBrk="0" hangingPunct="1">
+      <a:lvl9pPr marL="2500000" indent="-228600" algn="l" defTabSz="914400" rtl="0" eaLnBrk="1" latinLnBrk="0" hangingPunct="1">
         <a:lnSpc>
-          <a:spcPct val="90000"/>
+          <a:spcPct val="100000"/>
         </a:lnSpc>
         <a:spcBef>
           <a:spcPts val="500"/>
         </a:spcBef>
-        <a:buFont typeface="Arial" panose="020B0604020202020204" pitchFamily="34" charset="0"/>
-        <a:buChar char="•"/>
-        <a:defRPr sz="1800" kern="1200">
+        <a:buClr>
+          <a:schemeClr val="tx1">
+            <a:lumMod val="85000"/>
+            <a:lumOff val="15000"/>
+          </a:schemeClr>
+        </a:buClr>
+        <a:buFont typeface="Garamond" pitchFamily="18" charset="0"/>
+        <a:buChar char="◦"/>
+        <a:defRPr sz="1400" kern="1200">
           <a:solidFill>
             <a:schemeClr val="tx1"/>
           </a:solidFill>
@@ -3212,7 +4102,7 @@
     </p:bodyStyle>
     <p:otherStyle>
       <a:defPPr>
-        <a:defRPr lang="sl-SI"/>
+        <a:defRPr lang="en-US"/>
       </a:defPPr>
       <a:lvl1pPr marL="0" algn="l" defTabSz="914400" rtl="0" eaLnBrk="1" latinLnBrk="0" hangingPunct="1">
         <a:defRPr sz="1800" kern="1200">
@@ -3401,6 +4291,1277 @@
 </p:sld>
 </file>
 
+<file path=ppt/slides/slide10.xml><?xml version="1.0" encoding="utf-8"?>
+<p:sld xmlns:a="http://schemas.openxmlformats.org/drawingml/2006/main" xmlns:r="http://schemas.openxmlformats.org/officeDocument/2006/relationships" xmlns:p="http://schemas.openxmlformats.org/presentationml/2006/main">
+  <p:cSld>
+    <p:spTree>
+      <p:nvGrpSpPr>
+        <p:cNvPr id="1" name=""/>
+        <p:cNvGrpSpPr/>
+        <p:nvPr/>
+      </p:nvGrpSpPr>
+      <p:grpSpPr>
+        <a:xfrm>
+          <a:off x="0" y="0"/>
+          <a:ext cx="0" cy="0"/>
+          <a:chOff x="0" y="0"/>
+          <a:chExt cx="0" cy="0"/>
+        </a:xfrm>
+      </p:grpSpPr>
+      <p:sp>
+        <p:nvSpPr>
+          <p:cNvPr id="2" name="Naslov 1">
+            <a:extLst>
+              <a:ext uri="{FF2B5EF4-FFF2-40B4-BE49-F238E27FC236}">
+                <a16:creationId xmlns:a16="http://schemas.microsoft.com/office/drawing/2014/main" id="{FB96101C-978A-452E-92E5-5A0BD59F9762}"/>
+              </a:ext>
+            </a:extLst>
+          </p:cNvPr>
+          <p:cNvSpPr>
+            <a:spLocks noGrp="1"/>
+          </p:cNvSpPr>
+          <p:nvPr>
+            <p:ph type="title"/>
+          </p:nvPr>
+        </p:nvSpPr>
+        <p:spPr/>
+        <p:txBody>
+          <a:bodyPr/>
+          <a:lstStyle/>
+          <a:p>
+            <a:r>
+              <a:rPr lang="sl-SI" dirty="0"/>
+              <a:t>Viri</a:t>
+            </a:r>
+          </a:p>
+        </p:txBody>
+      </p:sp>
+      <p:sp>
+        <p:nvSpPr>
+          <p:cNvPr id="3" name="Označba mesta vsebine 2">
+            <a:extLst>
+              <a:ext uri="{FF2B5EF4-FFF2-40B4-BE49-F238E27FC236}">
+                <a16:creationId xmlns:a16="http://schemas.microsoft.com/office/drawing/2014/main" id="{5B8C1D93-AC86-47DD-9A38-7554EB35C728}"/>
+              </a:ext>
+            </a:extLst>
+          </p:cNvPr>
+          <p:cNvSpPr>
+            <a:spLocks noGrp="1"/>
+          </p:cNvSpPr>
+          <p:nvPr>
+            <p:ph idx="1"/>
+          </p:nvPr>
+        </p:nvSpPr>
+        <p:spPr/>
+        <p:txBody>
+          <a:bodyPr>
+            <a:normAutofit/>
+          </a:bodyPr>
+          <a:lstStyle/>
+          <a:p>
+            <a:r>
+              <a:rPr lang="sl-SI" dirty="0">
+                <a:effectLst/>
+              </a:rPr>
+              <a:t> Brown, J. R., </a:t>
+            </a:r>
+            <a:r>
+              <a:rPr lang="sl-SI" dirty="0" err="1">
+                <a:effectLst/>
+              </a:rPr>
+              <a:t>Dimmock</a:t>
+            </a:r>
+            <a:r>
+              <a:rPr lang="sl-SI" dirty="0">
+                <a:effectLst/>
+              </a:rPr>
+              <a:t>, S. G., </a:t>
+            </a:r>
+            <a:r>
+              <a:rPr lang="sl-SI" dirty="0" err="1">
+                <a:effectLst/>
+              </a:rPr>
+              <a:t>Kang</a:t>
+            </a:r>
+            <a:r>
+              <a:rPr lang="sl-SI" dirty="0">
+                <a:effectLst/>
+              </a:rPr>
+              <a:t>, J. K., &amp; </a:t>
+            </a:r>
+            <a:r>
+              <a:rPr lang="sl-SI" dirty="0" err="1">
+                <a:effectLst/>
+              </a:rPr>
+              <a:t>Weisbenner</a:t>
+            </a:r>
+            <a:r>
+              <a:rPr lang="sl-SI" dirty="0">
+                <a:effectLst/>
+              </a:rPr>
+              <a:t>, S. J. (2014).  </a:t>
+            </a:r>
+            <a:r>
+              <a:rPr lang="sl-SI" i="1" dirty="0">
+                <a:effectLst/>
+              </a:rPr>
+              <a:t>How </a:t>
+            </a:r>
+            <a:r>
+              <a:rPr lang="sl-SI" i="1" dirty="0" err="1">
+                <a:effectLst/>
+              </a:rPr>
+              <a:t>university</a:t>
+            </a:r>
+            <a:r>
+              <a:rPr lang="sl-SI" i="1" dirty="0">
+                <a:effectLst/>
+              </a:rPr>
+              <a:t> </a:t>
+            </a:r>
+            <a:r>
+              <a:rPr lang="sl-SI" i="1" dirty="0" err="1">
+                <a:effectLst/>
+              </a:rPr>
+              <a:t>endowments</a:t>
+            </a:r>
+            <a:r>
+              <a:rPr lang="sl-SI" i="1" dirty="0">
+                <a:effectLst/>
+              </a:rPr>
+              <a:t> </a:t>
+            </a:r>
+            <a:r>
+              <a:rPr lang="sl-SI" i="1" dirty="0" err="1">
+                <a:effectLst/>
+              </a:rPr>
+              <a:t>respond</a:t>
+            </a:r>
+            <a:r>
+              <a:rPr lang="sl-SI" i="1" dirty="0">
+                <a:effectLst/>
+              </a:rPr>
+              <a:t> to </a:t>
+            </a:r>
+            <a:r>
+              <a:rPr lang="sl-SI" i="1" dirty="0" err="1">
+                <a:effectLst/>
+              </a:rPr>
+              <a:t>financial</a:t>
+            </a:r>
+            <a:r>
+              <a:rPr lang="sl-SI" i="1" dirty="0">
+                <a:effectLst/>
+              </a:rPr>
+              <a:t> market </a:t>
+            </a:r>
+            <a:r>
+              <a:rPr lang="sl-SI" i="1" dirty="0" err="1">
+                <a:effectLst/>
+              </a:rPr>
+              <a:t>shocks</a:t>
+            </a:r>
+            <a:r>
+              <a:rPr lang="sl-SI" i="1" dirty="0">
+                <a:effectLst/>
+              </a:rPr>
+              <a:t>: Evidence </a:t>
+            </a:r>
+            <a:r>
+              <a:rPr lang="sl-SI" i="1" dirty="0" err="1">
+                <a:effectLst/>
+              </a:rPr>
+              <a:t>and</a:t>
+            </a:r>
+            <a:r>
+              <a:rPr lang="sl-SI" i="1" dirty="0">
+                <a:effectLst/>
+              </a:rPr>
+              <a:t> </a:t>
+            </a:r>
+            <a:r>
+              <a:rPr lang="sl-SI" i="1" dirty="0" err="1">
+                <a:effectLst/>
+              </a:rPr>
+              <a:t>implications</a:t>
+            </a:r>
+            <a:r>
+              <a:rPr lang="sl-SI" dirty="0">
+                <a:effectLst/>
+              </a:rPr>
+              <a:t> . </a:t>
+            </a:r>
+            <a:r>
+              <a:rPr lang="sl-SI" dirty="0" err="1">
+                <a:effectLst/>
+              </a:rPr>
+              <a:t>American</a:t>
+            </a:r>
+            <a:r>
+              <a:rPr lang="sl-SI" dirty="0">
+                <a:effectLst/>
+              </a:rPr>
+              <a:t> </a:t>
+            </a:r>
+            <a:r>
+              <a:rPr lang="sl-SI" dirty="0" err="1">
+                <a:effectLst/>
+              </a:rPr>
+              <a:t>Economic</a:t>
+            </a:r>
+            <a:r>
+              <a:rPr lang="sl-SI" dirty="0">
+                <a:effectLst/>
+              </a:rPr>
+              <a:t> </a:t>
+            </a:r>
+            <a:r>
+              <a:rPr lang="sl-SI" dirty="0" err="1">
+                <a:effectLst/>
+              </a:rPr>
+              <a:t>Review</a:t>
+            </a:r>
+            <a:r>
+              <a:rPr lang="sl-SI" dirty="0">
+                <a:effectLst/>
+              </a:rPr>
+              <a:t>, 104(3), 931-62.</a:t>
+            </a:r>
+          </a:p>
+          <a:p>
+            <a:r>
+              <a:rPr lang="sl-SI" dirty="0">
+                <a:effectLst/>
+              </a:rPr>
+              <a:t> Cambridge </a:t>
+            </a:r>
+            <a:r>
+              <a:rPr lang="sl-SI" dirty="0" err="1">
+                <a:effectLst/>
+              </a:rPr>
+              <a:t>Investment</a:t>
+            </a:r>
+            <a:r>
+              <a:rPr lang="sl-SI" dirty="0">
+                <a:effectLst/>
+              </a:rPr>
+              <a:t> Management </a:t>
+            </a:r>
+            <a:r>
+              <a:rPr lang="sl-SI" dirty="0" err="1">
+                <a:effectLst/>
+              </a:rPr>
+              <a:t>Limited</a:t>
+            </a:r>
+            <a:r>
+              <a:rPr lang="sl-SI" dirty="0">
+                <a:effectLst/>
+              </a:rPr>
+              <a:t>.  </a:t>
+            </a:r>
+            <a:r>
+              <a:rPr lang="sl-SI" i="1" dirty="0">
+                <a:effectLst/>
+              </a:rPr>
+              <a:t>Cambridge </a:t>
+            </a:r>
+            <a:r>
+              <a:rPr lang="sl-SI" i="1" dirty="0" err="1">
+                <a:effectLst/>
+              </a:rPr>
+              <a:t>University</a:t>
+            </a:r>
+            <a:r>
+              <a:rPr lang="sl-SI" i="1" dirty="0">
+                <a:effectLst/>
+              </a:rPr>
+              <a:t> </a:t>
+            </a:r>
+            <a:r>
+              <a:rPr lang="sl-SI" i="1" dirty="0" err="1">
+                <a:effectLst/>
+              </a:rPr>
+              <a:t>Endowment</a:t>
+            </a:r>
+            <a:r>
+              <a:rPr lang="sl-SI" i="1" dirty="0">
+                <a:effectLst/>
+              </a:rPr>
+              <a:t> Fund, </a:t>
+            </a:r>
+            <a:r>
+              <a:rPr lang="sl-SI" i="1" dirty="0" err="1">
+                <a:effectLst/>
+              </a:rPr>
+              <a:t>Annual</a:t>
+            </a:r>
+            <a:r>
+              <a:rPr lang="sl-SI" i="1" dirty="0">
+                <a:effectLst/>
+              </a:rPr>
+              <a:t> </a:t>
+            </a:r>
+            <a:r>
+              <a:rPr lang="sl-SI" i="1" dirty="0" err="1">
+                <a:effectLst/>
+              </a:rPr>
+              <a:t>Report</a:t>
+            </a:r>
+            <a:r>
+              <a:rPr lang="sl-SI" i="1" dirty="0">
+                <a:effectLst/>
+              </a:rPr>
+              <a:t> 2019</a:t>
+            </a:r>
+            <a:r>
+              <a:rPr lang="sl-SI" dirty="0">
+                <a:effectLst/>
+              </a:rPr>
+              <a:t> . Pridobljeno 16. maja 2020 iz  https://www.cambridgeinvestmentmanagement.co.uk/files/cuef_annual_report_2019_v2.pdf .</a:t>
+            </a:r>
+          </a:p>
+          <a:p>
+            <a:r>
+              <a:rPr lang="sl-SI" dirty="0">
+                <a:effectLst/>
+              </a:rPr>
+              <a:t> Harvard </a:t>
+            </a:r>
+            <a:r>
+              <a:rPr lang="sl-SI" dirty="0" err="1">
+                <a:effectLst/>
+              </a:rPr>
+              <a:t>University</a:t>
+            </a:r>
+            <a:r>
+              <a:rPr lang="sl-SI" dirty="0">
+                <a:effectLst/>
+              </a:rPr>
+              <a:t>.  </a:t>
+            </a:r>
+            <a:r>
+              <a:rPr lang="sl-SI" i="1" dirty="0" err="1">
+                <a:effectLst/>
+              </a:rPr>
+              <a:t>Endowment</a:t>
+            </a:r>
+            <a:r>
+              <a:rPr lang="sl-SI" dirty="0">
+                <a:effectLst/>
+              </a:rPr>
+              <a:t> . Pridobljeno 16. maja 2020 iz  https://www.harvard.edu/about-harvard/harvard-glance/endowment .</a:t>
+            </a:r>
+          </a:p>
+          <a:p>
+            <a:r>
+              <a:rPr lang="sl-SI" dirty="0">
+                <a:effectLst/>
+              </a:rPr>
+              <a:t> Harvard </a:t>
+            </a:r>
+            <a:r>
+              <a:rPr lang="sl-SI" dirty="0" err="1">
+                <a:effectLst/>
+              </a:rPr>
+              <a:t>University</a:t>
+            </a:r>
+            <a:r>
+              <a:rPr lang="sl-SI" dirty="0">
+                <a:effectLst/>
+              </a:rPr>
+              <a:t>.  </a:t>
+            </a:r>
+            <a:r>
+              <a:rPr lang="sl-SI" i="1" dirty="0" err="1">
+                <a:effectLst/>
+              </a:rPr>
+              <a:t>Financial</a:t>
+            </a:r>
+            <a:r>
+              <a:rPr lang="sl-SI" i="1" dirty="0">
+                <a:effectLst/>
+              </a:rPr>
+              <a:t> </a:t>
+            </a:r>
+            <a:r>
+              <a:rPr lang="sl-SI" i="1" dirty="0" err="1">
+                <a:effectLst/>
+              </a:rPr>
+              <a:t>report</a:t>
+            </a:r>
+            <a:r>
+              <a:rPr lang="sl-SI" i="1" dirty="0">
+                <a:effectLst/>
+              </a:rPr>
+              <a:t>, </a:t>
+            </a:r>
+            <a:r>
+              <a:rPr lang="sl-SI" i="1" dirty="0" err="1">
+                <a:effectLst/>
+              </a:rPr>
+              <a:t>fiscal</a:t>
+            </a:r>
+            <a:r>
+              <a:rPr lang="sl-SI" i="1" dirty="0">
+                <a:effectLst/>
+              </a:rPr>
+              <a:t> </a:t>
+            </a:r>
+            <a:r>
+              <a:rPr lang="sl-SI" i="1" dirty="0" err="1">
+                <a:effectLst/>
+              </a:rPr>
+              <a:t>year</a:t>
+            </a:r>
+            <a:r>
+              <a:rPr lang="sl-SI" i="1" dirty="0">
+                <a:effectLst/>
+              </a:rPr>
+              <a:t> 2019, Harvard </a:t>
+            </a:r>
+            <a:r>
+              <a:rPr lang="sl-SI" i="1" dirty="0" err="1">
+                <a:effectLst/>
+              </a:rPr>
+              <a:t>University</a:t>
+            </a:r>
+            <a:r>
+              <a:rPr lang="sl-SI" dirty="0">
+                <a:effectLst/>
+              </a:rPr>
+              <a:t> . Pridobljeno 16. maja 2020 iz  https://www.harvard.edu/sites/default/files/content/fy19_harvard_financial_report.pdf .</a:t>
+            </a:r>
+            <a:endParaRPr lang="sl-SI" dirty="0"/>
+          </a:p>
+        </p:txBody>
+      </p:sp>
+    </p:spTree>
+    <p:extLst>
+      <p:ext uri="{BB962C8B-B14F-4D97-AF65-F5344CB8AC3E}">
+        <p14:creationId xmlns:p14="http://schemas.microsoft.com/office/powerpoint/2010/main" val="1832540778"/>
+      </p:ext>
+    </p:extLst>
+  </p:cSld>
+  <p:clrMapOvr>
+    <a:masterClrMapping/>
+  </p:clrMapOvr>
+</p:sld>
+</file>
+
+<file path=ppt/slides/slide11.xml><?xml version="1.0" encoding="utf-8"?>
+<p:sld xmlns:a="http://schemas.openxmlformats.org/drawingml/2006/main" xmlns:r="http://schemas.openxmlformats.org/officeDocument/2006/relationships" xmlns:p="http://schemas.openxmlformats.org/presentationml/2006/main">
+  <p:cSld>
+    <p:spTree>
+      <p:nvGrpSpPr>
+        <p:cNvPr id="1" name=""/>
+        <p:cNvGrpSpPr/>
+        <p:nvPr/>
+      </p:nvGrpSpPr>
+      <p:grpSpPr>
+        <a:xfrm>
+          <a:off x="0" y="0"/>
+          <a:ext cx="0" cy="0"/>
+          <a:chOff x="0" y="0"/>
+          <a:chExt cx="0" cy="0"/>
+        </a:xfrm>
+      </p:grpSpPr>
+      <p:sp>
+        <p:nvSpPr>
+          <p:cNvPr id="3" name="Označba mesta vsebine 2">
+            <a:extLst>
+              <a:ext uri="{FF2B5EF4-FFF2-40B4-BE49-F238E27FC236}">
+                <a16:creationId xmlns:a16="http://schemas.microsoft.com/office/drawing/2014/main" id="{A6F5B086-A3C0-4319-95C0-BC74C66B19D9}"/>
+              </a:ext>
+            </a:extLst>
+          </p:cNvPr>
+          <p:cNvSpPr>
+            <a:spLocks noGrp="1"/>
+          </p:cNvSpPr>
+          <p:nvPr>
+            <p:ph idx="1"/>
+          </p:nvPr>
+        </p:nvSpPr>
+        <p:spPr>
+          <a:xfrm>
+            <a:off x="838200" y="435006"/>
+            <a:ext cx="10515600" cy="5741957"/>
+          </a:xfrm>
+        </p:spPr>
+        <p:txBody>
+          <a:bodyPr>
+            <a:normAutofit/>
+          </a:bodyPr>
+          <a:lstStyle/>
+          <a:p>
+            <a:r>
+              <a:rPr lang="sl-SI" dirty="0">
+                <a:effectLst/>
+              </a:rPr>
+              <a:t>  </a:t>
+            </a:r>
+            <a:r>
+              <a:rPr lang="sl-SI" dirty="0" err="1">
+                <a:effectLst/>
+              </a:rPr>
+              <a:t>Investopedia</a:t>
+            </a:r>
+            <a:r>
+              <a:rPr lang="sl-SI" dirty="0">
+                <a:effectLst/>
+              </a:rPr>
+              <a:t>. </a:t>
+            </a:r>
+            <a:r>
+              <a:rPr lang="sl-SI" i="1" dirty="0">
+                <a:effectLst/>
+              </a:rPr>
+              <a:t>How do </a:t>
+            </a:r>
+            <a:r>
+              <a:rPr lang="sl-SI" i="1" dirty="0" err="1">
+                <a:effectLst/>
+              </a:rPr>
+              <a:t>university</a:t>
+            </a:r>
+            <a:r>
+              <a:rPr lang="sl-SI" i="1" dirty="0">
+                <a:effectLst/>
+              </a:rPr>
+              <a:t> </a:t>
+            </a:r>
+            <a:r>
+              <a:rPr lang="sl-SI" i="1" dirty="0" err="1">
+                <a:effectLst/>
+              </a:rPr>
+              <a:t>endowments</a:t>
+            </a:r>
+            <a:r>
+              <a:rPr lang="sl-SI" i="1" dirty="0">
+                <a:effectLst/>
+              </a:rPr>
+              <a:t> </a:t>
+            </a:r>
+            <a:r>
+              <a:rPr lang="sl-SI" i="1" dirty="0" err="1">
+                <a:effectLst/>
+              </a:rPr>
+              <a:t>work</a:t>
+            </a:r>
+            <a:r>
+              <a:rPr lang="sl-SI" i="1" dirty="0">
+                <a:effectLst/>
+              </a:rPr>
+              <a:t>?  </a:t>
+            </a:r>
+            <a:r>
+              <a:rPr lang="sl-SI" dirty="0">
+                <a:effectLst/>
+              </a:rPr>
+              <a:t>Pridobljeno 29. aprila 2020 iz  https://www.investopedia.com/ask/answers/how-do-university-endowments-work/ .</a:t>
+            </a:r>
+          </a:p>
+          <a:p>
+            <a:r>
+              <a:rPr lang="sl-SI" dirty="0">
+                <a:effectLst/>
+              </a:rPr>
+              <a:t>  </a:t>
+            </a:r>
+            <a:r>
+              <a:rPr lang="sl-SI" dirty="0" err="1">
+                <a:effectLst/>
+              </a:rPr>
+              <a:t>Investopedia</a:t>
+            </a:r>
+            <a:r>
+              <a:rPr lang="sl-SI" dirty="0">
+                <a:effectLst/>
+              </a:rPr>
+              <a:t>. </a:t>
+            </a:r>
+            <a:r>
+              <a:rPr lang="sl-SI" i="1" dirty="0">
+                <a:effectLst/>
+              </a:rPr>
+              <a:t>How To </a:t>
+            </a:r>
+            <a:r>
+              <a:rPr lang="sl-SI" i="1" dirty="0" err="1">
+                <a:effectLst/>
+              </a:rPr>
+              <a:t>Invest</a:t>
+            </a:r>
+            <a:r>
+              <a:rPr lang="sl-SI" i="1" dirty="0">
+                <a:effectLst/>
+              </a:rPr>
+              <a:t> Like An </a:t>
+            </a:r>
+            <a:r>
+              <a:rPr lang="sl-SI" i="1" dirty="0" err="1">
+                <a:effectLst/>
+              </a:rPr>
+              <a:t>Endowment</a:t>
+            </a:r>
+            <a:r>
+              <a:rPr lang="sl-SI" i="1" dirty="0">
+                <a:effectLst/>
+              </a:rPr>
+              <a:t>? </a:t>
+            </a:r>
+            <a:r>
+              <a:rPr lang="sl-SI" dirty="0">
+                <a:effectLst/>
+              </a:rPr>
+              <a:t>, Pridobljeno 13. maja 2020 iz  https://www.investopedia.com/articles/financial-theory/09/ivy-league-endowments-money-management.asp .</a:t>
+            </a:r>
+          </a:p>
+          <a:p>
+            <a:r>
+              <a:rPr lang="sl-SI" dirty="0">
+                <a:effectLst/>
+              </a:rPr>
+              <a:t>  Sherlock, M. F., </a:t>
+            </a:r>
+            <a:r>
+              <a:rPr lang="sl-SI" dirty="0" err="1">
+                <a:effectLst/>
+              </a:rPr>
+              <a:t>Crandall-Hollick</a:t>
+            </a:r>
+            <a:r>
+              <a:rPr lang="sl-SI" dirty="0">
+                <a:effectLst/>
+              </a:rPr>
+              <a:t>, M. L., </a:t>
+            </a:r>
+            <a:r>
+              <a:rPr lang="sl-SI" dirty="0" err="1">
+                <a:effectLst/>
+              </a:rPr>
+              <a:t>Gravelle</a:t>
+            </a:r>
+            <a:r>
+              <a:rPr lang="sl-SI" dirty="0">
+                <a:effectLst/>
+              </a:rPr>
+              <a:t>, J., &amp; </a:t>
+            </a:r>
+            <a:r>
+              <a:rPr lang="sl-SI" dirty="0" err="1">
+                <a:effectLst/>
+              </a:rPr>
+              <a:t>Stupak</a:t>
+            </a:r>
+            <a:r>
+              <a:rPr lang="sl-SI" dirty="0">
+                <a:effectLst/>
+              </a:rPr>
+              <a:t>, J. M. (2015</a:t>
+            </a:r>
+            <a:r>
+              <a:rPr lang="sl-SI" i="1" dirty="0">
+                <a:effectLst/>
+              </a:rPr>
+              <a:t>).  </a:t>
+            </a:r>
+            <a:r>
+              <a:rPr lang="sl-SI" i="1" dirty="0" err="1">
+                <a:effectLst/>
+              </a:rPr>
+              <a:t>College</a:t>
+            </a:r>
+            <a:r>
+              <a:rPr lang="sl-SI" i="1" dirty="0">
+                <a:effectLst/>
+              </a:rPr>
+              <a:t> </a:t>
+            </a:r>
+            <a:r>
+              <a:rPr lang="sl-SI" i="1" dirty="0" err="1">
+                <a:effectLst/>
+              </a:rPr>
+              <a:t>and</a:t>
+            </a:r>
+            <a:r>
+              <a:rPr lang="sl-SI" i="1" dirty="0">
+                <a:effectLst/>
+              </a:rPr>
+              <a:t> </a:t>
+            </a:r>
+            <a:r>
+              <a:rPr lang="sl-SI" i="1" dirty="0" err="1">
+                <a:effectLst/>
+              </a:rPr>
+              <a:t>university</a:t>
+            </a:r>
+            <a:r>
+              <a:rPr lang="sl-SI" i="1" dirty="0">
+                <a:effectLst/>
+              </a:rPr>
+              <a:t> </a:t>
+            </a:r>
+            <a:r>
+              <a:rPr lang="sl-SI" i="1" dirty="0" err="1">
+                <a:effectLst/>
+              </a:rPr>
+              <a:t>endowments</a:t>
+            </a:r>
+            <a:r>
+              <a:rPr lang="sl-SI" i="1" dirty="0">
+                <a:effectLst/>
+              </a:rPr>
+              <a:t>: </a:t>
+            </a:r>
+            <a:r>
+              <a:rPr lang="sl-SI" i="1" dirty="0" err="1">
+                <a:effectLst/>
+              </a:rPr>
+              <a:t>Overview</a:t>
+            </a:r>
+            <a:r>
+              <a:rPr lang="sl-SI" i="1" dirty="0">
+                <a:effectLst/>
+              </a:rPr>
+              <a:t> </a:t>
+            </a:r>
+            <a:r>
+              <a:rPr lang="sl-SI" i="1" dirty="0" err="1">
+                <a:effectLst/>
+              </a:rPr>
+              <a:t>and</a:t>
+            </a:r>
+            <a:r>
+              <a:rPr lang="sl-SI" i="1" dirty="0">
+                <a:effectLst/>
+              </a:rPr>
+              <a:t> </a:t>
+            </a:r>
+            <a:r>
+              <a:rPr lang="sl-SI" i="1" dirty="0" err="1">
+                <a:effectLst/>
+              </a:rPr>
+              <a:t>tax</a:t>
+            </a:r>
+            <a:r>
+              <a:rPr lang="sl-SI" i="1" dirty="0">
+                <a:effectLst/>
+              </a:rPr>
+              <a:t> </a:t>
+            </a:r>
+            <a:r>
+              <a:rPr lang="sl-SI" i="1" dirty="0" err="1">
+                <a:effectLst/>
+              </a:rPr>
+              <a:t>policy</a:t>
+            </a:r>
+            <a:r>
+              <a:rPr lang="sl-SI" i="1" dirty="0">
+                <a:effectLst/>
+              </a:rPr>
+              <a:t> </a:t>
+            </a:r>
+            <a:r>
+              <a:rPr lang="sl-SI" i="1" dirty="0" err="1">
+                <a:effectLst/>
+              </a:rPr>
+              <a:t>options</a:t>
+            </a:r>
+            <a:r>
+              <a:rPr lang="sl-SI" dirty="0">
+                <a:effectLst/>
+              </a:rPr>
+              <a:t>. Washington, DC: </a:t>
+            </a:r>
+            <a:r>
+              <a:rPr lang="sl-SI" dirty="0" err="1">
+                <a:effectLst/>
+              </a:rPr>
+              <a:t>Congressional</a:t>
+            </a:r>
+            <a:r>
+              <a:rPr lang="sl-SI" dirty="0">
+                <a:effectLst/>
+              </a:rPr>
+              <a:t> </a:t>
+            </a:r>
+            <a:r>
+              <a:rPr lang="sl-SI" dirty="0" err="1">
+                <a:effectLst/>
+              </a:rPr>
+              <a:t>Research</a:t>
+            </a:r>
+            <a:r>
+              <a:rPr lang="sl-SI" dirty="0">
+                <a:effectLst/>
+              </a:rPr>
+              <a:t> </a:t>
+            </a:r>
+            <a:r>
+              <a:rPr lang="sl-SI" dirty="0" err="1">
+                <a:effectLst/>
+              </a:rPr>
+              <a:t>Service</a:t>
+            </a:r>
+            <a:r>
+              <a:rPr lang="sl-SI" dirty="0">
+                <a:effectLst/>
+              </a:rPr>
+              <a:t> .</a:t>
+            </a:r>
+          </a:p>
+          <a:p>
+            <a:r>
+              <a:rPr lang="sl-SI" dirty="0">
+                <a:effectLst/>
+              </a:rPr>
+              <a:t>  </a:t>
+            </a:r>
+            <a:r>
+              <a:rPr lang="sl-SI" dirty="0" err="1">
+                <a:effectLst/>
+              </a:rPr>
+              <a:t>Spitz</a:t>
+            </a:r>
+            <a:r>
+              <a:rPr lang="sl-SI" dirty="0">
+                <a:effectLst/>
+              </a:rPr>
+              <a:t>, W. T. (2010). </a:t>
+            </a:r>
+            <a:r>
+              <a:rPr lang="sl-SI" i="1" dirty="0" err="1">
+                <a:effectLst/>
+              </a:rPr>
+              <a:t>Investment</a:t>
+            </a:r>
+            <a:r>
+              <a:rPr lang="sl-SI" i="1" dirty="0">
+                <a:effectLst/>
+              </a:rPr>
+              <a:t> </a:t>
+            </a:r>
+            <a:r>
+              <a:rPr lang="sl-SI" i="1" dirty="0" err="1">
+                <a:effectLst/>
+              </a:rPr>
+              <a:t>policies</a:t>
+            </a:r>
+            <a:r>
+              <a:rPr lang="sl-SI" i="1" dirty="0">
+                <a:effectLst/>
+              </a:rPr>
+              <a:t> </a:t>
+            </a:r>
+            <a:r>
+              <a:rPr lang="sl-SI" i="1" dirty="0" err="1">
+                <a:effectLst/>
+              </a:rPr>
+              <a:t>for</a:t>
+            </a:r>
+            <a:r>
+              <a:rPr lang="sl-SI" i="1" dirty="0">
+                <a:effectLst/>
+              </a:rPr>
+              <a:t> </a:t>
+            </a:r>
+            <a:r>
+              <a:rPr lang="sl-SI" i="1" dirty="0" err="1">
+                <a:effectLst/>
+              </a:rPr>
+              <a:t>college</a:t>
+            </a:r>
+            <a:r>
+              <a:rPr lang="sl-SI" i="1" dirty="0">
+                <a:effectLst/>
+              </a:rPr>
+              <a:t> </a:t>
+            </a:r>
+            <a:r>
+              <a:rPr lang="sl-SI" i="1" dirty="0" err="1">
+                <a:effectLst/>
+              </a:rPr>
+              <a:t>and</a:t>
+            </a:r>
+            <a:r>
+              <a:rPr lang="sl-SI" i="1" dirty="0">
+                <a:effectLst/>
+              </a:rPr>
+              <a:t> </a:t>
+            </a:r>
+            <a:r>
+              <a:rPr lang="sl-SI" i="1" dirty="0" err="1">
+                <a:effectLst/>
+              </a:rPr>
+              <a:t>university</a:t>
+            </a:r>
+            <a:r>
+              <a:rPr lang="sl-SI" i="1" dirty="0">
+                <a:effectLst/>
+              </a:rPr>
+              <a:t> </a:t>
+            </a:r>
+            <a:r>
+              <a:rPr lang="sl-SI" i="1" dirty="0" err="1">
+                <a:effectLst/>
+              </a:rPr>
+              <a:t>endowments</a:t>
+            </a:r>
+            <a:r>
+              <a:rPr lang="sl-SI" i="1" dirty="0">
+                <a:effectLst/>
+              </a:rPr>
+              <a:t>. </a:t>
+            </a:r>
+            <a:r>
+              <a:rPr lang="sl-SI" i="1" dirty="0" err="1">
+                <a:effectLst/>
+              </a:rPr>
+              <a:t>Roles</a:t>
+            </a:r>
+            <a:r>
+              <a:rPr lang="sl-SI" i="1" dirty="0">
+                <a:effectLst/>
+              </a:rPr>
+              <a:t> </a:t>
+            </a:r>
+            <a:r>
+              <a:rPr lang="sl-SI" i="1" dirty="0" err="1">
+                <a:effectLst/>
+              </a:rPr>
+              <a:t>and</a:t>
+            </a:r>
+            <a:r>
+              <a:rPr lang="sl-SI" i="1" dirty="0">
+                <a:effectLst/>
+              </a:rPr>
+              <a:t> </a:t>
+            </a:r>
+            <a:r>
+              <a:rPr lang="sl-SI" i="1" dirty="0" err="1">
+                <a:effectLst/>
+              </a:rPr>
+              <a:t>Responsibilities</a:t>
+            </a:r>
+            <a:r>
+              <a:rPr lang="sl-SI" i="1" dirty="0">
+                <a:effectLst/>
+              </a:rPr>
+              <a:t> </a:t>
+            </a:r>
+            <a:r>
+              <a:rPr lang="sl-SI" i="1" dirty="0" err="1">
+                <a:effectLst/>
+              </a:rPr>
+              <a:t>of</a:t>
+            </a:r>
+            <a:r>
+              <a:rPr lang="sl-SI" i="1" dirty="0">
+                <a:effectLst/>
+              </a:rPr>
+              <a:t> </a:t>
+            </a:r>
+            <a:r>
+              <a:rPr lang="sl-SI" i="1" dirty="0" err="1">
+                <a:effectLst/>
+              </a:rPr>
+              <a:t>the</a:t>
+            </a:r>
+            <a:r>
+              <a:rPr lang="sl-SI" i="1" dirty="0">
+                <a:effectLst/>
+              </a:rPr>
+              <a:t> </a:t>
+            </a:r>
+            <a:r>
+              <a:rPr lang="sl-SI" i="1" dirty="0" err="1">
+                <a:effectLst/>
+              </a:rPr>
+              <a:t>Chief</a:t>
+            </a:r>
+            <a:r>
+              <a:rPr lang="sl-SI" i="1" dirty="0">
+                <a:effectLst/>
+              </a:rPr>
+              <a:t> </a:t>
+            </a:r>
+            <a:r>
+              <a:rPr lang="sl-SI" i="1" dirty="0" err="1">
+                <a:effectLst/>
+              </a:rPr>
+              <a:t>Financial</a:t>
+            </a:r>
+            <a:r>
+              <a:rPr lang="sl-SI" i="1" dirty="0">
+                <a:effectLst/>
+              </a:rPr>
+              <a:t> </a:t>
+            </a:r>
+            <a:r>
+              <a:rPr lang="sl-SI" i="1" dirty="0" err="1">
+                <a:effectLst/>
+              </a:rPr>
+              <a:t>Officer</a:t>
+            </a:r>
+            <a:r>
+              <a:rPr lang="sl-SI" i="1" dirty="0">
+                <a:effectLst/>
+              </a:rPr>
+              <a:t>: New </a:t>
+            </a:r>
+            <a:r>
+              <a:rPr lang="sl-SI" i="1" dirty="0" err="1">
+                <a:effectLst/>
+              </a:rPr>
+              <a:t>Directions</a:t>
+            </a:r>
+            <a:r>
+              <a:rPr lang="sl-SI" i="1" dirty="0">
+                <a:effectLst/>
+              </a:rPr>
+              <a:t> </a:t>
+            </a:r>
+            <a:r>
+              <a:rPr lang="sl-SI" i="1" dirty="0" err="1">
+                <a:effectLst/>
+              </a:rPr>
+              <a:t>for</a:t>
+            </a:r>
+            <a:r>
+              <a:rPr lang="sl-SI" i="1" dirty="0">
+                <a:effectLst/>
+              </a:rPr>
+              <a:t> </a:t>
+            </a:r>
+            <a:r>
+              <a:rPr lang="sl-SI" i="1" dirty="0" err="1">
+                <a:effectLst/>
+              </a:rPr>
+              <a:t>Higher</a:t>
+            </a:r>
+            <a:r>
+              <a:rPr lang="sl-SI" i="1" dirty="0">
+                <a:effectLst/>
+              </a:rPr>
+              <a:t> </a:t>
+            </a:r>
+            <a:r>
+              <a:rPr lang="sl-SI" i="1" dirty="0" err="1">
+                <a:effectLst/>
+              </a:rPr>
+              <a:t>Education</a:t>
+            </a:r>
+            <a:r>
+              <a:rPr lang="sl-SI" i="1" dirty="0">
+                <a:effectLst/>
+              </a:rPr>
+              <a:t> </a:t>
+            </a:r>
+            <a:r>
+              <a:rPr lang="sl-SI" dirty="0">
+                <a:effectLst/>
+              </a:rPr>
+              <a:t>, </a:t>
+            </a:r>
+            <a:r>
+              <a:rPr lang="sl-SI" dirty="0" err="1">
+                <a:effectLst/>
+              </a:rPr>
+              <a:t>Number</a:t>
+            </a:r>
+            <a:r>
+              <a:rPr lang="sl-SI" dirty="0">
+                <a:effectLst/>
+              </a:rPr>
+              <a:t> 107, 99, 51.</a:t>
+            </a:r>
+          </a:p>
+          <a:p>
+            <a:r>
+              <a:rPr lang="sl-SI" dirty="0">
+                <a:effectLst/>
+              </a:rPr>
+              <a:t>  </a:t>
+            </a:r>
+            <a:r>
+              <a:rPr lang="sl-SI" dirty="0" err="1">
+                <a:effectLst/>
+              </a:rPr>
+              <a:t>Wikipedia</a:t>
+            </a:r>
+            <a:r>
+              <a:rPr lang="sl-SI" dirty="0">
+                <a:effectLst/>
+              </a:rPr>
+              <a:t>: </a:t>
+            </a:r>
+            <a:r>
+              <a:rPr lang="sl-SI" i="1" dirty="0" err="1">
+                <a:effectLst/>
+              </a:rPr>
+              <a:t>The</a:t>
+            </a:r>
+            <a:r>
+              <a:rPr lang="sl-SI" i="1" dirty="0">
+                <a:effectLst/>
+              </a:rPr>
+              <a:t> </a:t>
+            </a:r>
+            <a:r>
+              <a:rPr lang="sl-SI" i="1" dirty="0" err="1">
+                <a:effectLst/>
+              </a:rPr>
+              <a:t>Free</a:t>
+            </a:r>
+            <a:r>
+              <a:rPr lang="sl-SI" i="1" dirty="0">
+                <a:effectLst/>
+              </a:rPr>
+              <a:t> </a:t>
+            </a:r>
+            <a:r>
+              <a:rPr lang="sl-SI" i="1" dirty="0" err="1">
+                <a:effectLst/>
+              </a:rPr>
+              <a:t>Encyclopedia</a:t>
+            </a:r>
+            <a:r>
+              <a:rPr lang="sl-SI" i="1" dirty="0">
+                <a:effectLst/>
+              </a:rPr>
+              <a:t>. List </a:t>
+            </a:r>
+            <a:r>
+              <a:rPr lang="sl-SI" i="1" dirty="0" err="1">
+                <a:effectLst/>
+              </a:rPr>
+              <a:t>of</a:t>
+            </a:r>
+            <a:r>
+              <a:rPr lang="sl-SI" i="1" dirty="0">
+                <a:effectLst/>
+              </a:rPr>
+              <a:t> </a:t>
+            </a:r>
+            <a:r>
+              <a:rPr lang="sl-SI" i="1" dirty="0" err="1">
+                <a:effectLst/>
+              </a:rPr>
+              <a:t>colleges</a:t>
+            </a:r>
+            <a:r>
+              <a:rPr lang="sl-SI" i="1" dirty="0">
+                <a:effectLst/>
+              </a:rPr>
+              <a:t> </a:t>
+            </a:r>
+            <a:r>
+              <a:rPr lang="sl-SI" i="1" dirty="0" err="1">
+                <a:effectLst/>
+              </a:rPr>
+              <a:t>and</a:t>
+            </a:r>
+            <a:r>
+              <a:rPr lang="sl-SI" i="1" dirty="0">
+                <a:effectLst/>
+              </a:rPr>
+              <a:t> </a:t>
+            </a:r>
+            <a:r>
+              <a:rPr lang="sl-SI" i="1" dirty="0" err="1">
+                <a:effectLst/>
+              </a:rPr>
+              <a:t>universities</a:t>
+            </a:r>
+            <a:r>
+              <a:rPr lang="sl-SI" i="1" dirty="0">
+                <a:effectLst/>
+              </a:rPr>
+              <a:t> in </a:t>
+            </a:r>
+            <a:r>
+              <a:rPr lang="sl-SI" i="1" dirty="0" err="1">
+                <a:effectLst/>
+              </a:rPr>
+              <a:t>the</a:t>
+            </a:r>
+            <a:r>
+              <a:rPr lang="sl-SI" i="1" dirty="0">
+                <a:effectLst/>
+              </a:rPr>
+              <a:t> </a:t>
+            </a:r>
+            <a:r>
+              <a:rPr lang="sl-SI" i="1" dirty="0" err="1">
+                <a:effectLst/>
+              </a:rPr>
+              <a:t>United</a:t>
+            </a:r>
+            <a:r>
+              <a:rPr lang="sl-SI" i="1" dirty="0">
+                <a:effectLst/>
+              </a:rPr>
+              <a:t> </a:t>
+            </a:r>
+            <a:r>
+              <a:rPr lang="sl-SI" i="1" dirty="0" err="1">
+                <a:effectLst/>
+              </a:rPr>
+              <a:t>States</a:t>
+            </a:r>
+            <a:r>
+              <a:rPr lang="sl-SI" i="1" dirty="0">
+                <a:effectLst/>
+              </a:rPr>
+              <a:t> </a:t>
+            </a:r>
+            <a:r>
+              <a:rPr lang="sl-SI" i="1" dirty="0" err="1">
+                <a:effectLst/>
+              </a:rPr>
+              <a:t>by</a:t>
+            </a:r>
+            <a:r>
+              <a:rPr lang="sl-SI" i="1" dirty="0">
+                <a:effectLst/>
+              </a:rPr>
+              <a:t> </a:t>
+            </a:r>
+            <a:r>
+              <a:rPr lang="sl-SI" i="1" dirty="0" err="1">
+                <a:effectLst/>
+              </a:rPr>
+              <a:t>endowment</a:t>
+            </a:r>
+            <a:r>
+              <a:rPr lang="sl-SI" i="1" dirty="0">
+                <a:effectLst/>
+              </a:rPr>
+              <a:t> </a:t>
+            </a:r>
+            <a:r>
+              <a:rPr lang="sl-SI" dirty="0">
+                <a:effectLst/>
+              </a:rPr>
+              <a:t>, Pridobljeno 12. maja 2020 iz  https://en.wikipedia.org/wiki/List_of_colleges_and_universities_in_the_United_States_by_endowment .</a:t>
+            </a:r>
+            <a:endParaRPr lang="sl-SI" dirty="0"/>
+          </a:p>
+        </p:txBody>
+      </p:sp>
+    </p:spTree>
+    <p:extLst>
+      <p:ext uri="{BB962C8B-B14F-4D97-AF65-F5344CB8AC3E}">
+        <p14:creationId xmlns:p14="http://schemas.microsoft.com/office/powerpoint/2010/main" val="496387737"/>
+      </p:ext>
+    </p:extLst>
+  </p:cSld>
+  <p:clrMapOvr>
+    <a:masterClrMapping/>
+  </p:clrMapOvr>
+</p:sld>
+</file>
+
 <file path=ppt/slides/slide2.xml><?xml version="1.0" encoding="utf-8"?>
 <p:sld xmlns:a="http://schemas.openxmlformats.org/drawingml/2006/main" xmlns:r="http://schemas.openxmlformats.org/officeDocument/2006/relationships" xmlns:p="http://schemas.openxmlformats.org/presentationml/2006/main">
   <p:cSld>
@@ -3467,23 +5628,18 @@
         </p:nvSpPr>
         <p:spPr/>
         <p:txBody>
-          <a:bodyPr/>
+          <a:bodyPr>
+            <a:normAutofit/>
+          </a:bodyPr>
           <a:lstStyle/>
           <a:p>
             <a:r>
-              <a:rPr lang="sl-SI" dirty="0">
-                <a:effectLst/>
-              </a:rPr>
-              <a:t>Delovanje fundacij</a:t>
-            </a:r>
-          </a:p>
-          <a:p>
-            <a:r>
-              <a:rPr lang="sl-SI" dirty="0">
-                <a:effectLst/>
-              </a:rPr>
-              <a:t> Vrste fundacij</a:t>
-            </a:r>
+              <a:rPr lang="sl-SI" dirty="0" smtClean="0"/>
+              <a:t>Kaj so univerzitetne fundacije?</a:t>
+            </a:r>
+            <a:endParaRPr lang="sl-SI" dirty="0">
+              <a:effectLst/>
+            </a:endParaRPr>
           </a:p>
           <a:p>
             <a:r>
@@ -3568,13 +5724,7 @@
       </p:grpSpPr>
       <p:sp>
         <p:nvSpPr>
-          <p:cNvPr id="2" name="Naslov 1">
-            <a:extLst>
-              <a:ext uri="{FF2B5EF4-FFF2-40B4-BE49-F238E27FC236}">
-                <a16:creationId xmlns:a16="http://schemas.microsoft.com/office/drawing/2014/main" id="{01A965BB-ED6C-4C5B-8A7F-28DE658AE8B8}"/>
-              </a:ext>
-            </a:extLst>
-          </p:cNvPr>
+          <p:cNvPr id="2" name="Naslov 1"/>
           <p:cNvSpPr>
             <a:spLocks noGrp="1"/>
           </p:cNvSpPr>
@@ -3588,24 +5738,16 @@
           <a:lstStyle/>
           <a:p>
             <a:r>
-              <a:rPr lang="sl-SI" dirty="0">
-                <a:effectLst/>
-              </a:rPr>
-              <a:t>Naložbene politike univerzitetnih fundacij</a:t>
-            </a:r>
-            <a:endParaRPr lang="sl-SI" dirty="0"/>
+              <a:rPr lang="sl-SI" dirty="0" smtClean="0"/>
+              <a:t>Kaj so univerzitetne fundacije?</a:t>
+            </a:r>
+            <a:endParaRPr lang="en-US" dirty="0"/>
           </a:p>
         </p:txBody>
       </p:sp>
       <p:sp>
         <p:nvSpPr>
-          <p:cNvPr id="3" name="Označba mesta vsebine 2">
-            <a:extLst>
-              <a:ext uri="{FF2B5EF4-FFF2-40B4-BE49-F238E27FC236}">
-                <a16:creationId xmlns:a16="http://schemas.microsoft.com/office/drawing/2014/main" id="{1E9CA3DF-FBB5-4D64-A144-DBD54E340DC5}"/>
-              </a:ext>
-            </a:extLst>
-          </p:cNvPr>
+          <p:cNvPr id="3" name="Označba mesta vsebine 2"/>
           <p:cNvSpPr>
             <a:spLocks noGrp="1"/>
           </p:cNvSpPr>
@@ -3613,88 +5755,614 @@
             <p:ph idx="1"/>
           </p:nvPr>
         </p:nvSpPr>
-        <p:spPr>
-          <a:xfrm>
-            <a:off x="838200" y="1503028"/>
-            <a:ext cx="10515600" cy="4989847"/>
-          </a:xfrm>
-        </p:spPr>
+        <p:spPr/>
         <p:txBody>
-          <a:bodyPr>
-            <a:normAutofit fontScale="92500" lnSpcReduction="10000"/>
-          </a:bodyPr>
+          <a:bodyPr/>
           <a:lstStyle/>
           <a:p>
             <a:r>
-              <a:rPr lang="sl-SI" dirty="0">
-                <a:effectLst/>
-              </a:rPr>
-              <a:t> Zagotavljajo primerno rast in predvidljivost letnih izplačil</a:t>
-            </a:r>
-          </a:p>
-          <a:p>
-            <a:r>
-              <a:rPr lang="sl-SI" dirty="0">
-                <a:effectLst/>
-              </a:rPr>
-              <a:t> Nelikvidne dolgoročne naložbe</a:t>
-            </a:r>
-          </a:p>
-          <a:p>
-            <a:r>
-              <a:rPr lang="sl-SI" dirty="0">
-                <a:effectLst/>
-              </a:rPr>
-              <a:t> Ohranjanje prvotne vrednosti oz.  generacijske pravičnost </a:t>
-            </a:r>
-          </a:p>
-          <a:p>
-            <a:r>
-              <a:rPr lang="sl-SI" dirty="0">
-                <a:effectLst/>
-              </a:rPr>
-              <a:t> Stopnja trajnostne porabe sklada mora biti enaka pričakovani skupni donosnosti obdavčenih sredstev, zmanjšani za predvideno stopnjo inflacije</a:t>
-            </a:r>
-          </a:p>
-          <a:p>
-            <a:r>
-              <a:rPr lang="sl-SI" dirty="0">
-                <a:effectLst/>
-              </a:rPr>
-              <a:t> Pogosto se za odločijo, da bodo v naslednjem semestru potrošili 5 % povprečne vrednosti sklada zadnjih treh fiskalnih let.</a:t>
-            </a:r>
-          </a:p>
-          <a:p>
-            <a:r>
-              <a:rPr lang="sl-SI" dirty="0">
-                <a:effectLst/>
-              </a:rPr>
-              <a:t> Povečanje potrošnje za toliko, kolikor se je povečala inflacija, povzroči predvidljiv tok dohodkov na operativni proračun.</a:t>
-            </a:r>
-          </a:p>
-          <a:p>
-            <a:r>
-              <a:rPr lang="sl-SI" dirty="0">
-                <a:effectLst/>
-              </a:rPr>
-              <a:t> Obdavčitev?</a:t>
-            </a:r>
-          </a:p>
-          <a:p>
-            <a:r>
-              <a:rPr lang="sl-SI" dirty="0">
-                <a:effectLst/>
-              </a:rPr>
-              <a:t> Zasebne fundacije se razlikujejo od javnih dobrodelnih organizacij, ki so oproščene davkov, in sicer po ozkih osnovah nadzora in finančne podpore.</a:t>
-            </a:r>
-            <a:endParaRPr lang="sl-SI" dirty="0"/>
+              <a:rPr lang="en-US" dirty="0" err="1"/>
+              <a:t>Fundacije</a:t>
+            </a:r>
+            <a:r>
+              <a:rPr lang="en-US" dirty="0"/>
+              <a:t> </a:t>
+            </a:r>
+            <a:r>
+              <a:rPr lang="en-US" dirty="0" err="1"/>
+              <a:t>predstavljajo</a:t>
+            </a:r>
+            <a:r>
+              <a:rPr lang="en-US" dirty="0"/>
+              <a:t> </a:t>
+            </a:r>
+            <a:r>
+              <a:rPr lang="en-US" dirty="0" err="1"/>
+              <a:t>denar</a:t>
+            </a:r>
+            <a:r>
+              <a:rPr lang="en-US" dirty="0"/>
+              <a:t> </a:t>
+            </a:r>
+            <a:r>
+              <a:rPr lang="en-US" dirty="0" err="1"/>
+              <a:t>ali</a:t>
+            </a:r>
+            <a:r>
+              <a:rPr lang="en-US" dirty="0"/>
+              <a:t> </a:t>
+            </a:r>
+            <a:r>
+              <a:rPr lang="en-US" dirty="0" err="1"/>
+              <a:t>druga</a:t>
+            </a:r>
+            <a:r>
+              <a:rPr lang="en-US" dirty="0"/>
+              <a:t> </a:t>
+            </a:r>
+            <a:r>
+              <a:rPr lang="en-US" dirty="0" err="1"/>
+              <a:t>finančna</a:t>
+            </a:r>
+            <a:r>
+              <a:rPr lang="en-US" dirty="0"/>
+              <a:t> </a:t>
+            </a:r>
+            <a:r>
+              <a:rPr lang="en-US" dirty="0" err="1"/>
+              <a:t>sredstva</a:t>
+            </a:r>
+            <a:r>
+              <a:rPr lang="en-US" dirty="0"/>
+              <a:t>, </a:t>
+            </a:r>
+            <a:r>
+              <a:rPr lang="en-US" dirty="0" err="1"/>
+              <a:t>ki</a:t>
+            </a:r>
+            <a:r>
+              <a:rPr lang="en-US" dirty="0"/>
+              <a:t> se </a:t>
+            </a:r>
+            <a:r>
+              <a:rPr lang="en-US" dirty="0" err="1"/>
+              <a:t>donirajo</a:t>
+            </a:r>
+            <a:r>
+              <a:rPr lang="en-US" dirty="0"/>
+              <a:t> </a:t>
+            </a:r>
+            <a:r>
+              <a:rPr lang="en-US" dirty="0" err="1"/>
+              <a:t>univerzam</a:t>
+            </a:r>
+            <a:r>
+              <a:rPr lang="en-US" dirty="0"/>
+              <a:t>. </a:t>
+            </a:r>
+            <a:endParaRPr lang="sl-SI" dirty="0" smtClean="0"/>
+          </a:p>
+          <a:p>
+            <a:r>
+              <a:rPr lang="en-US" dirty="0" err="1" smtClean="0"/>
+              <a:t>Namenjena</a:t>
+            </a:r>
+            <a:r>
+              <a:rPr lang="en-US" dirty="0" smtClean="0"/>
+              <a:t> </a:t>
+            </a:r>
+            <a:r>
+              <a:rPr lang="en-US" dirty="0"/>
+              <a:t>so </a:t>
+            </a:r>
+            <a:r>
+              <a:rPr lang="en-US" dirty="0" err="1"/>
+              <a:t>investiranju</a:t>
+            </a:r>
+            <a:r>
+              <a:rPr lang="en-US" dirty="0"/>
+              <a:t> v </a:t>
+            </a:r>
+            <a:r>
+              <a:rPr lang="en-US" dirty="0" err="1"/>
+              <a:t>rast</a:t>
+            </a:r>
+            <a:r>
+              <a:rPr lang="en-US" dirty="0"/>
+              <a:t> </a:t>
+            </a:r>
+            <a:r>
+              <a:rPr lang="en-US" dirty="0" err="1"/>
+              <a:t>osnovnega</a:t>
+            </a:r>
+            <a:r>
+              <a:rPr lang="en-US" dirty="0"/>
+              <a:t> </a:t>
+            </a:r>
+            <a:r>
+              <a:rPr lang="en-US" dirty="0" err="1"/>
+              <a:t>kapitala</a:t>
+            </a:r>
+            <a:r>
+              <a:rPr lang="en-US" dirty="0"/>
+              <a:t> in </a:t>
+            </a:r>
+            <a:r>
+              <a:rPr lang="en-US" dirty="0" err="1"/>
+              <a:t>zagotavljajo</a:t>
+            </a:r>
+            <a:r>
+              <a:rPr lang="en-US" dirty="0"/>
+              <a:t> </a:t>
+            </a:r>
+            <a:r>
+              <a:rPr lang="en-US" dirty="0" err="1"/>
+              <a:t>dodatni</a:t>
+            </a:r>
+            <a:r>
+              <a:rPr lang="en-US" dirty="0"/>
+              <a:t> </a:t>
+            </a:r>
+            <a:r>
+              <a:rPr lang="en-US" dirty="0" err="1"/>
+              <a:t>prihodek</a:t>
+            </a:r>
+            <a:r>
+              <a:rPr lang="en-US" dirty="0"/>
+              <a:t> </a:t>
+            </a:r>
+            <a:r>
+              <a:rPr lang="en-US" dirty="0" err="1"/>
+              <a:t>za</a:t>
+            </a:r>
+            <a:r>
+              <a:rPr lang="en-US" dirty="0"/>
+              <a:t> </a:t>
+            </a:r>
+            <a:r>
+              <a:rPr lang="en-US" dirty="0" err="1"/>
+              <a:t>prihodnje</a:t>
+            </a:r>
+            <a:r>
+              <a:rPr lang="en-US" dirty="0"/>
+              <a:t> </a:t>
+            </a:r>
+            <a:r>
+              <a:rPr lang="en-US" dirty="0" err="1"/>
+              <a:t>investicije</a:t>
+            </a:r>
+            <a:r>
+              <a:rPr lang="en-US" dirty="0"/>
+              <a:t> in </a:t>
+            </a:r>
+            <a:r>
+              <a:rPr lang="en-US" dirty="0" err="1" smtClean="0"/>
+              <a:t>izdatke</a:t>
+            </a:r>
+            <a:r>
+              <a:rPr lang="sl-SI" dirty="0" smtClean="0"/>
+              <a:t>.</a:t>
+            </a:r>
+            <a:endParaRPr lang="en-US" dirty="0"/>
+          </a:p>
+          <a:p>
+            <a:r>
+              <a:rPr lang="sl-SI" dirty="0" smtClean="0"/>
+              <a:t>Cilj delovanja</a:t>
+            </a:r>
+            <a:r>
+              <a:rPr lang="en-US" dirty="0" smtClean="0"/>
+              <a:t>: </a:t>
+            </a:r>
+            <a:r>
+              <a:rPr lang="en-US" dirty="0" err="1"/>
+              <a:t>financirati</a:t>
+            </a:r>
+            <a:r>
+              <a:rPr lang="en-US" dirty="0"/>
+              <a:t> </a:t>
+            </a:r>
+            <a:r>
+              <a:rPr lang="en-US" dirty="0" err="1"/>
+              <a:t>proračun</a:t>
+            </a:r>
+            <a:r>
+              <a:rPr lang="en-US" dirty="0"/>
+              <a:t> </a:t>
+            </a:r>
+            <a:r>
+              <a:rPr lang="en-US" dirty="0" err="1"/>
+              <a:t>univerze</a:t>
+            </a:r>
+            <a:r>
+              <a:rPr lang="en-US" dirty="0"/>
+              <a:t> s </a:t>
+            </a:r>
+            <a:r>
+              <a:rPr lang="en-US" dirty="0" err="1"/>
+              <a:t>stabilnimi</a:t>
+            </a:r>
+            <a:r>
+              <a:rPr lang="en-US" dirty="0"/>
+              <a:t> in </a:t>
+            </a:r>
+            <a:r>
+              <a:rPr lang="en-US" dirty="0" err="1"/>
+              <a:t>naprej</a:t>
+            </a:r>
+            <a:r>
+              <a:rPr lang="en-US" dirty="0"/>
+              <a:t> </a:t>
+            </a:r>
+            <a:r>
+              <a:rPr lang="en-US" dirty="0" err="1"/>
+              <a:t>določenimi</a:t>
+            </a:r>
+            <a:r>
+              <a:rPr lang="en-US" dirty="0"/>
+              <a:t> </a:t>
+            </a:r>
+            <a:r>
+              <a:rPr lang="en-US" dirty="0" err="1"/>
+              <a:t>distribucijami</a:t>
+            </a:r>
+            <a:r>
+              <a:rPr lang="en-US" dirty="0"/>
+              <a:t> </a:t>
+            </a:r>
+            <a:r>
+              <a:rPr lang="en-US" dirty="0" err="1"/>
+              <a:t>ter</a:t>
+            </a:r>
+            <a:r>
+              <a:rPr lang="en-US" dirty="0"/>
+              <a:t> </a:t>
+            </a:r>
+            <a:r>
+              <a:rPr lang="en-US" dirty="0" err="1"/>
+              <a:t>vzdrževati</a:t>
+            </a:r>
+            <a:r>
+              <a:rPr lang="en-US" dirty="0"/>
+              <a:t> </a:t>
+            </a:r>
+            <a:r>
+              <a:rPr lang="en-US" dirty="0" err="1"/>
+              <a:t>dolgoročno</a:t>
+            </a:r>
+            <a:r>
+              <a:rPr lang="en-US" dirty="0"/>
+              <a:t> </a:t>
+            </a:r>
+            <a:r>
+              <a:rPr lang="en-US" dirty="0" err="1"/>
+              <a:t>vrednost</a:t>
+            </a:r>
+            <a:r>
+              <a:rPr lang="en-US" dirty="0"/>
+              <a:t> </a:t>
+            </a:r>
+            <a:r>
+              <a:rPr lang="en-US" dirty="0" err="1"/>
+              <a:t>fundacije</a:t>
+            </a:r>
+            <a:r>
+              <a:rPr lang="en-US" dirty="0"/>
+              <a:t> </a:t>
+            </a:r>
+            <a:r>
+              <a:rPr lang="en-US" dirty="0" err="1"/>
+              <a:t>za</a:t>
+            </a:r>
+            <a:r>
+              <a:rPr lang="en-US" dirty="0"/>
+              <a:t> </a:t>
+            </a:r>
+            <a:r>
+              <a:rPr lang="en-US" dirty="0" err="1"/>
+              <a:t>prihodnje</a:t>
+            </a:r>
+            <a:r>
+              <a:rPr lang="en-US" dirty="0"/>
+              <a:t> </a:t>
+            </a:r>
+            <a:r>
+              <a:rPr lang="en-US" dirty="0" err="1"/>
+              <a:t>generacije</a:t>
+            </a:r>
+            <a:r>
+              <a:rPr lang="en-US" dirty="0" smtClean="0"/>
+              <a:t>.</a:t>
+            </a:r>
+            <a:endParaRPr lang="sl-SI" dirty="0" smtClean="0"/>
+          </a:p>
+          <a:p>
+            <a:r>
+              <a:rPr lang="en-US" dirty="0" err="1"/>
+              <a:t>Večina</a:t>
+            </a:r>
+            <a:r>
+              <a:rPr lang="en-US" dirty="0"/>
+              <a:t> </a:t>
+            </a:r>
+            <a:r>
+              <a:rPr lang="en-US" dirty="0" err="1"/>
+              <a:t>fundacij</a:t>
+            </a:r>
+            <a:r>
+              <a:rPr lang="en-US" dirty="0"/>
+              <a:t> </a:t>
+            </a:r>
+            <a:r>
+              <a:rPr lang="en-US" dirty="0" err="1"/>
+              <a:t>ima</a:t>
+            </a:r>
+            <a:r>
+              <a:rPr lang="en-US" dirty="0"/>
+              <a:t> </a:t>
+            </a:r>
+            <a:r>
+              <a:rPr lang="en-US" dirty="0" err="1"/>
+              <a:t>določene</a:t>
+            </a:r>
+            <a:r>
+              <a:rPr lang="en-US" dirty="0"/>
+              <a:t> </a:t>
+            </a:r>
+            <a:r>
+              <a:rPr lang="en-US" dirty="0" err="1"/>
+              <a:t>smernice</a:t>
+            </a:r>
+            <a:r>
+              <a:rPr lang="en-US" dirty="0"/>
+              <a:t>, </a:t>
+            </a:r>
+            <a:r>
+              <a:rPr lang="en-US" dirty="0" err="1"/>
+              <a:t>ki</a:t>
+            </a:r>
+            <a:r>
+              <a:rPr lang="en-US" dirty="0"/>
+              <a:t> </a:t>
+            </a:r>
+            <a:r>
+              <a:rPr lang="en-US" dirty="0" err="1"/>
+              <a:t>narekujejo</a:t>
+            </a:r>
+            <a:r>
+              <a:rPr lang="en-US" dirty="0"/>
+              <a:t>, </a:t>
+            </a:r>
+            <a:r>
+              <a:rPr lang="en-US" dirty="0" err="1"/>
+              <a:t>koliko</a:t>
+            </a:r>
+            <a:r>
+              <a:rPr lang="en-US" dirty="0"/>
+              <a:t> </a:t>
+            </a:r>
+            <a:r>
+              <a:rPr lang="en-US" dirty="0" err="1"/>
+              <a:t>vsakoletnih</a:t>
+            </a:r>
+            <a:r>
+              <a:rPr lang="en-US" dirty="0"/>
+              <a:t> </a:t>
+            </a:r>
+            <a:r>
+              <a:rPr lang="en-US" dirty="0" err="1"/>
+              <a:t>prihodkov</a:t>
+            </a:r>
+            <a:r>
+              <a:rPr lang="en-US" dirty="0"/>
+              <a:t> </a:t>
+            </a:r>
+            <a:r>
+              <a:rPr lang="en-US" dirty="0" err="1"/>
+              <a:t>iz</a:t>
+            </a:r>
+            <a:r>
+              <a:rPr lang="en-US" dirty="0"/>
+              <a:t> </a:t>
+            </a:r>
+            <a:r>
+              <a:rPr lang="en-US" dirty="0" err="1"/>
+              <a:t>naložb</a:t>
+            </a:r>
+            <a:r>
+              <a:rPr lang="en-US" dirty="0"/>
+              <a:t> </a:t>
+            </a:r>
+            <a:r>
+              <a:rPr lang="en-US" dirty="0" err="1"/>
+              <a:t>lahko</a:t>
+            </a:r>
+            <a:r>
+              <a:rPr lang="en-US" dirty="0"/>
+              <a:t> </a:t>
+            </a:r>
+            <a:r>
+              <a:rPr lang="en-US" dirty="0" err="1"/>
+              <a:t>porabijo</a:t>
+            </a:r>
+            <a:r>
+              <a:rPr lang="en-US" dirty="0" smtClean="0"/>
+              <a:t>.</a:t>
+            </a:r>
+            <a:endParaRPr lang="sl-SI" dirty="0" smtClean="0"/>
+          </a:p>
+          <a:p>
+            <a:r>
+              <a:rPr lang="en-US" dirty="0"/>
+              <a:t>Ker </a:t>
+            </a:r>
+            <a:r>
+              <a:rPr lang="en-US" dirty="0" smtClean="0"/>
+              <a:t>so </a:t>
+            </a:r>
+            <a:r>
+              <a:rPr lang="en-US" dirty="0" err="1"/>
+              <a:t>univerze</a:t>
+            </a:r>
+            <a:r>
+              <a:rPr lang="en-US" dirty="0"/>
+              <a:t> </a:t>
+            </a:r>
+            <a:r>
+              <a:rPr lang="en-US" dirty="0" err="1"/>
+              <a:t>odvisne</a:t>
+            </a:r>
+            <a:r>
+              <a:rPr lang="en-US" dirty="0"/>
+              <a:t> od </a:t>
+            </a:r>
+            <a:r>
+              <a:rPr lang="en-US" dirty="0" err="1"/>
+              <a:t>donosnosti</a:t>
+            </a:r>
+            <a:r>
+              <a:rPr lang="en-US" dirty="0"/>
+              <a:t> </a:t>
+            </a:r>
+            <a:r>
+              <a:rPr lang="en-US" dirty="0" err="1"/>
+              <a:t>naložb</a:t>
+            </a:r>
+            <a:r>
+              <a:rPr lang="en-US" dirty="0"/>
+              <a:t> </a:t>
+            </a:r>
+            <a:r>
+              <a:rPr lang="en-US" dirty="0" err="1"/>
+              <a:t>za</a:t>
+            </a:r>
+            <a:r>
+              <a:rPr lang="en-US" dirty="0"/>
+              <a:t> </a:t>
+            </a:r>
+            <a:r>
+              <a:rPr lang="en-US" dirty="0" err="1"/>
+              <a:t>dodatni</a:t>
+            </a:r>
+            <a:r>
+              <a:rPr lang="en-US" dirty="0"/>
+              <a:t> </a:t>
+            </a:r>
+            <a:r>
+              <a:rPr lang="en-US" dirty="0" err="1"/>
+              <a:t>dohodek</a:t>
+            </a:r>
+            <a:r>
+              <a:rPr lang="en-US" dirty="0"/>
+              <a:t>, </a:t>
+            </a:r>
+            <a:r>
+              <a:rPr lang="en-US" dirty="0" err="1"/>
+              <a:t>lahko</a:t>
+            </a:r>
+            <a:r>
+              <a:rPr lang="en-US" dirty="0"/>
+              <a:t> pride do </a:t>
+            </a:r>
+            <a:r>
+              <a:rPr lang="en-US" dirty="0" err="1"/>
+              <a:t>težav</a:t>
+            </a:r>
+            <a:r>
+              <a:rPr lang="en-US" dirty="0"/>
+              <a:t>, </a:t>
+            </a:r>
+            <a:r>
+              <a:rPr lang="en-US" dirty="0" err="1"/>
+              <a:t>če</a:t>
+            </a:r>
+            <a:r>
+              <a:rPr lang="en-US" dirty="0"/>
+              <a:t> </a:t>
+            </a:r>
+            <a:r>
+              <a:rPr lang="en-US" dirty="0" err="1"/>
+              <a:t>naložbe</a:t>
+            </a:r>
+            <a:r>
+              <a:rPr lang="en-US" dirty="0"/>
+              <a:t> ne </a:t>
+            </a:r>
+            <a:r>
+              <a:rPr lang="en-US" dirty="0" err="1"/>
+              <a:t>prinesejo</a:t>
+            </a:r>
+            <a:r>
+              <a:rPr lang="en-US" dirty="0"/>
+              <a:t> </a:t>
+            </a:r>
+            <a:r>
+              <a:rPr lang="en-US" dirty="0" err="1"/>
+              <a:t>ustrezne</a:t>
+            </a:r>
+            <a:r>
+              <a:rPr lang="en-US" dirty="0"/>
+              <a:t> </a:t>
+            </a:r>
+            <a:r>
+              <a:rPr lang="en-US" dirty="0" err="1"/>
+              <a:t>donosnosti</a:t>
+            </a:r>
+            <a:r>
+              <a:rPr lang="en-US" dirty="0"/>
+              <a:t>. </a:t>
+            </a:r>
+            <a:r>
+              <a:rPr lang="en-US" dirty="0" err="1"/>
+              <a:t>Zato</a:t>
+            </a:r>
+            <a:r>
+              <a:rPr lang="en-US" dirty="0"/>
+              <a:t> </a:t>
+            </a:r>
+            <a:r>
+              <a:rPr lang="en-US" dirty="0" err="1"/>
+              <a:t>večino</a:t>
+            </a:r>
+            <a:r>
+              <a:rPr lang="en-US" dirty="0"/>
+              <a:t> </a:t>
+            </a:r>
+            <a:r>
+              <a:rPr lang="en-US" dirty="0" err="1"/>
+              <a:t>fundacij</a:t>
+            </a:r>
+            <a:r>
+              <a:rPr lang="en-US" dirty="0"/>
+              <a:t> </a:t>
+            </a:r>
+            <a:r>
+              <a:rPr lang="en-US" dirty="0" err="1"/>
+              <a:t>vodijo</a:t>
+            </a:r>
+            <a:r>
+              <a:rPr lang="en-US" dirty="0"/>
+              <a:t> </a:t>
+            </a:r>
+            <a:r>
+              <a:rPr lang="en-US" dirty="0" err="1"/>
+              <a:t>strokovnjaki</a:t>
+            </a:r>
+            <a:r>
+              <a:rPr lang="en-US" dirty="0"/>
+              <a:t>.</a:t>
+            </a:r>
+            <a:endParaRPr lang="sl-SI" dirty="0" smtClean="0"/>
+          </a:p>
+          <a:p>
+            <a:endParaRPr lang="en-US" dirty="0"/>
           </a:p>
         </p:txBody>
       </p:sp>
     </p:spTree>
     <p:extLst>
       <p:ext uri="{BB962C8B-B14F-4D97-AF65-F5344CB8AC3E}">
-        <p14:creationId xmlns:p14="http://schemas.microsoft.com/office/powerpoint/2010/main" val="2484735251"/>
+        <p14:creationId xmlns:p14="http://schemas.microsoft.com/office/powerpoint/2010/main" val="492209101"/>
       </p:ext>
     </p:extLst>
   </p:cSld>
@@ -3723,84 +6391,67 @@
       </p:grpSpPr>
       <p:sp>
         <p:nvSpPr>
-          <p:cNvPr id="3" name="Označba mesta vsebine 2">
-            <a:extLst>
-              <a:ext uri="{FF2B5EF4-FFF2-40B4-BE49-F238E27FC236}">
-                <a16:creationId xmlns:a16="http://schemas.microsoft.com/office/drawing/2014/main" id="{172A0F90-3B94-4228-B2B3-81C919330DD4}"/>
-              </a:ext>
-            </a:extLst>
-          </p:cNvPr>
+          <p:cNvPr id="2" name="Naslov 1"/>
           <p:cNvSpPr>
             <a:spLocks noGrp="1"/>
           </p:cNvSpPr>
           <p:nvPr>
-            <p:ph idx="1"/>
+            <p:ph type="title"/>
           </p:nvPr>
         </p:nvSpPr>
         <p:spPr>
           <a:xfrm>
-            <a:off x="838200" y="328474"/>
-            <a:ext cx="10515600" cy="5848489"/>
+            <a:off x="1066800" y="642594"/>
+            <a:ext cx="10058400" cy="798278"/>
           </a:xfrm>
         </p:spPr>
         <p:txBody>
-          <a:bodyPr/>
+          <a:bodyPr>
+            <a:normAutofit/>
+          </a:bodyPr>
           <a:lstStyle/>
           <a:p>
             <a:r>
-              <a:rPr lang="sl-SI" dirty="0">
-                <a:effectLst/>
-              </a:rPr>
-              <a:t> Med letoma 2002 in 2010 se je delež naložbenih sredstev, vloženih v lastniške deleže, zmanjšal s 50 % na 31 %.</a:t>
-            </a:r>
-          </a:p>
-          <a:p>
-            <a:r>
-              <a:rPr lang="sl-SI" dirty="0">
-                <a:effectLst/>
-              </a:rPr>
-              <a:t> Od leta 2010 se je delež premoženjskih sredstev, vloženih v delnice, povečal na 36 %.</a:t>
-            </a:r>
-          </a:p>
-          <a:p>
-            <a:r>
-              <a:rPr lang="sl-SI" dirty="0">
-                <a:effectLst/>
-              </a:rPr>
-              <a:t> Odstotek sredstev, vloženih v stalni dohodek, se je v obdobju 2002 do 2017 zmanjšal s 23 % na 8 %. Medtem ko se je delež sredstev, ki se vlagajo v kapital in stalni dohodek, zmanjšal, se je delež sredstev, vloženih v alternativne strategije, povečeval.</a:t>
-            </a:r>
-          </a:p>
-          <a:p>
-            <a:r>
-              <a:rPr lang="sl-SI" dirty="0">
-                <a:effectLst/>
-              </a:rPr>
-              <a:t> Glavni dohodek fundacij so pa seveda donacije.</a:t>
-            </a:r>
-          </a:p>
-          <a:p>
-            <a:r>
-              <a:rPr lang="sl-SI" dirty="0">
-                <a:effectLst/>
-              </a:rPr>
-              <a:t> Dostop do strokovnega znanja.</a:t>
-            </a:r>
-          </a:p>
-          <a:p>
-            <a:r>
-              <a:rPr lang="sl-SI" dirty="0">
-                <a:effectLst/>
-              </a:rPr>
-              <a:t> Najbolj uspešne fundacije imajo dostop do alternativnih naložb, ki zahtevajo daljša obdobja naložbe in višje minimalne naložbe, kot si jih lahko privošči večina posameznih vlagateljev.</a:t>
-            </a:r>
-            <a:endParaRPr lang="sl-SI" dirty="0"/>
+              <a:rPr lang="pl-PL" sz="3200" dirty="0"/>
+              <a:t>Fundacije zasebnih univerz v letu 2018</a:t>
+            </a:r>
+            <a:endParaRPr lang="en-US" sz="3200" dirty="0"/>
           </a:p>
         </p:txBody>
       </p:sp>
+      <p:pic>
+        <p:nvPicPr>
+          <p:cNvPr id="4" name="Označba mesta vsebine 3"/>
+          <p:cNvPicPr>
+            <a:picLocks noGrp="1" noChangeAspect="1"/>
+          </p:cNvPicPr>
+          <p:nvPr>
+            <p:ph idx="1"/>
+          </p:nvPr>
+        </p:nvPicPr>
+        <p:blipFill>
+          <a:blip r:embed="rId2">
+            <a:extLst>
+              <a:ext uri="{28A0092B-C50C-407E-A947-70E740481C1C}">
+                <a14:useLocalDpi xmlns:a14="http://schemas.microsoft.com/office/drawing/2010/main" val="0"/>
+              </a:ext>
+            </a:extLst>
+          </a:blip>
+          <a:stretch>
+            <a:fillRect/>
+          </a:stretch>
+        </p:blipFill>
+        <p:spPr>
+          <a:xfrm>
+            <a:off x="1795576" y="1440872"/>
+            <a:ext cx="8600847" cy="4710545"/>
+          </a:xfrm>
+        </p:spPr>
+      </p:pic>
     </p:spTree>
     <p:extLst>
       <p:ext uri="{BB962C8B-B14F-4D97-AF65-F5344CB8AC3E}">
-        <p14:creationId xmlns:p14="http://schemas.microsoft.com/office/powerpoint/2010/main" val="1516166585"/>
+        <p14:creationId xmlns:p14="http://schemas.microsoft.com/office/powerpoint/2010/main" val="3662797021"/>
       </p:ext>
     </p:extLst>
   </p:cSld>
@@ -3829,13 +6480,7 @@
       </p:grpSpPr>
       <p:sp>
         <p:nvSpPr>
-          <p:cNvPr id="2" name="Naslov 1">
-            <a:extLst>
-              <a:ext uri="{FF2B5EF4-FFF2-40B4-BE49-F238E27FC236}">
-                <a16:creationId xmlns:a16="http://schemas.microsoft.com/office/drawing/2014/main" id="{FB96101C-978A-452E-92E5-5A0BD59F9762}"/>
-              </a:ext>
-            </a:extLst>
-          </p:cNvPr>
+          <p:cNvPr id="2" name="Naslov 1"/>
           <p:cNvSpPr>
             <a:spLocks noGrp="1"/>
           </p:cNvSpPr>
@@ -3843,421 +6488,110 @@
             <p:ph type="title"/>
           </p:nvPr>
         </p:nvSpPr>
-        <p:spPr/>
+        <p:spPr>
+          <a:xfrm>
+            <a:off x="1066800" y="642594"/>
+            <a:ext cx="10058400" cy="645879"/>
+          </a:xfrm>
+        </p:spPr>
         <p:txBody>
-          <a:bodyPr/>
+          <a:bodyPr>
+            <a:normAutofit/>
+          </a:bodyPr>
           <a:lstStyle/>
           <a:p>
             <a:r>
-              <a:rPr lang="sl-SI" dirty="0"/>
-              <a:t>Viri</a:t>
+              <a:rPr lang="en-US" sz="3200" dirty="0" err="1"/>
+              <a:t>Najboljših</a:t>
+            </a:r>
+            <a:r>
+              <a:rPr lang="en-US" sz="3200" dirty="0"/>
+              <a:t> 10 </a:t>
+            </a:r>
+            <a:r>
+              <a:rPr lang="en-US" sz="3200" dirty="0" err="1"/>
+              <a:t>univerz</a:t>
+            </a:r>
+            <a:r>
+              <a:rPr lang="en-US" sz="3200" dirty="0"/>
+              <a:t> </a:t>
+            </a:r>
+            <a:r>
+              <a:rPr lang="en-US" sz="3200" dirty="0" err="1"/>
+              <a:t>glede</a:t>
+            </a:r>
+            <a:r>
+              <a:rPr lang="en-US" sz="3200" dirty="0"/>
+              <a:t> </a:t>
+            </a:r>
+            <a:r>
+              <a:rPr lang="en-US" sz="3200" dirty="0" err="1"/>
+              <a:t>na</a:t>
+            </a:r>
+            <a:r>
+              <a:rPr lang="en-US" sz="3200" dirty="0"/>
+              <a:t> </a:t>
+            </a:r>
+            <a:r>
+              <a:rPr lang="en-US" sz="3200" dirty="0" err="1"/>
+              <a:t>višino</a:t>
+            </a:r>
+            <a:r>
+              <a:rPr lang="en-US" sz="3200" dirty="0"/>
+              <a:t> </a:t>
+            </a:r>
+            <a:r>
+              <a:rPr lang="en-US" sz="3200" dirty="0" err="1"/>
+              <a:t>fundacij</a:t>
+            </a:r>
+            <a:r>
+              <a:rPr lang="en-US" sz="3200" dirty="0"/>
+              <a:t> v </a:t>
+            </a:r>
+            <a:r>
+              <a:rPr lang="en-US" sz="3200" dirty="0" err="1"/>
+              <a:t>letu</a:t>
+            </a:r>
+            <a:r>
+              <a:rPr lang="en-US" sz="3200" dirty="0"/>
+              <a:t> 2018</a:t>
             </a:r>
           </a:p>
         </p:txBody>
       </p:sp>
-      <p:sp>
-        <p:nvSpPr>
-          <p:cNvPr id="3" name="Označba mesta vsebine 2">
+      <p:pic>
+        <p:nvPicPr>
+          <p:cNvPr id="4" name="Označba mesta vsebine 3"/>
+          <p:cNvPicPr>
+            <a:picLocks noGrp="1" noChangeAspect="1"/>
+          </p:cNvPicPr>
+          <p:nvPr>
+            <p:ph idx="1"/>
+          </p:nvPr>
+        </p:nvPicPr>
+        <p:blipFill>
+          <a:blip r:embed="rId2">
             <a:extLst>
-              <a:ext uri="{FF2B5EF4-FFF2-40B4-BE49-F238E27FC236}">
-                <a16:creationId xmlns:a16="http://schemas.microsoft.com/office/drawing/2014/main" id="{5B8C1D93-AC86-47DD-9A38-7554EB35C728}"/>
+              <a:ext uri="{28A0092B-C50C-407E-A947-70E740481C1C}">
+                <a14:useLocalDpi xmlns:a14="http://schemas.microsoft.com/office/drawing/2010/main" val="0"/>
               </a:ext>
             </a:extLst>
-          </p:cNvPr>
-          <p:cNvSpPr>
-            <a:spLocks noGrp="1"/>
-          </p:cNvSpPr>
-          <p:nvPr>
-            <p:ph idx="1"/>
-          </p:nvPr>
-        </p:nvSpPr>
-        <p:spPr/>
-        <p:txBody>
-          <a:bodyPr>
-            <a:normAutofit fontScale="92500" lnSpcReduction="20000"/>
-          </a:bodyPr>
-          <a:lstStyle/>
-          <a:p>
-            <a:r>
-              <a:rPr lang="sl-SI" dirty="0">
-                <a:effectLst/>
-              </a:rPr>
-              <a:t> Brown, J. R., </a:t>
-            </a:r>
-            <a:r>
-              <a:rPr lang="sl-SI" dirty="0" err="1">
-                <a:effectLst/>
-              </a:rPr>
-              <a:t>Dimmock</a:t>
-            </a:r>
-            <a:r>
-              <a:rPr lang="sl-SI" dirty="0">
-                <a:effectLst/>
-              </a:rPr>
-              <a:t>, S. G., </a:t>
-            </a:r>
-            <a:r>
-              <a:rPr lang="sl-SI" dirty="0" err="1">
-                <a:effectLst/>
-              </a:rPr>
-              <a:t>Kang</a:t>
-            </a:r>
-            <a:r>
-              <a:rPr lang="sl-SI" dirty="0">
-                <a:effectLst/>
-              </a:rPr>
-              <a:t>, J. K., &amp; </a:t>
-            </a:r>
-            <a:r>
-              <a:rPr lang="sl-SI" dirty="0" err="1">
-                <a:effectLst/>
-              </a:rPr>
-              <a:t>Weisbenner</a:t>
-            </a:r>
-            <a:r>
-              <a:rPr lang="sl-SI" dirty="0">
-                <a:effectLst/>
-              </a:rPr>
-              <a:t>, S. J. (2014).  </a:t>
-            </a:r>
-            <a:r>
-              <a:rPr lang="sl-SI" i="1" dirty="0">
-                <a:effectLst/>
-              </a:rPr>
-              <a:t>How </a:t>
-            </a:r>
-            <a:r>
-              <a:rPr lang="sl-SI" i="1" dirty="0" err="1">
-                <a:effectLst/>
-              </a:rPr>
-              <a:t>university</a:t>
-            </a:r>
-            <a:r>
-              <a:rPr lang="sl-SI" i="1" dirty="0">
-                <a:effectLst/>
-              </a:rPr>
-              <a:t> </a:t>
-            </a:r>
-            <a:r>
-              <a:rPr lang="sl-SI" i="1" dirty="0" err="1">
-                <a:effectLst/>
-              </a:rPr>
-              <a:t>endowments</a:t>
-            </a:r>
-            <a:r>
-              <a:rPr lang="sl-SI" i="1" dirty="0">
-                <a:effectLst/>
-              </a:rPr>
-              <a:t> </a:t>
-            </a:r>
-            <a:r>
-              <a:rPr lang="sl-SI" i="1" dirty="0" err="1">
-                <a:effectLst/>
-              </a:rPr>
-              <a:t>respond</a:t>
-            </a:r>
-            <a:r>
-              <a:rPr lang="sl-SI" i="1" dirty="0">
-                <a:effectLst/>
-              </a:rPr>
-              <a:t> to </a:t>
-            </a:r>
-            <a:r>
-              <a:rPr lang="sl-SI" i="1" dirty="0" err="1">
-                <a:effectLst/>
-              </a:rPr>
-              <a:t>financial</a:t>
-            </a:r>
-            <a:r>
-              <a:rPr lang="sl-SI" i="1" dirty="0">
-                <a:effectLst/>
-              </a:rPr>
-              <a:t> market </a:t>
-            </a:r>
-            <a:r>
-              <a:rPr lang="sl-SI" i="1" dirty="0" err="1">
-                <a:effectLst/>
-              </a:rPr>
-              <a:t>shocks</a:t>
-            </a:r>
-            <a:r>
-              <a:rPr lang="sl-SI" i="1" dirty="0">
-                <a:effectLst/>
-              </a:rPr>
-              <a:t>: Evidence </a:t>
-            </a:r>
-            <a:r>
-              <a:rPr lang="sl-SI" i="1" dirty="0" err="1">
-                <a:effectLst/>
-              </a:rPr>
-              <a:t>and</a:t>
-            </a:r>
-            <a:r>
-              <a:rPr lang="sl-SI" i="1" dirty="0">
-                <a:effectLst/>
-              </a:rPr>
-              <a:t> </a:t>
-            </a:r>
-            <a:r>
-              <a:rPr lang="sl-SI" i="1" dirty="0" err="1">
-                <a:effectLst/>
-              </a:rPr>
-              <a:t>implications</a:t>
-            </a:r>
-            <a:r>
-              <a:rPr lang="sl-SI" dirty="0">
-                <a:effectLst/>
-              </a:rPr>
-              <a:t> . </a:t>
-            </a:r>
-            <a:r>
-              <a:rPr lang="sl-SI" dirty="0" err="1">
-                <a:effectLst/>
-              </a:rPr>
-              <a:t>American</a:t>
-            </a:r>
-            <a:r>
-              <a:rPr lang="sl-SI" dirty="0">
-                <a:effectLst/>
-              </a:rPr>
-              <a:t> </a:t>
-            </a:r>
-            <a:r>
-              <a:rPr lang="sl-SI" dirty="0" err="1">
-                <a:effectLst/>
-              </a:rPr>
-              <a:t>Economic</a:t>
-            </a:r>
-            <a:r>
-              <a:rPr lang="sl-SI" dirty="0">
-                <a:effectLst/>
-              </a:rPr>
-              <a:t> </a:t>
-            </a:r>
-            <a:r>
-              <a:rPr lang="sl-SI" dirty="0" err="1">
-                <a:effectLst/>
-              </a:rPr>
-              <a:t>Review</a:t>
-            </a:r>
-            <a:r>
-              <a:rPr lang="sl-SI" dirty="0">
-                <a:effectLst/>
-              </a:rPr>
-              <a:t>, 104(3), 931-62.</a:t>
-            </a:r>
-          </a:p>
-          <a:p>
-            <a:r>
-              <a:rPr lang="sl-SI" dirty="0">
-                <a:effectLst/>
-              </a:rPr>
-              <a:t> Cambridge </a:t>
-            </a:r>
-            <a:r>
-              <a:rPr lang="sl-SI" dirty="0" err="1">
-                <a:effectLst/>
-              </a:rPr>
-              <a:t>Investment</a:t>
-            </a:r>
-            <a:r>
-              <a:rPr lang="sl-SI" dirty="0">
-                <a:effectLst/>
-              </a:rPr>
-              <a:t> Management </a:t>
-            </a:r>
-            <a:r>
-              <a:rPr lang="sl-SI" dirty="0" err="1">
-                <a:effectLst/>
-              </a:rPr>
-              <a:t>Limited</a:t>
-            </a:r>
-            <a:r>
-              <a:rPr lang="sl-SI" dirty="0">
-                <a:effectLst/>
-              </a:rPr>
-              <a:t>.  </a:t>
-            </a:r>
-            <a:r>
-              <a:rPr lang="sl-SI" i="1" dirty="0">
-                <a:effectLst/>
-              </a:rPr>
-              <a:t>Cambridge </a:t>
-            </a:r>
-            <a:r>
-              <a:rPr lang="sl-SI" i="1" dirty="0" err="1">
-                <a:effectLst/>
-              </a:rPr>
-              <a:t>University</a:t>
-            </a:r>
-            <a:r>
-              <a:rPr lang="sl-SI" i="1" dirty="0">
-                <a:effectLst/>
-              </a:rPr>
-              <a:t> </a:t>
-            </a:r>
-            <a:r>
-              <a:rPr lang="sl-SI" i="1" dirty="0" err="1">
-                <a:effectLst/>
-              </a:rPr>
-              <a:t>Endowment</a:t>
-            </a:r>
-            <a:r>
-              <a:rPr lang="sl-SI" i="1" dirty="0">
-                <a:effectLst/>
-              </a:rPr>
-              <a:t> Fund, </a:t>
-            </a:r>
-            <a:r>
-              <a:rPr lang="sl-SI" i="1" dirty="0" err="1">
-                <a:effectLst/>
-              </a:rPr>
-              <a:t>Annual</a:t>
-            </a:r>
-            <a:r>
-              <a:rPr lang="sl-SI" i="1" dirty="0">
-                <a:effectLst/>
-              </a:rPr>
-              <a:t> </a:t>
-            </a:r>
-            <a:r>
-              <a:rPr lang="sl-SI" i="1" dirty="0" err="1">
-                <a:effectLst/>
-              </a:rPr>
-              <a:t>Report</a:t>
-            </a:r>
-            <a:r>
-              <a:rPr lang="sl-SI" i="1" dirty="0">
-                <a:effectLst/>
-              </a:rPr>
-              <a:t> 2019</a:t>
-            </a:r>
-            <a:r>
-              <a:rPr lang="sl-SI" dirty="0">
-                <a:effectLst/>
-              </a:rPr>
-              <a:t> . Pridobljeno 16. maja 2020 iz  https://www.cambridgeinvestmentmanagement.co.uk/files/cuef_annual_report_2019_v2.pdf .</a:t>
-            </a:r>
-          </a:p>
-          <a:p>
-            <a:r>
-              <a:rPr lang="sl-SI" dirty="0">
-                <a:effectLst/>
-              </a:rPr>
-              <a:t> Harvard </a:t>
-            </a:r>
-            <a:r>
-              <a:rPr lang="sl-SI" dirty="0" err="1">
-                <a:effectLst/>
-              </a:rPr>
-              <a:t>University</a:t>
-            </a:r>
-            <a:r>
-              <a:rPr lang="sl-SI" dirty="0">
-                <a:effectLst/>
-              </a:rPr>
-              <a:t>.  </a:t>
-            </a:r>
-            <a:r>
-              <a:rPr lang="sl-SI" i="1" dirty="0" err="1">
-                <a:effectLst/>
-              </a:rPr>
-              <a:t>Endowment</a:t>
-            </a:r>
-            <a:r>
-              <a:rPr lang="sl-SI" dirty="0">
-                <a:effectLst/>
-              </a:rPr>
-              <a:t> . Pridobljeno 16. maja 2020 iz  https://www.harvard.edu/about-harvard/harvard-glance/endowment .</a:t>
-            </a:r>
-          </a:p>
-          <a:p>
-            <a:r>
-              <a:rPr lang="sl-SI" dirty="0">
-                <a:effectLst/>
-              </a:rPr>
-              <a:t> Harvard </a:t>
-            </a:r>
-            <a:r>
-              <a:rPr lang="sl-SI" dirty="0" err="1">
-                <a:effectLst/>
-              </a:rPr>
-              <a:t>University</a:t>
-            </a:r>
-            <a:r>
-              <a:rPr lang="sl-SI" dirty="0">
-                <a:effectLst/>
-              </a:rPr>
-              <a:t>.  </a:t>
-            </a:r>
-            <a:r>
-              <a:rPr lang="sl-SI" i="1" dirty="0" err="1">
-                <a:effectLst/>
-              </a:rPr>
-              <a:t>Financial</a:t>
-            </a:r>
-            <a:r>
-              <a:rPr lang="sl-SI" i="1" dirty="0">
-                <a:effectLst/>
-              </a:rPr>
-              <a:t> </a:t>
-            </a:r>
-            <a:r>
-              <a:rPr lang="sl-SI" i="1" dirty="0" err="1">
-                <a:effectLst/>
-              </a:rPr>
-              <a:t>report</a:t>
-            </a:r>
-            <a:r>
-              <a:rPr lang="sl-SI" i="1" dirty="0">
-                <a:effectLst/>
-              </a:rPr>
-              <a:t>, </a:t>
-            </a:r>
-            <a:r>
-              <a:rPr lang="sl-SI" i="1" dirty="0" err="1">
-                <a:effectLst/>
-              </a:rPr>
-              <a:t>fiscal</a:t>
-            </a:r>
-            <a:r>
-              <a:rPr lang="sl-SI" i="1" dirty="0">
-                <a:effectLst/>
-              </a:rPr>
-              <a:t> </a:t>
-            </a:r>
-            <a:r>
-              <a:rPr lang="sl-SI" i="1" dirty="0" err="1">
-                <a:effectLst/>
-              </a:rPr>
-              <a:t>year</a:t>
-            </a:r>
-            <a:r>
-              <a:rPr lang="sl-SI" i="1" dirty="0">
-                <a:effectLst/>
-              </a:rPr>
-              <a:t> 2019, Harvard </a:t>
-            </a:r>
-            <a:r>
-              <a:rPr lang="sl-SI" i="1" dirty="0" err="1">
-                <a:effectLst/>
-              </a:rPr>
-              <a:t>University</a:t>
-            </a:r>
-            <a:r>
-              <a:rPr lang="sl-SI" dirty="0">
-                <a:effectLst/>
-              </a:rPr>
-              <a:t> . Pridobljeno 16. maja 2020 iz  https://www.harvard.edu/sites/default/files/content/fy19_harvard_financial_report.pdf .</a:t>
-            </a:r>
-            <a:endParaRPr lang="sl-SI" dirty="0"/>
-          </a:p>
-        </p:txBody>
-      </p:sp>
+          </a:blip>
+          <a:stretch>
+            <a:fillRect/>
+          </a:stretch>
+        </p:blipFill>
+        <p:spPr>
+          <a:xfrm>
+            <a:off x="1931482" y="1288473"/>
+            <a:ext cx="8329036" cy="4821382"/>
+          </a:xfrm>
+        </p:spPr>
+      </p:pic>
     </p:spTree>
     <p:extLst>
       <p:ext uri="{BB962C8B-B14F-4D97-AF65-F5344CB8AC3E}">
-        <p14:creationId xmlns:p14="http://schemas.microsoft.com/office/powerpoint/2010/main" val="1832540778"/>
+        <p14:creationId xmlns:p14="http://schemas.microsoft.com/office/powerpoint/2010/main" val="9571009"/>
       </p:ext>
     </p:extLst>
   </p:cSld>
@@ -4286,10 +6620,10 @@
       </p:grpSpPr>
       <p:sp>
         <p:nvSpPr>
-          <p:cNvPr id="3" name="Označba mesta vsebine 2">
+          <p:cNvPr id="2" name="Naslov 1">
             <a:extLst>
               <a:ext uri="{FF2B5EF4-FFF2-40B4-BE49-F238E27FC236}">
-                <a16:creationId xmlns:a16="http://schemas.microsoft.com/office/drawing/2014/main" id="{A6F5B086-A3C0-4319-95C0-BC74C66B19D9}"/>
+                <a16:creationId xmlns:a16="http://schemas.microsoft.com/office/drawing/2014/main" id="{01A965BB-ED6C-4C5B-8A7F-28DE658AE8B8}"/>
               </a:ext>
             </a:extLst>
           </p:cNvPr>
@@ -4297,18 +6631,51 @@
             <a:spLocks noGrp="1"/>
           </p:cNvSpPr>
           <p:nvPr>
+            <p:ph type="title"/>
+          </p:nvPr>
+        </p:nvSpPr>
+        <p:spPr/>
+        <p:txBody>
+          <a:bodyPr>
+            <a:normAutofit fontScale="90000"/>
+          </a:bodyPr>
+          <a:lstStyle/>
+          <a:p>
+            <a:r>
+              <a:rPr lang="sl-SI" dirty="0">
+                <a:effectLst/>
+              </a:rPr>
+              <a:t>Naložbene politike univerzitetnih fundacij</a:t>
+            </a:r>
+            <a:endParaRPr lang="sl-SI" dirty="0"/>
+          </a:p>
+        </p:txBody>
+      </p:sp>
+      <p:sp>
+        <p:nvSpPr>
+          <p:cNvPr id="3" name="Označba mesta vsebine 2">
+            <a:extLst>
+              <a:ext uri="{FF2B5EF4-FFF2-40B4-BE49-F238E27FC236}">
+                <a16:creationId xmlns:a16="http://schemas.microsoft.com/office/drawing/2014/main" id="{1E9CA3DF-FBB5-4D64-A144-DBD54E340DC5}"/>
+              </a:ext>
+            </a:extLst>
+          </p:cNvPr>
+          <p:cNvSpPr>
+            <a:spLocks noGrp="1"/>
+          </p:cNvSpPr>
+          <p:nvPr>
             <p:ph idx="1"/>
           </p:nvPr>
         </p:nvSpPr>
         <p:spPr>
           <a:xfrm>
-            <a:off x="838200" y="435006"/>
-            <a:ext cx="10515600" cy="5741957"/>
+            <a:off x="838200" y="1759527"/>
+            <a:ext cx="10515600" cy="4733348"/>
           </a:xfrm>
         </p:spPr>
         <p:txBody>
           <a:bodyPr>
-            <a:normAutofit fontScale="92500" lnSpcReduction="10000"/>
+            <a:normAutofit/>
           </a:bodyPr>
           <a:lstStyle/>
           <a:p>
@@ -4316,67 +6683,23 @@
               <a:rPr lang="sl-SI" dirty="0">
                 <a:effectLst/>
               </a:rPr>
-              <a:t>  </a:t>
-            </a:r>
-            <a:r>
-              <a:rPr lang="sl-SI" dirty="0" err="1">
-                <a:effectLst/>
-              </a:rPr>
-              <a:t>Investopedia</a:t>
-            </a:r>
+              <a:t> Zagotavljajo primerno rast in predvidljivost letnih izplačil</a:t>
+            </a:r>
+          </a:p>
+          <a:p>
             <a:r>
               <a:rPr lang="sl-SI" dirty="0">
                 <a:effectLst/>
               </a:rPr>
-              <a:t>. </a:t>
-            </a:r>
-            <a:r>
-              <a:rPr lang="sl-SI" i="1" dirty="0">
-                <a:effectLst/>
-              </a:rPr>
-              <a:t>How do </a:t>
-            </a:r>
-            <a:r>
-              <a:rPr lang="sl-SI" i="1" dirty="0" err="1">
-                <a:effectLst/>
-              </a:rPr>
-              <a:t>university</a:t>
-            </a:r>
-            <a:r>
-              <a:rPr lang="sl-SI" i="1" dirty="0">
-                <a:effectLst/>
-              </a:rPr>
-              <a:t> </a:t>
-            </a:r>
-            <a:r>
-              <a:rPr lang="sl-SI" i="1" dirty="0" err="1">
-                <a:effectLst/>
-              </a:rPr>
-              <a:t>endowments</a:t>
-            </a:r>
-            <a:r>
-              <a:rPr lang="sl-SI" i="1" dirty="0">
-                <a:effectLst/>
-              </a:rPr>
-              <a:t> </a:t>
-            </a:r>
-            <a:r>
-              <a:rPr lang="sl-SI" i="1" dirty="0" err="1">
-                <a:effectLst/>
-              </a:rPr>
-              <a:t>work</a:t>
-            </a:r>
-            <a:r>
-              <a:rPr lang="sl-SI" i="1" dirty="0">
-                <a:effectLst/>
-              </a:rPr>
-              <a:t>?  </a:t>
-            </a:r>
+              <a:t> Nelikvidne dolgoročne naložbe</a:t>
+            </a:r>
+          </a:p>
+          <a:p>
             <a:r>
               <a:rPr lang="sl-SI" dirty="0">
                 <a:effectLst/>
               </a:rPr>
-              <a:t>Pridobljeno 29. aprila 2020 iz  https://www.investopedia.com/ask/answers/how-do-university-endowments-work/ .</a:t>
+              <a:t> Ohranjanje prvotne vrednosti oz.  generacijske pravičnost </a:t>
             </a:r>
           </a:p>
           <a:p>
@@ -4384,55 +6707,23 @@
               <a:rPr lang="sl-SI" dirty="0">
                 <a:effectLst/>
               </a:rPr>
-              <a:t>  </a:t>
-            </a:r>
-            <a:r>
-              <a:rPr lang="sl-SI" dirty="0" err="1">
-                <a:effectLst/>
-              </a:rPr>
-              <a:t>Investopedia</a:t>
-            </a:r>
+              <a:t> Stopnja trajnostne porabe sklada mora biti enaka pričakovani skupni donosnosti obdavčenih sredstev, zmanjšani za predvideno stopnjo inflacije</a:t>
+            </a:r>
+          </a:p>
+          <a:p>
             <a:r>
               <a:rPr lang="sl-SI" dirty="0">
                 <a:effectLst/>
               </a:rPr>
-              <a:t>. </a:t>
-            </a:r>
-            <a:r>
-              <a:rPr lang="sl-SI" i="1" dirty="0">
-                <a:effectLst/>
-              </a:rPr>
-              <a:t>How To </a:t>
-            </a:r>
-            <a:r>
-              <a:rPr lang="sl-SI" i="1" dirty="0" err="1">
-                <a:effectLst/>
-              </a:rPr>
-              <a:t>Invest</a:t>
-            </a:r>
-            <a:r>
-              <a:rPr lang="sl-SI" i="1" dirty="0">
-                <a:effectLst/>
-              </a:rPr>
-              <a:t> Like An </a:t>
-            </a:r>
-            <a:r>
-              <a:rPr lang="sl-SI" i="1" dirty="0" err="1">
-                <a:effectLst/>
-              </a:rPr>
-              <a:t>Endowment</a:t>
-            </a:r>
-            <a:r>
-              <a:rPr lang="sl-SI" i="1" dirty="0">
-                <a:effectLst/>
-              </a:rPr>
-              <a:t>? </a:t>
-            </a:r>
+              <a:t> Pogosto se za odločijo, da bodo v naslednjem semestru potrošili 5 % povprečne vrednosti sklada zadnjih treh fiskalnih let.</a:t>
+            </a:r>
+          </a:p>
+          <a:p>
             <a:r>
               <a:rPr lang="sl-SI" dirty="0">
                 <a:effectLst/>
               </a:rPr>
-              <a:t>, Pridobljeno 13. maja 2020 iz  https://www.investopedia.com/articles/financial-theory/09/ivy-league-endowments-money-management.asp .</a:t>
+              <a:t> Povečanje potrošnje za toliko, kolikor se je povečala inflacija, povzroči predvidljiv tok dohodkov na operativni proračun.</a:t>
             </a:r>
           </a:p>
           <a:p>
@@ -4440,629 +6731,15 @@
               <a:rPr lang="sl-SI" dirty="0">
                 <a:effectLst/>
               </a:rPr>
-              <a:t>  Sherlock, M. F., </a:t>
-            </a:r>
-            <a:r>
-              <a:rPr lang="sl-SI" dirty="0" err="1">
-                <a:effectLst/>
-              </a:rPr>
-              <a:t>Crandall-Hollick</a:t>
-            </a:r>
+              <a:t> Obdavčitev?</a:t>
+            </a:r>
+          </a:p>
+          <a:p>
             <a:r>
               <a:rPr lang="sl-SI" dirty="0">
                 <a:effectLst/>
               </a:rPr>
-              <a:t>, M. L., </a:t>
-            </a:r>
-            <a:r>
-              <a:rPr lang="sl-SI" dirty="0" err="1">
-                <a:effectLst/>
-              </a:rPr>
-              <a:t>Gravelle</a:t>
-            </a:r>
-            <a:r>
-              <a:rPr lang="sl-SI" dirty="0">
-                <a:effectLst/>
-              </a:rPr>
-              <a:t>, J., &amp; </a:t>
-            </a:r>
-            <a:r>
-              <a:rPr lang="sl-SI" dirty="0" err="1">
-                <a:effectLst/>
-              </a:rPr>
-              <a:t>Stupak</a:t>
-            </a:r>
-            <a:r>
-              <a:rPr lang="sl-SI" dirty="0">
-                <a:effectLst/>
-              </a:rPr>
-              <a:t>, J. M. (2015</a:t>
-            </a:r>
-            <a:r>
-              <a:rPr lang="sl-SI" i="1" dirty="0">
-                <a:effectLst/>
-              </a:rPr>
-              <a:t>).  </a:t>
-            </a:r>
-            <a:r>
-              <a:rPr lang="sl-SI" i="1" dirty="0" err="1">
-                <a:effectLst/>
-              </a:rPr>
-              <a:t>College</a:t>
-            </a:r>
-            <a:r>
-              <a:rPr lang="sl-SI" i="1" dirty="0">
-                <a:effectLst/>
-              </a:rPr>
-              <a:t> </a:t>
-            </a:r>
-            <a:r>
-              <a:rPr lang="sl-SI" i="1" dirty="0" err="1">
-                <a:effectLst/>
-              </a:rPr>
-              <a:t>and</a:t>
-            </a:r>
-            <a:r>
-              <a:rPr lang="sl-SI" i="1" dirty="0">
-                <a:effectLst/>
-              </a:rPr>
-              <a:t> </a:t>
-            </a:r>
-            <a:r>
-              <a:rPr lang="sl-SI" i="1" dirty="0" err="1">
-                <a:effectLst/>
-              </a:rPr>
-              <a:t>university</a:t>
-            </a:r>
-            <a:r>
-              <a:rPr lang="sl-SI" i="1" dirty="0">
-                <a:effectLst/>
-              </a:rPr>
-              <a:t> </a:t>
-            </a:r>
-            <a:r>
-              <a:rPr lang="sl-SI" i="1" dirty="0" err="1">
-                <a:effectLst/>
-              </a:rPr>
-              <a:t>endowments</a:t>
-            </a:r>
-            <a:r>
-              <a:rPr lang="sl-SI" i="1" dirty="0">
-                <a:effectLst/>
-              </a:rPr>
-              <a:t>: </a:t>
-            </a:r>
-            <a:r>
-              <a:rPr lang="sl-SI" i="1" dirty="0" err="1">
-                <a:effectLst/>
-              </a:rPr>
-              <a:t>Overview</a:t>
-            </a:r>
-            <a:r>
-              <a:rPr lang="sl-SI" i="1" dirty="0">
-                <a:effectLst/>
-              </a:rPr>
-              <a:t> </a:t>
-            </a:r>
-            <a:r>
-              <a:rPr lang="sl-SI" i="1" dirty="0" err="1">
-                <a:effectLst/>
-              </a:rPr>
-              <a:t>and</a:t>
-            </a:r>
-            <a:r>
-              <a:rPr lang="sl-SI" i="1" dirty="0">
-                <a:effectLst/>
-              </a:rPr>
-              <a:t> </a:t>
-            </a:r>
-            <a:r>
-              <a:rPr lang="sl-SI" i="1" dirty="0" err="1">
-                <a:effectLst/>
-              </a:rPr>
-              <a:t>tax</a:t>
-            </a:r>
-            <a:r>
-              <a:rPr lang="sl-SI" i="1" dirty="0">
-                <a:effectLst/>
-              </a:rPr>
-              <a:t> </a:t>
-            </a:r>
-            <a:r>
-              <a:rPr lang="sl-SI" i="1" dirty="0" err="1">
-                <a:effectLst/>
-              </a:rPr>
-              <a:t>policy</a:t>
-            </a:r>
-            <a:r>
-              <a:rPr lang="sl-SI" i="1" dirty="0">
-                <a:effectLst/>
-              </a:rPr>
-              <a:t> </a:t>
-            </a:r>
-            <a:r>
-              <a:rPr lang="sl-SI" i="1" dirty="0" err="1">
-                <a:effectLst/>
-              </a:rPr>
-              <a:t>options</a:t>
-            </a:r>
-            <a:r>
-              <a:rPr lang="sl-SI" dirty="0">
-                <a:effectLst/>
-              </a:rPr>
-              <a:t>. Washington, DC: </a:t>
-            </a:r>
-            <a:r>
-              <a:rPr lang="sl-SI" dirty="0" err="1">
-                <a:effectLst/>
-              </a:rPr>
-              <a:t>Congressional</a:t>
-            </a:r>
-            <a:r>
-              <a:rPr lang="sl-SI" dirty="0">
-                <a:effectLst/>
-              </a:rPr>
-              <a:t> </a:t>
-            </a:r>
-            <a:r>
-              <a:rPr lang="sl-SI" dirty="0" err="1">
-                <a:effectLst/>
-              </a:rPr>
-              <a:t>Research</a:t>
-            </a:r>
-            <a:r>
-              <a:rPr lang="sl-SI" dirty="0">
-                <a:effectLst/>
-              </a:rPr>
-              <a:t> </a:t>
-            </a:r>
-            <a:r>
-              <a:rPr lang="sl-SI" dirty="0" err="1">
-                <a:effectLst/>
-              </a:rPr>
-              <a:t>Service</a:t>
-            </a:r>
-            <a:r>
-              <a:rPr lang="sl-SI" dirty="0">
-                <a:effectLst/>
-              </a:rPr>
-              <a:t> .</a:t>
-            </a:r>
-          </a:p>
-          <a:p>
-            <a:r>
-              <a:rPr lang="sl-SI" dirty="0">
-                <a:effectLst/>
-              </a:rPr>
-              <a:t>  </a:t>
-            </a:r>
-            <a:r>
-              <a:rPr lang="sl-SI" dirty="0" err="1">
-                <a:effectLst/>
-              </a:rPr>
-              <a:t>Spitz</a:t>
-            </a:r>
-            <a:r>
-              <a:rPr lang="sl-SI" dirty="0">
-                <a:effectLst/>
-              </a:rPr>
-              <a:t>, W. T. (2010). </a:t>
-            </a:r>
-            <a:r>
-              <a:rPr lang="sl-SI" i="1" dirty="0" err="1">
-                <a:effectLst/>
-              </a:rPr>
-              <a:t>Investment</a:t>
-            </a:r>
-            <a:r>
-              <a:rPr lang="sl-SI" i="1" dirty="0">
-                <a:effectLst/>
-              </a:rPr>
-              <a:t> </a:t>
-            </a:r>
-            <a:r>
-              <a:rPr lang="sl-SI" i="1" dirty="0" err="1">
-                <a:effectLst/>
-              </a:rPr>
-              <a:t>policies</a:t>
-            </a:r>
-            <a:r>
-              <a:rPr lang="sl-SI" i="1" dirty="0">
-                <a:effectLst/>
-              </a:rPr>
-              <a:t> </a:t>
-            </a:r>
-            <a:r>
-              <a:rPr lang="sl-SI" i="1" dirty="0" err="1">
-                <a:effectLst/>
-              </a:rPr>
-              <a:t>for</a:t>
-            </a:r>
-            <a:r>
-              <a:rPr lang="sl-SI" i="1" dirty="0">
-                <a:effectLst/>
-              </a:rPr>
-              <a:t> </a:t>
-            </a:r>
-            <a:r>
-              <a:rPr lang="sl-SI" i="1" dirty="0" err="1">
-                <a:effectLst/>
-              </a:rPr>
-              <a:t>college</a:t>
-            </a:r>
-            <a:r>
-              <a:rPr lang="sl-SI" i="1" dirty="0">
-                <a:effectLst/>
-              </a:rPr>
-              <a:t> </a:t>
-            </a:r>
-            <a:r>
-              <a:rPr lang="sl-SI" i="1" dirty="0" err="1">
-                <a:effectLst/>
-              </a:rPr>
-              <a:t>and</a:t>
-            </a:r>
-            <a:r>
-              <a:rPr lang="sl-SI" i="1" dirty="0">
-                <a:effectLst/>
-              </a:rPr>
-              <a:t> </a:t>
-            </a:r>
-            <a:r>
-              <a:rPr lang="sl-SI" i="1" dirty="0" err="1">
-                <a:effectLst/>
-              </a:rPr>
-              <a:t>university</a:t>
-            </a:r>
-            <a:r>
-              <a:rPr lang="sl-SI" i="1" dirty="0">
-                <a:effectLst/>
-              </a:rPr>
-              <a:t> </a:t>
-            </a:r>
-            <a:r>
-              <a:rPr lang="sl-SI" i="1" dirty="0" err="1">
-                <a:effectLst/>
-              </a:rPr>
-              <a:t>endowments</a:t>
-            </a:r>
-            <a:r>
-              <a:rPr lang="sl-SI" i="1" dirty="0">
-                <a:effectLst/>
-              </a:rPr>
-              <a:t>. </a:t>
-            </a:r>
-            <a:r>
-              <a:rPr lang="sl-SI" i="1" dirty="0" err="1">
-                <a:effectLst/>
-              </a:rPr>
-              <a:t>Roles</a:t>
-            </a:r>
-            <a:r>
-              <a:rPr lang="sl-SI" i="1" dirty="0">
-                <a:effectLst/>
-              </a:rPr>
-              <a:t> </a:t>
-            </a:r>
-            <a:r>
-              <a:rPr lang="sl-SI" i="1" dirty="0" err="1">
-                <a:effectLst/>
-              </a:rPr>
-              <a:t>and</a:t>
-            </a:r>
-            <a:r>
-              <a:rPr lang="sl-SI" i="1" dirty="0">
-                <a:effectLst/>
-              </a:rPr>
-              <a:t> </a:t>
-            </a:r>
-            <a:r>
-              <a:rPr lang="sl-SI" i="1" dirty="0" err="1">
-                <a:effectLst/>
-              </a:rPr>
-              <a:t>Responsibilities</a:t>
-            </a:r>
-            <a:r>
-              <a:rPr lang="sl-SI" i="1" dirty="0">
-                <a:effectLst/>
-              </a:rPr>
-              <a:t> </a:t>
-            </a:r>
-            <a:r>
-              <a:rPr lang="sl-SI" i="1" dirty="0" err="1">
-                <a:effectLst/>
-              </a:rPr>
-              <a:t>of</a:t>
-            </a:r>
-            <a:r>
-              <a:rPr lang="sl-SI" i="1" dirty="0">
-                <a:effectLst/>
-              </a:rPr>
-              <a:t> </a:t>
-            </a:r>
-            <a:r>
-              <a:rPr lang="sl-SI" i="1" dirty="0" err="1">
-                <a:effectLst/>
-              </a:rPr>
-              <a:t>the</a:t>
-            </a:r>
-            <a:r>
-              <a:rPr lang="sl-SI" i="1" dirty="0">
-                <a:effectLst/>
-              </a:rPr>
-              <a:t> </a:t>
-            </a:r>
-            <a:r>
-              <a:rPr lang="sl-SI" i="1" dirty="0" err="1">
-                <a:effectLst/>
-              </a:rPr>
-              <a:t>Chief</a:t>
-            </a:r>
-            <a:r>
-              <a:rPr lang="sl-SI" i="1" dirty="0">
-                <a:effectLst/>
-              </a:rPr>
-              <a:t> </a:t>
-            </a:r>
-            <a:r>
-              <a:rPr lang="sl-SI" i="1" dirty="0" err="1">
-                <a:effectLst/>
-              </a:rPr>
-              <a:t>Financial</a:t>
-            </a:r>
-            <a:r>
-              <a:rPr lang="sl-SI" i="1" dirty="0">
-                <a:effectLst/>
-              </a:rPr>
-              <a:t> </a:t>
-            </a:r>
-            <a:r>
-              <a:rPr lang="sl-SI" i="1" dirty="0" err="1">
-                <a:effectLst/>
-              </a:rPr>
-              <a:t>Officer</a:t>
-            </a:r>
-            <a:r>
-              <a:rPr lang="sl-SI" i="1" dirty="0">
-                <a:effectLst/>
-              </a:rPr>
-              <a:t>: New </a:t>
-            </a:r>
-            <a:r>
-              <a:rPr lang="sl-SI" i="1" dirty="0" err="1">
-                <a:effectLst/>
-              </a:rPr>
-              <a:t>Directions</a:t>
-            </a:r>
-            <a:r>
-              <a:rPr lang="sl-SI" i="1" dirty="0">
-                <a:effectLst/>
-              </a:rPr>
-              <a:t> </a:t>
-            </a:r>
-            <a:r>
-              <a:rPr lang="sl-SI" i="1" dirty="0" err="1">
-                <a:effectLst/>
-              </a:rPr>
-              <a:t>for</a:t>
-            </a:r>
-            <a:r>
-              <a:rPr lang="sl-SI" i="1" dirty="0">
-                <a:effectLst/>
-              </a:rPr>
-              <a:t> </a:t>
-            </a:r>
-            <a:r>
-              <a:rPr lang="sl-SI" i="1" dirty="0" err="1">
-                <a:effectLst/>
-              </a:rPr>
-              <a:t>Higher</a:t>
-            </a:r>
-            <a:r>
-              <a:rPr lang="sl-SI" i="1" dirty="0">
-                <a:effectLst/>
-              </a:rPr>
-              <a:t> </a:t>
-            </a:r>
-            <a:r>
-              <a:rPr lang="sl-SI" i="1" dirty="0" err="1">
-                <a:effectLst/>
-              </a:rPr>
-              <a:t>Education</a:t>
-            </a:r>
-            <a:r>
-              <a:rPr lang="sl-SI" i="1" dirty="0">
-                <a:effectLst/>
-              </a:rPr>
-              <a:t> </a:t>
-            </a:r>
-            <a:r>
-              <a:rPr lang="sl-SI" dirty="0">
-                <a:effectLst/>
-              </a:rPr>
-              <a:t>, </a:t>
-            </a:r>
-            <a:r>
-              <a:rPr lang="sl-SI" dirty="0" err="1">
-                <a:effectLst/>
-              </a:rPr>
-              <a:t>Number</a:t>
-            </a:r>
-            <a:r>
-              <a:rPr lang="sl-SI" dirty="0">
-                <a:effectLst/>
-              </a:rPr>
-              <a:t> 107, 99, 51.</a:t>
-            </a:r>
-          </a:p>
-          <a:p>
-            <a:r>
-              <a:rPr lang="sl-SI" dirty="0">
-                <a:effectLst/>
-              </a:rPr>
-              <a:t>  </a:t>
-            </a:r>
-            <a:r>
-              <a:rPr lang="sl-SI" dirty="0" err="1">
-                <a:effectLst/>
-              </a:rPr>
-              <a:t>Wikipedia</a:t>
-            </a:r>
-            <a:r>
-              <a:rPr lang="sl-SI" dirty="0">
-                <a:effectLst/>
-              </a:rPr>
-              <a:t>: </a:t>
-            </a:r>
-            <a:r>
-              <a:rPr lang="sl-SI" i="1" dirty="0" err="1">
-                <a:effectLst/>
-              </a:rPr>
-              <a:t>The</a:t>
-            </a:r>
-            <a:r>
-              <a:rPr lang="sl-SI" i="1" dirty="0">
-                <a:effectLst/>
-              </a:rPr>
-              <a:t> </a:t>
-            </a:r>
-            <a:r>
-              <a:rPr lang="sl-SI" i="1" dirty="0" err="1">
-                <a:effectLst/>
-              </a:rPr>
-              <a:t>Free</a:t>
-            </a:r>
-            <a:r>
-              <a:rPr lang="sl-SI" i="1" dirty="0">
-                <a:effectLst/>
-              </a:rPr>
-              <a:t> </a:t>
-            </a:r>
-            <a:r>
-              <a:rPr lang="sl-SI" i="1" dirty="0" err="1">
-                <a:effectLst/>
-              </a:rPr>
-              <a:t>Encyclopedia</a:t>
-            </a:r>
-            <a:r>
-              <a:rPr lang="sl-SI" i="1" dirty="0">
-                <a:effectLst/>
-              </a:rPr>
-              <a:t>. List </a:t>
-            </a:r>
-            <a:r>
-              <a:rPr lang="sl-SI" i="1" dirty="0" err="1">
-                <a:effectLst/>
-              </a:rPr>
-              <a:t>of</a:t>
-            </a:r>
-            <a:r>
-              <a:rPr lang="sl-SI" i="1" dirty="0">
-                <a:effectLst/>
-              </a:rPr>
-              <a:t> </a:t>
-            </a:r>
-            <a:r>
-              <a:rPr lang="sl-SI" i="1" dirty="0" err="1">
-                <a:effectLst/>
-              </a:rPr>
-              <a:t>colleges</a:t>
-            </a:r>
-            <a:r>
-              <a:rPr lang="sl-SI" i="1" dirty="0">
-                <a:effectLst/>
-              </a:rPr>
-              <a:t> </a:t>
-            </a:r>
-            <a:r>
-              <a:rPr lang="sl-SI" i="1" dirty="0" err="1">
-                <a:effectLst/>
-              </a:rPr>
-              <a:t>and</a:t>
-            </a:r>
-            <a:r>
-              <a:rPr lang="sl-SI" i="1" dirty="0">
-                <a:effectLst/>
-              </a:rPr>
-              <a:t> </a:t>
-            </a:r>
-            <a:r>
-              <a:rPr lang="sl-SI" i="1" dirty="0" err="1">
-                <a:effectLst/>
-              </a:rPr>
-              <a:t>universities</a:t>
-            </a:r>
-            <a:r>
-              <a:rPr lang="sl-SI" i="1" dirty="0">
-                <a:effectLst/>
-              </a:rPr>
-              <a:t> in </a:t>
-            </a:r>
-            <a:r>
-              <a:rPr lang="sl-SI" i="1" dirty="0" err="1">
-                <a:effectLst/>
-              </a:rPr>
-              <a:t>the</a:t>
-            </a:r>
-            <a:r>
-              <a:rPr lang="sl-SI" i="1" dirty="0">
-                <a:effectLst/>
-              </a:rPr>
-              <a:t> </a:t>
-            </a:r>
-            <a:r>
-              <a:rPr lang="sl-SI" i="1" dirty="0" err="1">
-                <a:effectLst/>
-              </a:rPr>
-              <a:t>United</a:t>
-            </a:r>
-            <a:r>
-              <a:rPr lang="sl-SI" i="1" dirty="0">
-                <a:effectLst/>
-              </a:rPr>
-              <a:t> </a:t>
-            </a:r>
-            <a:r>
-              <a:rPr lang="sl-SI" i="1" dirty="0" err="1">
-                <a:effectLst/>
-              </a:rPr>
-              <a:t>States</a:t>
-            </a:r>
-            <a:r>
-              <a:rPr lang="sl-SI" i="1" dirty="0">
-                <a:effectLst/>
-              </a:rPr>
-              <a:t> </a:t>
-            </a:r>
-            <a:r>
-              <a:rPr lang="sl-SI" i="1" dirty="0" err="1">
-                <a:effectLst/>
-              </a:rPr>
-              <a:t>by</a:t>
-            </a:r>
-            <a:r>
-              <a:rPr lang="sl-SI" i="1" dirty="0">
-                <a:effectLst/>
-              </a:rPr>
-              <a:t> </a:t>
-            </a:r>
-            <a:r>
-              <a:rPr lang="sl-SI" i="1" dirty="0" err="1">
-                <a:effectLst/>
-              </a:rPr>
-              <a:t>endowment</a:t>
-            </a:r>
-            <a:r>
-              <a:rPr lang="sl-SI" i="1" dirty="0">
-                <a:effectLst/>
-              </a:rPr>
-              <a:t> </a:t>
-            </a:r>
-            <a:r>
-              <a:rPr lang="sl-SI" dirty="0">
-                <a:effectLst/>
-              </a:rPr>
-              <a:t>, Pridobljeno 12. maja 2020 iz  https://en.wikipedia.org/wiki/List_of_colleges_and_universities_in_the_United_States_by_endowment .</a:t>
+              <a:t> Zasebne fundacije se razlikujejo od javnih dobrodelnih organizacij, ki so oproščene davkov, in sicer po ozkih osnovah nadzora in finančne podpore.</a:t>
             </a:r>
             <a:endParaRPr lang="sl-SI" dirty="0"/>
           </a:p>
@@ -5071,7 +6748,1101 @@
     </p:spTree>
     <p:extLst>
       <p:ext uri="{BB962C8B-B14F-4D97-AF65-F5344CB8AC3E}">
-        <p14:creationId xmlns:p14="http://schemas.microsoft.com/office/powerpoint/2010/main" val="496387737"/>
+        <p14:creationId xmlns:p14="http://schemas.microsoft.com/office/powerpoint/2010/main" val="2484735251"/>
+      </p:ext>
+    </p:extLst>
+  </p:cSld>
+  <p:clrMapOvr>
+    <a:masterClrMapping/>
+  </p:clrMapOvr>
+</p:sld>
+</file>
+
+<file path=ppt/slides/slide7.xml><?xml version="1.0" encoding="utf-8"?>
+<p:sld xmlns:a="http://schemas.openxmlformats.org/drawingml/2006/main" xmlns:r="http://schemas.openxmlformats.org/officeDocument/2006/relationships" xmlns:p="http://schemas.openxmlformats.org/presentationml/2006/main">
+  <p:cSld>
+    <p:spTree>
+      <p:nvGrpSpPr>
+        <p:cNvPr id="1" name=""/>
+        <p:cNvGrpSpPr/>
+        <p:nvPr/>
+      </p:nvGrpSpPr>
+      <p:grpSpPr>
+        <a:xfrm>
+          <a:off x="0" y="0"/>
+          <a:ext cx="0" cy="0"/>
+          <a:chOff x="0" y="0"/>
+          <a:chExt cx="0" cy="0"/>
+        </a:xfrm>
+      </p:grpSpPr>
+      <p:sp>
+        <p:nvSpPr>
+          <p:cNvPr id="3" name="Označba mesta vsebine 2">
+            <a:extLst>
+              <a:ext uri="{FF2B5EF4-FFF2-40B4-BE49-F238E27FC236}">
+                <a16:creationId xmlns:a16="http://schemas.microsoft.com/office/drawing/2014/main" id="{172A0F90-3B94-4228-B2B3-81C919330DD4}"/>
+              </a:ext>
+            </a:extLst>
+          </p:cNvPr>
+          <p:cNvSpPr>
+            <a:spLocks noGrp="1"/>
+          </p:cNvSpPr>
+          <p:nvPr>
+            <p:ph idx="1"/>
+          </p:nvPr>
+        </p:nvSpPr>
+        <p:spPr>
+          <a:xfrm>
+            <a:off x="838200" y="1011382"/>
+            <a:ext cx="10515600" cy="5165581"/>
+          </a:xfrm>
+        </p:spPr>
+        <p:txBody>
+          <a:bodyPr/>
+          <a:lstStyle/>
+          <a:p>
+            <a:r>
+              <a:rPr lang="sl-SI" dirty="0">
+                <a:effectLst/>
+              </a:rPr>
+              <a:t> Med letoma 2002 in 2010 se je delež naložbenih sredstev, vloženih v lastniške deleže, zmanjšal s 50 % na 31 %.</a:t>
+            </a:r>
+          </a:p>
+          <a:p>
+            <a:r>
+              <a:rPr lang="sl-SI" dirty="0">
+                <a:effectLst/>
+              </a:rPr>
+              <a:t> Od leta 2010 se je delež premoženjskih sredstev, vloženih v delnice, povečal na 36 %.</a:t>
+            </a:r>
+          </a:p>
+          <a:p>
+            <a:r>
+              <a:rPr lang="sl-SI" dirty="0">
+                <a:effectLst/>
+              </a:rPr>
+              <a:t> Odstotek sredstev, vloženih v stalni dohodek, se je v obdobju 2002 do 2017 zmanjšal s 23 % na 8 %. Medtem ko se je delež sredstev, ki se vlagajo v kapital in stalni dohodek, zmanjšal, se je delež sredstev, vloženih v alternativne strategije, povečeval.</a:t>
+            </a:r>
+          </a:p>
+          <a:p>
+            <a:r>
+              <a:rPr lang="sl-SI" dirty="0">
+                <a:effectLst/>
+              </a:rPr>
+              <a:t> Glavni dohodek fundacij so pa seveda donacije.</a:t>
+            </a:r>
+          </a:p>
+          <a:p>
+            <a:r>
+              <a:rPr lang="sl-SI" dirty="0">
+                <a:effectLst/>
+              </a:rPr>
+              <a:t> Dostop do strokovnega znanja.</a:t>
+            </a:r>
+          </a:p>
+          <a:p>
+            <a:r>
+              <a:rPr lang="sl-SI" dirty="0">
+                <a:effectLst/>
+              </a:rPr>
+              <a:t> Najbolj uspešne fundacije imajo dostop do alternativnih naložb, ki zahtevajo daljša obdobja naložbe in višje minimalne naložbe, kot si jih lahko privošči večina posameznih vlagateljev.</a:t>
+            </a:r>
+            <a:endParaRPr lang="sl-SI" dirty="0"/>
+          </a:p>
+        </p:txBody>
+      </p:sp>
+    </p:spTree>
+    <p:extLst>
+      <p:ext uri="{BB962C8B-B14F-4D97-AF65-F5344CB8AC3E}">
+        <p14:creationId xmlns:p14="http://schemas.microsoft.com/office/powerpoint/2010/main" val="1516166585"/>
+      </p:ext>
+    </p:extLst>
+  </p:cSld>
+  <p:clrMapOvr>
+    <a:masterClrMapping/>
+  </p:clrMapOvr>
+</p:sld>
+</file>
+
+<file path=ppt/slides/slide8.xml><?xml version="1.0" encoding="utf-8"?>
+<p:sld xmlns:a="http://schemas.openxmlformats.org/drawingml/2006/main" xmlns:r="http://schemas.openxmlformats.org/officeDocument/2006/relationships" xmlns:p="http://schemas.openxmlformats.org/presentationml/2006/main">
+  <p:cSld>
+    <p:spTree>
+      <p:nvGrpSpPr>
+        <p:cNvPr id="1" name=""/>
+        <p:cNvGrpSpPr/>
+        <p:nvPr/>
+      </p:nvGrpSpPr>
+      <p:grpSpPr>
+        <a:xfrm>
+          <a:off x="0" y="0"/>
+          <a:ext cx="0" cy="0"/>
+          <a:chOff x="0" y="0"/>
+          <a:chExt cx="0" cy="0"/>
+        </a:xfrm>
+      </p:grpSpPr>
+      <p:sp>
+        <p:nvSpPr>
+          <p:cNvPr id="2" name="Naslov 1"/>
+          <p:cNvSpPr>
+            <a:spLocks noGrp="1"/>
+          </p:cNvSpPr>
+          <p:nvPr>
+            <p:ph type="title"/>
+          </p:nvPr>
+        </p:nvSpPr>
+        <p:spPr/>
+        <p:txBody>
+          <a:bodyPr>
+            <a:normAutofit fontScale="90000"/>
+          </a:bodyPr>
+          <a:lstStyle/>
+          <a:p>
+            <a:r>
+              <a:rPr lang="en-US" dirty="0" err="1" smtClean="0"/>
+              <a:t>Pregled</a:t>
+            </a:r>
+            <a:r>
+              <a:rPr lang="en-US" dirty="0" smtClean="0"/>
+              <a:t> </a:t>
+            </a:r>
+            <a:r>
+              <a:rPr lang="en-US" dirty="0" err="1"/>
+              <a:t>uporabe</a:t>
+            </a:r>
+            <a:r>
+              <a:rPr lang="en-US" dirty="0"/>
+              <a:t> </a:t>
+            </a:r>
+            <a:r>
+              <a:rPr lang="en-US" dirty="0" err="1"/>
+              <a:t>sredstev</a:t>
+            </a:r>
+            <a:r>
+              <a:rPr lang="en-US" dirty="0"/>
+              <a:t> </a:t>
+            </a:r>
+            <a:r>
+              <a:rPr lang="en-US" dirty="0" err="1"/>
+              <a:t>univerze</a:t>
+            </a:r>
+            <a:r>
+              <a:rPr lang="en-US" dirty="0"/>
+              <a:t> Harvard</a:t>
+            </a:r>
+          </a:p>
+        </p:txBody>
+      </p:sp>
+      <p:sp>
+        <p:nvSpPr>
+          <p:cNvPr id="3" name="Označba mesta vsebine 2"/>
+          <p:cNvSpPr>
+            <a:spLocks noGrp="1"/>
+          </p:cNvSpPr>
+          <p:nvPr>
+            <p:ph idx="1"/>
+          </p:nvPr>
+        </p:nvSpPr>
+        <p:spPr/>
+        <p:txBody>
+          <a:bodyPr/>
+          <a:lstStyle/>
+          <a:p>
+            <a:r>
+              <a:rPr lang="en-US" dirty="0" err="1"/>
+              <a:t>Fundacija</a:t>
+            </a:r>
+            <a:r>
+              <a:rPr lang="en-US" dirty="0"/>
+              <a:t> </a:t>
+            </a:r>
+            <a:r>
+              <a:rPr lang="en-US" dirty="0" err="1"/>
+              <a:t>univerze</a:t>
+            </a:r>
+            <a:r>
+              <a:rPr lang="en-US" dirty="0"/>
+              <a:t> Harvard je </a:t>
+            </a:r>
+            <a:r>
+              <a:rPr lang="en-US" dirty="0" err="1"/>
+              <a:t>stalen</a:t>
+            </a:r>
+            <a:r>
+              <a:rPr lang="en-US" dirty="0"/>
+              <a:t> </a:t>
+            </a:r>
+            <a:r>
+              <a:rPr lang="en-US" dirty="0" err="1"/>
+              <a:t>vir</a:t>
+            </a:r>
+            <a:r>
+              <a:rPr lang="en-US" dirty="0"/>
+              <a:t> </a:t>
+            </a:r>
+            <a:r>
+              <a:rPr lang="en-US" dirty="0" err="1"/>
+              <a:t>financiranja</a:t>
+            </a:r>
+            <a:r>
+              <a:rPr lang="en-US" dirty="0"/>
+              <a:t>, </a:t>
+            </a:r>
+            <a:r>
+              <a:rPr lang="en-US" dirty="0" err="1"/>
+              <a:t>ki</a:t>
+            </a:r>
+            <a:r>
+              <a:rPr lang="en-US" dirty="0"/>
+              <a:t> </a:t>
+            </a:r>
+            <a:r>
+              <a:rPr lang="en-US" dirty="0" err="1"/>
+              <a:t>vzdržuje</a:t>
+            </a:r>
+            <a:r>
+              <a:rPr lang="en-US" dirty="0"/>
+              <a:t> </a:t>
+            </a:r>
+            <a:r>
+              <a:rPr lang="en-US" dirty="0" err="1"/>
+              <a:t>učiteljsko</a:t>
+            </a:r>
+            <a:r>
+              <a:rPr lang="en-US" dirty="0"/>
+              <a:t> in </a:t>
+            </a:r>
+            <a:r>
+              <a:rPr lang="en-US" dirty="0" err="1"/>
+              <a:t>raziskovalno</a:t>
+            </a:r>
+            <a:r>
+              <a:rPr lang="en-US" dirty="0"/>
+              <a:t> </a:t>
+            </a:r>
+            <a:r>
+              <a:rPr lang="en-US" dirty="0" err="1"/>
+              <a:t>poslanstvo</a:t>
+            </a:r>
+            <a:r>
+              <a:rPr lang="en-US" dirty="0"/>
+              <a:t> </a:t>
+            </a:r>
+            <a:r>
+              <a:rPr lang="en-US" dirty="0" err="1"/>
+              <a:t>univerze</a:t>
+            </a:r>
+            <a:r>
+              <a:rPr lang="en-US" dirty="0" smtClean="0"/>
+              <a:t>.</a:t>
+            </a:r>
+            <a:endParaRPr lang="sl-SI" dirty="0" smtClean="0"/>
+          </a:p>
+          <a:p>
+            <a:r>
+              <a:rPr lang="en-US" dirty="0" err="1"/>
+              <a:t>Sestavljene</a:t>
+            </a:r>
+            <a:r>
+              <a:rPr lang="en-US" dirty="0"/>
+              <a:t> so </a:t>
+            </a:r>
+            <a:r>
+              <a:rPr lang="en-US" dirty="0" err="1"/>
+              <a:t>iz</a:t>
+            </a:r>
+            <a:r>
+              <a:rPr lang="en-US" dirty="0"/>
+              <a:t> </a:t>
+            </a:r>
+            <a:r>
+              <a:rPr lang="en-US" dirty="0" err="1"/>
+              <a:t>več</a:t>
+            </a:r>
+            <a:r>
+              <a:rPr lang="en-US" dirty="0"/>
+              <a:t> </a:t>
+            </a:r>
+            <a:r>
+              <a:rPr lang="en-US" dirty="0" err="1"/>
+              <a:t>kot</a:t>
+            </a:r>
+            <a:r>
+              <a:rPr lang="en-US" dirty="0"/>
+              <a:t> 13.000 </a:t>
+            </a:r>
+            <a:r>
+              <a:rPr lang="en-US" dirty="0" err="1"/>
+              <a:t>skladov</a:t>
+            </a:r>
+            <a:r>
+              <a:rPr lang="en-US" dirty="0"/>
+              <a:t>, </a:t>
+            </a:r>
+            <a:r>
+              <a:rPr lang="en-US" dirty="0" err="1"/>
+              <a:t>ki</a:t>
+            </a:r>
+            <a:r>
+              <a:rPr lang="en-US" dirty="0"/>
+              <a:t> so </a:t>
+            </a:r>
+            <a:r>
+              <a:rPr lang="en-US" dirty="0" err="1"/>
+              <a:t>omogočili</a:t>
+            </a:r>
+            <a:r>
+              <a:rPr lang="en-US" dirty="0"/>
+              <a:t> </a:t>
+            </a:r>
+            <a:r>
+              <a:rPr lang="en-US" dirty="0" err="1"/>
+              <a:t>programe</a:t>
+            </a:r>
+            <a:r>
+              <a:rPr lang="en-US" dirty="0"/>
+              <a:t> </a:t>
+            </a:r>
+            <a:r>
+              <a:rPr lang="en-US" dirty="0" err="1"/>
+              <a:t>finančne</a:t>
+            </a:r>
+            <a:r>
+              <a:rPr lang="en-US" dirty="0"/>
+              <a:t> </a:t>
+            </a:r>
+            <a:r>
+              <a:rPr lang="en-US" dirty="0" err="1"/>
+              <a:t>pomoči</a:t>
+            </a:r>
+            <a:r>
+              <a:rPr lang="en-US" dirty="0"/>
+              <a:t>, </a:t>
+            </a:r>
+            <a:r>
+              <a:rPr lang="en-US" dirty="0" err="1"/>
+              <a:t>odkritja</a:t>
+            </a:r>
+            <a:r>
+              <a:rPr lang="en-US" dirty="0"/>
+              <a:t> </a:t>
+            </a:r>
+            <a:r>
+              <a:rPr lang="en-US" dirty="0" err="1"/>
+              <a:t>znanstvenih</a:t>
+            </a:r>
+            <a:r>
+              <a:rPr lang="en-US" dirty="0"/>
+              <a:t> </a:t>
+            </a:r>
+            <a:r>
+              <a:rPr lang="en-US" dirty="0" err="1"/>
+              <a:t>raziskav</a:t>
+            </a:r>
+            <a:r>
+              <a:rPr lang="en-US" dirty="0"/>
+              <a:t> in </a:t>
+            </a:r>
+            <a:r>
+              <a:rPr lang="en-US" dirty="0" err="1"/>
+              <a:t>podpore</a:t>
+            </a:r>
+            <a:r>
+              <a:rPr lang="en-US" dirty="0"/>
+              <a:t> </a:t>
+            </a:r>
+            <a:r>
+              <a:rPr lang="en-US" dirty="0" err="1"/>
+              <a:t>profesorjem</a:t>
+            </a:r>
+            <a:r>
+              <a:rPr lang="en-US" dirty="0"/>
+              <a:t> </a:t>
+            </a:r>
+            <a:r>
+              <a:rPr lang="en-US" dirty="0" err="1"/>
+              <a:t>na</a:t>
+            </a:r>
+            <a:r>
+              <a:rPr lang="en-US" dirty="0"/>
+              <a:t> </a:t>
+            </a:r>
+            <a:r>
+              <a:rPr lang="en-US" dirty="0" err="1"/>
+              <a:t>najrazličnejših</a:t>
+            </a:r>
+            <a:r>
+              <a:rPr lang="en-US" dirty="0"/>
+              <a:t> </a:t>
+            </a:r>
+            <a:r>
+              <a:rPr lang="en-US" dirty="0" err="1"/>
+              <a:t>akademskih</a:t>
+            </a:r>
+            <a:r>
+              <a:rPr lang="en-US" dirty="0"/>
+              <a:t> </a:t>
+            </a:r>
+            <a:r>
+              <a:rPr lang="en-US" dirty="0" err="1"/>
+              <a:t>področjih</a:t>
+            </a:r>
+            <a:r>
+              <a:rPr lang="en-US" dirty="0" smtClean="0"/>
+              <a:t>.</a:t>
+            </a:r>
+            <a:endParaRPr lang="sl-SI" dirty="0" smtClean="0"/>
+          </a:p>
+          <a:p>
+            <a:r>
+              <a:rPr lang="en-US" dirty="0" err="1"/>
+              <a:t>Vsako</a:t>
+            </a:r>
+            <a:r>
+              <a:rPr lang="en-US" dirty="0"/>
+              <a:t> </a:t>
+            </a:r>
+            <a:r>
+              <a:rPr lang="en-US" dirty="0" err="1"/>
+              <a:t>leto</a:t>
+            </a:r>
+            <a:r>
+              <a:rPr lang="en-US" dirty="0"/>
+              <a:t> se del </a:t>
+            </a:r>
+            <a:r>
+              <a:rPr lang="en-US" dirty="0" err="1"/>
+              <a:t>sredstev</a:t>
+            </a:r>
+            <a:r>
+              <a:rPr lang="en-US" dirty="0"/>
+              <a:t> </a:t>
+            </a:r>
+            <a:r>
+              <a:rPr lang="en-US" dirty="0" err="1"/>
+              <a:t>dodeli</a:t>
+            </a:r>
+            <a:r>
+              <a:rPr lang="en-US" dirty="0"/>
+              <a:t> </a:t>
+            </a:r>
+            <a:r>
+              <a:rPr lang="en-US" dirty="0" err="1"/>
+              <a:t>kot</a:t>
+            </a:r>
+            <a:r>
+              <a:rPr lang="en-US" dirty="0"/>
+              <a:t> </a:t>
+            </a:r>
+            <a:r>
+              <a:rPr lang="en-US" dirty="0" err="1"/>
+              <a:t>letna</a:t>
+            </a:r>
+            <a:r>
+              <a:rPr lang="en-US" dirty="0"/>
+              <a:t> </a:t>
+            </a:r>
+            <a:r>
+              <a:rPr lang="en-US" dirty="0" err="1"/>
+              <a:t>distribucija</a:t>
+            </a:r>
+            <a:r>
+              <a:rPr lang="en-US" dirty="0"/>
+              <a:t> </a:t>
+            </a:r>
+            <a:r>
+              <a:rPr lang="en-US" dirty="0" err="1"/>
+              <a:t>za</a:t>
+            </a:r>
+            <a:r>
+              <a:rPr lang="en-US" dirty="0"/>
+              <a:t> </a:t>
+            </a:r>
+            <a:r>
+              <a:rPr lang="en-US" dirty="0" err="1"/>
+              <a:t>podporo</a:t>
+            </a:r>
+            <a:r>
+              <a:rPr lang="en-US" dirty="0"/>
+              <a:t> </a:t>
+            </a:r>
+            <a:r>
+              <a:rPr lang="en-US" dirty="0" err="1"/>
+              <a:t>univerzitetnemu</a:t>
+            </a:r>
+            <a:r>
+              <a:rPr lang="en-US" dirty="0"/>
+              <a:t> </a:t>
+            </a:r>
+            <a:r>
+              <a:rPr lang="en-US" dirty="0" err="1"/>
+              <a:t>proračunu</a:t>
+            </a:r>
+            <a:r>
+              <a:rPr lang="en-US" dirty="0"/>
+              <a:t>, </a:t>
+            </a:r>
+            <a:r>
+              <a:rPr lang="en-US" dirty="0" err="1"/>
+              <a:t>pri</a:t>
+            </a:r>
+            <a:r>
+              <a:rPr lang="en-US" dirty="0"/>
+              <a:t> tem pa se </a:t>
+            </a:r>
+            <a:r>
+              <a:rPr lang="en-US" dirty="0" err="1"/>
+              <a:t>vsak</a:t>
+            </a:r>
+            <a:r>
+              <a:rPr lang="en-US" dirty="0"/>
+              <a:t> </a:t>
+            </a:r>
+            <a:r>
+              <a:rPr lang="en-US" dirty="0" err="1"/>
+              <a:t>presežek</a:t>
+            </a:r>
+            <a:r>
+              <a:rPr lang="en-US" dirty="0"/>
+              <a:t> </a:t>
+            </a:r>
+            <a:r>
+              <a:rPr lang="en-US" dirty="0" err="1"/>
+              <a:t>te</a:t>
+            </a:r>
+            <a:r>
+              <a:rPr lang="en-US" dirty="0"/>
+              <a:t> </a:t>
+            </a:r>
+            <a:r>
+              <a:rPr lang="en-US" dirty="0" err="1"/>
+              <a:t>letne</a:t>
+            </a:r>
+            <a:r>
+              <a:rPr lang="en-US" dirty="0"/>
+              <a:t> </a:t>
+            </a:r>
+            <a:r>
+              <a:rPr lang="en-US" dirty="0" err="1"/>
+              <a:t>dodelitve</a:t>
+            </a:r>
+            <a:r>
+              <a:rPr lang="en-US" dirty="0"/>
+              <a:t> </a:t>
+            </a:r>
+            <a:r>
+              <a:rPr lang="en-US" dirty="0" err="1"/>
+              <a:t>obdrži</a:t>
+            </a:r>
+            <a:r>
+              <a:rPr lang="en-US" dirty="0"/>
+              <a:t> v </a:t>
+            </a:r>
+            <a:r>
+              <a:rPr lang="en-US" dirty="0" err="1"/>
+              <a:t>fundaciji</a:t>
+            </a:r>
+            <a:r>
+              <a:rPr lang="en-US" dirty="0"/>
+              <a:t>, da </a:t>
+            </a:r>
+            <a:r>
+              <a:rPr lang="en-US" dirty="0" err="1"/>
+              <a:t>lahko</a:t>
+            </a:r>
+            <a:r>
+              <a:rPr lang="en-US" dirty="0"/>
+              <a:t> </a:t>
+            </a:r>
+            <a:r>
+              <a:rPr lang="en-US" dirty="0" err="1"/>
+              <a:t>skozi</a:t>
+            </a:r>
+            <a:r>
+              <a:rPr lang="en-US" dirty="0"/>
+              <a:t> </a:t>
+            </a:r>
+            <a:r>
+              <a:rPr lang="en-US" dirty="0" err="1"/>
+              <a:t>obdobje</a:t>
+            </a:r>
+            <a:r>
+              <a:rPr lang="en-US" dirty="0"/>
+              <a:t> </a:t>
+            </a:r>
+            <a:r>
+              <a:rPr lang="en-US" dirty="0" err="1"/>
+              <a:t>raste</a:t>
+            </a:r>
+            <a:r>
+              <a:rPr lang="en-US" dirty="0"/>
+              <a:t> in s tem </a:t>
+            </a:r>
+            <a:r>
+              <a:rPr lang="en-US" dirty="0" err="1"/>
+              <a:t>podpira</a:t>
+            </a:r>
+            <a:r>
+              <a:rPr lang="en-US" dirty="0"/>
+              <a:t> </a:t>
+            </a:r>
+            <a:r>
+              <a:rPr lang="en-US" dirty="0" err="1"/>
+              <a:t>prihodnje</a:t>
+            </a:r>
+            <a:r>
+              <a:rPr lang="en-US" dirty="0"/>
+              <a:t> </a:t>
+            </a:r>
+            <a:r>
+              <a:rPr lang="en-US" dirty="0" err="1"/>
+              <a:t>generacije</a:t>
+            </a:r>
+            <a:r>
+              <a:rPr lang="en-US" dirty="0" smtClean="0"/>
+              <a:t>.</a:t>
+            </a:r>
+            <a:endParaRPr lang="sl-SI" dirty="0" smtClean="0"/>
+          </a:p>
+          <a:p>
+            <a:r>
+              <a:rPr lang="en-US" dirty="0"/>
+              <a:t>V </a:t>
+            </a:r>
+            <a:r>
+              <a:rPr lang="en-US" dirty="0" err="1"/>
+              <a:t>proračunskem</a:t>
+            </a:r>
+            <a:r>
+              <a:rPr lang="en-US" dirty="0"/>
+              <a:t> </a:t>
+            </a:r>
+            <a:r>
+              <a:rPr lang="en-US" dirty="0" err="1"/>
+              <a:t>letu</a:t>
+            </a:r>
+            <a:r>
+              <a:rPr lang="en-US" dirty="0"/>
+              <a:t>, </a:t>
+            </a:r>
+            <a:r>
+              <a:rPr lang="en-US" dirty="0" err="1"/>
+              <a:t>ki</a:t>
+            </a:r>
+            <a:r>
+              <a:rPr lang="en-US" dirty="0"/>
+              <a:t> se je </a:t>
+            </a:r>
+            <a:r>
+              <a:rPr lang="en-US" dirty="0" err="1"/>
+              <a:t>zaključilo</a:t>
+            </a:r>
+            <a:r>
+              <a:rPr lang="en-US" dirty="0"/>
+              <a:t> </a:t>
+            </a:r>
+            <a:r>
+              <a:rPr lang="en-US" dirty="0" smtClean="0"/>
+              <a:t>30.6.2019</a:t>
+            </a:r>
+            <a:r>
+              <a:rPr lang="en-US" dirty="0"/>
+              <a:t>, je </a:t>
+            </a:r>
+            <a:r>
+              <a:rPr lang="en-US" dirty="0" err="1"/>
+              <a:t>bilo</a:t>
+            </a:r>
+            <a:r>
+              <a:rPr lang="en-US" dirty="0"/>
+              <a:t> </a:t>
+            </a:r>
+            <a:r>
+              <a:rPr lang="en-US" dirty="0" err="1"/>
+              <a:t>dodeljenih</a:t>
+            </a:r>
+            <a:r>
+              <a:rPr lang="en-US" dirty="0"/>
+              <a:t> 1,9 </a:t>
+            </a:r>
+            <a:r>
+              <a:rPr lang="en-US" dirty="0" err="1"/>
+              <a:t>milijarde</a:t>
+            </a:r>
+            <a:r>
+              <a:rPr lang="en-US" dirty="0"/>
+              <a:t> USD, </a:t>
+            </a:r>
+            <a:r>
+              <a:rPr lang="en-US" dirty="0" err="1"/>
+              <a:t>kar</a:t>
+            </a:r>
+            <a:r>
+              <a:rPr lang="en-US" dirty="0"/>
+              <a:t> je </a:t>
+            </a:r>
+            <a:r>
+              <a:rPr lang="en-US" dirty="0" err="1"/>
+              <a:t>prispevalo</a:t>
+            </a:r>
+            <a:r>
+              <a:rPr lang="en-US" dirty="0"/>
+              <a:t> </a:t>
+            </a:r>
+            <a:r>
+              <a:rPr lang="en-US" dirty="0" err="1"/>
+              <a:t>več</a:t>
+            </a:r>
+            <a:r>
+              <a:rPr lang="en-US" dirty="0"/>
+              <a:t> </a:t>
+            </a:r>
+            <a:r>
+              <a:rPr lang="en-US" dirty="0" err="1"/>
+              <a:t>kot</a:t>
+            </a:r>
+            <a:r>
+              <a:rPr lang="en-US" dirty="0"/>
+              <a:t> </a:t>
+            </a:r>
+            <a:r>
+              <a:rPr lang="en-US" dirty="0" err="1"/>
+              <a:t>tretjino</a:t>
+            </a:r>
+            <a:r>
+              <a:rPr lang="en-US" dirty="0"/>
+              <a:t> </a:t>
+            </a:r>
+            <a:r>
+              <a:rPr lang="en-US" dirty="0" err="1"/>
+              <a:t>celotnih</a:t>
+            </a:r>
+            <a:r>
+              <a:rPr lang="en-US" dirty="0"/>
+              <a:t> </a:t>
+            </a:r>
+            <a:r>
+              <a:rPr lang="en-US" dirty="0" err="1"/>
+              <a:t>poslovnih</a:t>
+            </a:r>
+            <a:r>
+              <a:rPr lang="en-US" dirty="0"/>
+              <a:t> </a:t>
+            </a:r>
+            <a:r>
+              <a:rPr lang="en-US" dirty="0" err="1"/>
+              <a:t>prihodkov</a:t>
+            </a:r>
+            <a:r>
+              <a:rPr lang="en-US" dirty="0"/>
+              <a:t> </a:t>
+            </a:r>
+            <a:r>
+              <a:rPr lang="en-US" dirty="0" err="1"/>
+              <a:t>Harvarda</a:t>
+            </a:r>
+            <a:r>
+              <a:rPr lang="en-US" dirty="0"/>
+              <a:t> v tem </a:t>
+            </a:r>
+            <a:r>
+              <a:rPr lang="en-US" dirty="0" err="1"/>
+              <a:t>letu</a:t>
+            </a:r>
+            <a:r>
+              <a:rPr lang="en-US" dirty="0" smtClean="0"/>
+              <a:t>.</a:t>
+            </a:r>
+            <a:endParaRPr lang="sl-SI" dirty="0" smtClean="0"/>
+          </a:p>
+          <a:p>
+            <a:r>
+              <a:rPr lang="en-US" dirty="0" err="1"/>
+              <a:t>Velika</a:t>
+            </a:r>
+            <a:r>
+              <a:rPr lang="en-US" dirty="0"/>
+              <a:t> </a:t>
+            </a:r>
+            <a:r>
+              <a:rPr lang="en-US" dirty="0" err="1"/>
+              <a:t>večina</a:t>
+            </a:r>
+            <a:r>
+              <a:rPr lang="en-US" dirty="0"/>
+              <a:t> </a:t>
+            </a:r>
+            <a:r>
+              <a:rPr lang="en-US" dirty="0" err="1"/>
+              <a:t>sredstev</a:t>
+            </a:r>
+            <a:r>
+              <a:rPr lang="en-US" dirty="0"/>
+              <a:t> je </a:t>
+            </a:r>
+            <a:r>
+              <a:rPr lang="en-US" dirty="0" err="1"/>
+              <a:t>omejena</a:t>
+            </a:r>
+            <a:r>
+              <a:rPr lang="en-US" dirty="0"/>
+              <a:t> </a:t>
+            </a:r>
+            <a:r>
+              <a:rPr lang="en-US" dirty="0" err="1"/>
+              <a:t>na</a:t>
+            </a:r>
+            <a:r>
+              <a:rPr lang="en-US" dirty="0"/>
+              <a:t> </a:t>
+            </a:r>
+            <a:r>
+              <a:rPr lang="en-US" dirty="0" err="1"/>
+              <a:t>posebne</a:t>
+            </a:r>
+            <a:r>
+              <a:rPr lang="en-US" dirty="0"/>
+              <a:t> </a:t>
+            </a:r>
+            <a:r>
+              <a:rPr lang="en-US" dirty="0" err="1"/>
+              <a:t>programe</a:t>
+            </a:r>
+            <a:r>
+              <a:rPr lang="en-US" dirty="0"/>
+              <a:t>, </a:t>
+            </a:r>
+            <a:r>
+              <a:rPr lang="en-US" dirty="0" err="1"/>
+              <a:t>oddelke</a:t>
+            </a:r>
+            <a:r>
+              <a:rPr lang="en-US" dirty="0"/>
+              <a:t> in </a:t>
+            </a:r>
+            <a:r>
+              <a:rPr lang="en-US" dirty="0" err="1"/>
+              <a:t>namene</a:t>
+            </a:r>
+            <a:r>
+              <a:rPr lang="en-US" dirty="0"/>
+              <a:t> (</a:t>
+            </a:r>
+            <a:r>
+              <a:rPr lang="en-US" dirty="0" err="1"/>
+              <a:t>npr</a:t>
+            </a:r>
+            <a:r>
+              <a:rPr lang="en-US" dirty="0"/>
+              <a:t>. </a:t>
+            </a:r>
+            <a:r>
+              <a:rPr lang="en-US" dirty="0" err="1"/>
+              <a:t>namenske</a:t>
+            </a:r>
+            <a:r>
+              <a:rPr lang="en-US" dirty="0"/>
+              <a:t> </a:t>
+            </a:r>
+            <a:r>
+              <a:rPr lang="en-US" dirty="0" err="1"/>
+              <a:t>štipendije</a:t>
+            </a:r>
+            <a:r>
+              <a:rPr lang="en-US" dirty="0"/>
+              <a:t>, ...) in </a:t>
+            </a:r>
+            <a:r>
+              <a:rPr lang="en-US" dirty="0" err="1"/>
+              <a:t>jih</a:t>
+            </a:r>
+            <a:r>
+              <a:rPr lang="en-US" dirty="0"/>
+              <a:t> je </a:t>
+            </a:r>
+            <a:r>
+              <a:rPr lang="en-US" dirty="0" err="1"/>
+              <a:t>potrebno</a:t>
+            </a:r>
+            <a:r>
+              <a:rPr lang="en-US" dirty="0"/>
+              <a:t> </a:t>
+            </a:r>
+            <a:r>
+              <a:rPr lang="en-US" dirty="0" err="1"/>
+              <a:t>porabiti</a:t>
+            </a:r>
+            <a:r>
+              <a:rPr lang="en-US" dirty="0"/>
+              <a:t> v </a:t>
+            </a:r>
+            <a:r>
+              <a:rPr lang="en-US" dirty="0" err="1"/>
+              <a:t>skladu</a:t>
+            </a:r>
+            <a:r>
+              <a:rPr lang="en-US" dirty="0"/>
+              <a:t> s </a:t>
+            </a:r>
+            <a:r>
+              <a:rPr lang="en-US" dirty="0" err="1"/>
+              <a:t>pogoji</a:t>
+            </a:r>
+            <a:r>
+              <a:rPr lang="en-US" dirty="0"/>
+              <a:t>, </a:t>
+            </a:r>
+            <a:r>
+              <a:rPr lang="en-US" dirty="0" err="1"/>
+              <a:t>ki</a:t>
+            </a:r>
+            <a:r>
+              <a:rPr lang="en-US" dirty="0"/>
+              <a:t> </a:t>
+            </a:r>
+            <a:r>
+              <a:rPr lang="en-US" dirty="0" err="1"/>
+              <a:t>jih</a:t>
+            </a:r>
+            <a:r>
+              <a:rPr lang="en-US" dirty="0"/>
+              <a:t> je </a:t>
+            </a:r>
+            <a:r>
+              <a:rPr lang="en-US" dirty="0" err="1"/>
+              <a:t>določil</a:t>
+            </a:r>
+            <a:r>
+              <a:rPr lang="en-US" dirty="0"/>
+              <a:t> donator.</a:t>
+            </a:r>
+            <a:endParaRPr lang="sl-SI" dirty="0"/>
+          </a:p>
+        </p:txBody>
+      </p:sp>
+    </p:spTree>
+    <p:extLst>
+      <p:ext uri="{BB962C8B-B14F-4D97-AF65-F5344CB8AC3E}">
+        <p14:creationId xmlns:p14="http://schemas.microsoft.com/office/powerpoint/2010/main" val="1940303103"/>
+      </p:ext>
+    </p:extLst>
+  </p:cSld>
+  <p:clrMapOvr>
+    <a:masterClrMapping/>
+  </p:clrMapOvr>
+</p:sld>
+</file>
+
+<file path=ppt/slides/slide9.xml><?xml version="1.0" encoding="utf-8"?>
+<p:sld xmlns:a="http://schemas.openxmlformats.org/drawingml/2006/main" xmlns:r="http://schemas.openxmlformats.org/officeDocument/2006/relationships" xmlns:p="http://schemas.openxmlformats.org/presentationml/2006/main">
+  <p:cSld>
+    <p:spTree>
+      <p:nvGrpSpPr>
+        <p:cNvPr id="1" name=""/>
+        <p:cNvGrpSpPr/>
+        <p:nvPr/>
+      </p:nvGrpSpPr>
+      <p:grpSpPr>
+        <a:xfrm>
+          <a:off x="0" y="0"/>
+          <a:ext cx="0" cy="0"/>
+          <a:chOff x="0" y="0"/>
+          <a:chExt cx="0" cy="0"/>
+        </a:xfrm>
+      </p:grpSpPr>
+      <p:sp>
+        <p:nvSpPr>
+          <p:cNvPr id="2" name="Naslov 1"/>
+          <p:cNvSpPr>
+            <a:spLocks noGrp="1"/>
+          </p:cNvSpPr>
+          <p:nvPr>
+            <p:ph type="title"/>
+          </p:nvPr>
+        </p:nvSpPr>
+        <p:spPr>
+          <a:xfrm>
+            <a:off x="803563" y="4757393"/>
+            <a:ext cx="3477491" cy="1047661"/>
+          </a:xfrm>
+        </p:spPr>
+        <p:txBody>
+          <a:bodyPr>
+            <a:normAutofit/>
+          </a:bodyPr>
+          <a:lstStyle/>
+          <a:p>
+            <a:r>
+              <a:rPr lang="en-US" sz="3200" dirty="0" err="1"/>
+              <a:t>Uporaba</a:t>
+            </a:r>
+            <a:r>
+              <a:rPr lang="en-US" sz="3200" dirty="0"/>
+              <a:t> </a:t>
+            </a:r>
+            <a:r>
+              <a:rPr lang="en-US" sz="3200" dirty="0" err="1"/>
+              <a:t>sredstev</a:t>
+            </a:r>
+            <a:r>
+              <a:rPr lang="en-US" sz="3200" dirty="0"/>
+              <a:t> </a:t>
+            </a:r>
+            <a:r>
+              <a:rPr lang="sl-SI" sz="3200" dirty="0" smtClean="0"/>
+              <a:t/>
+            </a:r>
+            <a:br>
+              <a:rPr lang="sl-SI" sz="3200" dirty="0" smtClean="0"/>
+            </a:br>
+            <a:r>
+              <a:rPr lang="en-US" sz="3200" dirty="0" err="1" smtClean="0"/>
+              <a:t>univerze</a:t>
+            </a:r>
+            <a:r>
+              <a:rPr lang="en-US" sz="3200" dirty="0" smtClean="0"/>
+              <a:t> </a:t>
+            </a:r>
+            <a:r>
+              <a:rPr lang="en-US" sz="3200" dirty="0"/>
+              <a:t>Harvard</a:t>
+            </a:r>
+          </a:p>
+        </p:txBody>
+      </p:sp>
+      <p:pic>
+        <p:nvPicPr>
+          <p:cNvPr id="4" name="Označba mesta vsebine 3"/>
+          <p:cNvPicPr>
+            <a:picLocks noGrp="1" noChangeAspect="1"/>
+          </p:cNvPicPr>
+          <p:nvPr>
+            <p:ph idx="1"/>
+          </p:nvPr>
+        </p:nvPicPr>
+        <p:blipFill>
+          <a:blip r:embed="rId2">
+            <a:extLst>
+              <a:ext uri="{28A0092B-C50C-407E-A947-70E740481C1C}">
+                <a14:useLocalDpi xmlns:a14="http://schemas.microsoft.com/office/drawing/2010/main" val="0"/>
+              </a:ext>
+            </a:extLst>
+          </a:blip>
+          <a:stretch>
+            <a:fillRect/>
+          </a:stretch>
+        </p:blipFill>
+        <p:spPr>
+          <a:xfrm>
+            <a:off x="4786744" y="556410"/>
+            <a:ext cx="6199910" cy="5759159"/>
+          </a:xfrm>
+        </p:spPr>
+      </p:pic>
+    </p:spTree>
+    <p:extLst>
+      <p:ext uri="{BB962C8B-B14F-4D97-AF65-F5344CB8AC3E}">
+        <p14:creationId xmlns:p14="http://schemas.microsoft.com/office/powerpoint/2010/main" val="460496735"/>
       </p:ext>
     </p:extLst>
   </p:cSld>
@@ -5082,9 +7853,9 @@
 </file>
 
 <file path=ppt/theme/theme1.xml><?xml version="1.0" encoding="utf-8"?>
-<a:theme xmlns:a="http://schemas.openxmlformats.org/drawingml/2006/main" name="Officeova tema">
+<a:theme xmlns:a="http://schemas.openxmlformats.org/drawingml/2006/main" name="Milo">
   <a:themeElements>
-    <a:clrScheme name="Pisarna">
+    <a:clrScheme name="Milo">
       <a:dk1>
         <a:sysClr val="windowText" lastClr="000000"/>
       </a:dk1>
@@ -5092,100 +7863,48 @@
         <a:sysClr val="window" lastClr="FFFFFF"/>
       </a:lt1>
       <a:dk2>
-        <a:srgbClr val="44546A"/>
+        <a:srgbClr val="736059"/>
       </a:dk2>
       <a:lt2>
-        <a:srgbClr val="E7E6E6"/>
+        <a:srgbClr val="E7E0C7"/>
       </a:lt2>
       <a:accent1>
-        <a:srgbClr val="4472C4"/>
+        <a:srgbClr val="92B0C8"/>
       </a:accent1>
       <a:accent2>
-        <a:srgbClr val="ED7D31"/>
+        <a:srgbClr val="E37C3D"/>
       </a:accent2>
       <a:accent3>
-        <a:srgbClr val="A5A5A5"/>
+        <a:srgbClr val="A5AB81"/>
       </a:accent3>
       <a:accent4>
-        <a:srgbClr val="FFC000"/>
+        <a:srgbClr val="E9B635"/>
       </a:accent4>
       <a:accent5>
-        <a:srgbClr val="5B9BD5"/>
+        <a:srgbClr val="7BA79D"/>
       </a:accent5>
       <a:accent6>
-        <a:srgbClr val="70AD47"/>
+        <a:srgbClr val="968C8C"/>
       </a:accent6>
       <a:hlink>
-        <a:srgbClr val="0563C1"/>
+        <a:srgbClr val="F7A115"/>
       </a:hlink>
       <a:folHlink>
-        <a:srgbClr val="954F72"/>
+        <a:srgbClr val="969696"/>
       </a:folHlink>
     </a:clrScheme>
-    <a:fontScheme name="Pisarna">
+    <a:fontScheme name="Milo">
       <a:majorFont>
-        <a:latin typeface="Calibri Light" panose="020F0302020204030204"/>
+        <a:latin typeface="Garamond" panose="02020404030301010803"/>
         <a:ea typeface=""/>
         <a:cs typeface=""/>
-        <a:font script="Jpan" typeface="游ゴシック Light"/>
+        <a:font script="Jpan" typeface="ＭＳ ゴシック"/>
         <a:font script="Hang" typeface="맑은 고딕"/>
-        <a:font script="Hans" typeface="等线 Light"/>
+        <a:font script="Hans" typeface="宋体"/>
         <a:font script="Hant" typeface="新細明體"/>
-        <a:font script="Arab" typeface="Times New Roman"/>
-        <a:font script="Hebr" typeface="Times New Roman"/>
-        <a:font script="Thai" typeface="Angsana New"/>
-        <a:font script="Ethi" typeface="Nyala"/>
-        <a:font script="Beng" typeface="Vrinda"/>
-        <a:font script="Gujr" typeface="Shruti"/>
-        <a:font script="Khmr" typeface="MoolBoran"/>
-        <a:font script="Knda" typeface="Tunga"/>
-        <a:font script="Guru" typeface="Raavi"/>
-        <a:font script="Cans" typeface="Euphemia"/>
-        <a:font script="Cher" typeface="Plantagenet Cherokee"/>
-        <a:font script="Yiii" typeface="Microsoft Yi Baiti"/>
-        <a:font script="Tibt" typeface="Microsoft Himalaya"/>
-        <a:font script="Thaa" typeface="MV Boli"/>
-        <a:font script="Deva" typeface="Mangal"/>
-        <a:font script="Telu" typeface="Gautami"/>
-        <a:font script="Taml" typeface="Latha"/>
-        <a:font script="Syrc" typeface="Estrangelo Edessa"/>
-        <a:font script="Orya" typeface="Kalinga"/>
-        <a:font script="Mlym" typeface="Kartika"/>
-        <a:font script="Laoo" typeface="DokChampa"/>
-        <a:font script="Sinh" typeface="Iskoola Pota"/>
-        <a:font script="Mong" typeface="Mongolian Baiti"/>
-        <a:font script="Viet" typeface="Times New Roman"/>
-        <a:font script="Uigh" typeface="Microsoft Uighur"/>
-        <a:font script="Geor" typeface="Sylfaen"/>
-        <a:font script="Armn" typeface="Arial"/>
-        <a:font script="Bugi" typeface="Leelawadee UI"/>
-        <a:font script="Bopo" typeface="Microsoft JhengHei"/>
-        <a:font script="Java" typeface="Javanese Text"/>
-        <a:font script="Lisu" typeface="Segoe UI"/>
-        <a:font script="Mymr" typeface="Myanmar Text"/>
-        <a:font script="Nkoo" typeface="Ebrima"/>
-        <a:font script="Olck" typeface="Nirmala UI"/>
-        <a:font script="Osma" typeface="Ebrima"/>
-        <a:font script="Phag" typeface="Phagspa"/>
-        <a:font script="Syrn" typeface="Estrangelo Edessa"/>
-        <a:font script="Syrj" typeface="Estrangelo Edessa"/>
-        <a:font script="Syre" typeface="Estrangelo Edessa"/>
-        <a:font script="Sora" typeface="Nirmala UI"/>
-        <a:font script="Tale" typeface="Microsoft Tai Le"/>
-        <a:font script="Talu" typeface="Microsoft New Tai Lue"/>
-        <a:font script="Tfng" typeface="Ebrima"/>
-      </a:majorFont>
-      <a:minorFont>
-        <a:latin typeface="Calibri" panose="020F0502020204030204"/>
-        <a:ea typeface=""/>
-        <a:cs typeface=""/>
-        <a:font script="Jpan" typeface="游ゴシック"/>
-        <a:font script="Hang" typeface="맑은 고딕"/>
-        <a:font script="Hans" typeface="等线"/>
-        <a:font script="Hant" typeface="新細明體"/>
-        <a:font script="Arab" typeface="Arial"/>
-        <a:font script="Hebr" typeface="Arial"/>
-        <a:font script="Thai" typeface="Cordia New"/>
+        <a:font script="Arab" typeface="Tahoma"/>
+        <a:font script="Hebr" typeface="Gisha"/>
+        <a:font script="Thai" typeface="DilleniaUPC"/>
         <a:font script="Ethi" typeface="Nyala"/>
         <a:font script="Beng" typeface="Vrinda"/>
         <a:font script="Gujr" typeface="Shruti"/>
@@ -5206,29 +7925,47 @@
         <a:font script="Laoo" typeface="DokChampa"/>
         <a:font script="Sinh" typeface="Iskoola Pota"/>
         <a:font script="Mong" typeface="Mongolian Baiti"/>
-        <a:font script="Viet" typeface="Arial"/>
+        <a:font script="Viet" typeface="Tahoma"/>
         <a:font script="Uigh" typeface="Microsoft Uighur"/>
         <a:font script="Geor" typeface="Sylfaen"/>
-        <a:font script="Armn" typeface="Arial"/>
-        <a:font script="Bugi" typeface="Leelawadee UI"/>
-        <a:font script="Bopo" typeface="Microsoft JhengHei"/>
-        <a:font script="Java" typeface="Javanese Text"/>
-        <a:font script="Lisu" typeface="Segoe UI"/>
-        <a:font script="Mymr" typeface="Myanmar Text"/>
-        <a:font script="Nkoo" typeface="Ebrima"/>
-        <a:font script="Olck" typeface="Nirmala UI"/>
-        <a:font script="Osma" typeface="Ebrima"/>
-        <a:font script="Phag" typeface="Phagspa"/>
-        <a:font script="Syrn" typeface="Estrangelo Edessa"/>
-        <a:font script="Syrj" typeface="Estrangelo Edessa"/>
-        <a:font script="Syre" typeface="Estrangelo Edessa"/>
-        <a:font script="Sora" typeface="Nirmala UI"/>
-        <a:font script="Tale" typeface="Microsoft Tai Le"/>
-        <a:font script="Talu" typeface="Microsoft New Tai Lue"/>
-        <a:font script="Tfng" typeface="Ebrima"/>
+      </a:majorFont>
+      <a:minorFont>
+        <a:latin typeface="Garamond" panose="02020404030301010803"/>
+        <a:ea typeface=""/>
+        <a:cs typeface=""/>
+        <a:font script="Jpan" typeface="ＭＳ ゴシック"/>
+        <a:font script="Hang" typeface="맑은 고딕"/>
+        <a:font script="Hans" typeface="宋体"/>
+        <a:font script="Hant" typeface="新細明體"/>
+        <a:font script="Arab" typeface="Tahoma"/>
+        <a:font script="Hebr" typeface="Gisha"/>
+        <a:font script="Thai" typeface="DilleniaUPC"/>
+        <a:font script="Ethi" typeface="Nyala"/>
+        <a:font script="Beng" typeface="Vrinda"/>
+        <a:font script="Gujr" typeface="Shruti"/>
+        <a:font script="Khmr" typeface="DaunPenh"/>
+        <a:font script="Knda" typeface="Tunga"/>
+        <a:font script="Guru" typeface="Raavi"/>
+        <a:font script="Cans" typeface="Euphemia"/>
+        <a:font script="Cher" typeface="Plantagenet Cherokee"/>
+        <a:font script="Yiii" typeface="Microsoft Yi Baiti"/>
+        <a:font script="Tibt" typeface="Microsoft Himalaya"/>
+        <a:font script="Thaa" typeface="MV Boli"/>
+        <a:font script="Deva" typeface="Mangal"/>
+        <a:font script="Telu" typeface="Gautami"/>
+        <a:font script="Taml" typeface="Latha"/>
+        <a:font script="Syrc" typeface="Estrangelo Edessa"/>
+        <a:font script="Orya" typeface="Kalinga"/>
+        <a:font script="Mlym" typeface="Kartika"/>
+        <a:font script="Laoo" typeface="DokChampa"/>
+        <a:font script="Sinh" typeface="Iskoola Pota"/>
+        <a:font script="Mong" typeface="Mongolian Baiti"/>
+        <a:font script="Viet" typeface="Verdana"/>
+        <a:font script="Uigh" typeface="Microsoft Uighur"/>
+        <a:font script="Geor" typeface="Sylfaen"/>
       </a:minorFont>
     </a:fontScheme>
-    <a:fmtScheme name="Pisarna">
+    <a:fmtScheme name="Milo">
       <a:fillStyleLst>
         <a:solidFill>
           <a:schemeClr val="phClr"/>
@@ -5237,23 +7974,23 @@
           <a:gsLst>
             <a:gs pos="0">
               <a:schemeClr val="phClr">
-                <a:lumMod val="110000"/>
+                <a:tint val="60000"/>
                 <a:satMod val="105000"/>
-                <a:tint val="67000"/>
-              </a:schemeClr>
-            </a:gs>
-            <a:gs pos="50000">
-              <a:schemeClr val="phClr">
                 <a:lumMod val="105000"/>
-                <a:satMod val="103000"/>
-                <a:tint val="73000"/>
               </a:schemeClr>
             </a:gs>
             <a:gs pos="100000">
               <a:schemeClr val="phClr">
-                <a:lumMod val="105000"/>
-                <a:satMod val="109000"/>
-                <a:tint val="81000"/>
+                <a:tint val="65000"/>
+                <a:satMod val="100000"/>
+                <a:lumMod val="100000"/>
+              </a:schemeClr>
+            </a:gs>
+            <a:gs pos="100000">
+              <a:schemeClr val="phClr">
+                <a:tint val="70000"/>
+                <a:satMod val="100000"/>
+                <a:lumMod val="100000"/>
               </a:schemeClr>
             </a:gs>
           </a:gsLst>
@@ -5263,23 +8000,22 @@
           <a:gsLst>
             <a:gs pos="0">
               <a:schemeClr val="phClr">
-                <a:satMod val="103000"/>
-                <a:lumMod val="102000"/>
-                <a:tint val="94000"/>
+                <a:satMod val="100000"/>
+                <a:lumMod val="100000"/>
               </a:schemeClr>
             </a:gs>
             <a:gs pos="50000">
               <a:schemeClr val="phClr">
-                <a:satMod val="110000"/>
+                <a:shade val="99000"/>
+                <a:satMod val="105000"/>
                 <a:lumMod val="100000"/>
-                <a:shade val="100000"/>
               </a:schemeClr>
             </a:gs>
             <a:gs pos="100000">
               <a:schemeClr val="phClr">
-                <a:lumMod val="99000"/>
-                <a:satMod val="120000"/>
-                <a:shade val="78000"/>
+                <a:shade val="98000"/>
+                <a:satMod val="105000"/>
+                <a:lumMod val="100000"/>
               </a:schemeClr>
             </a:gs>
           </a:gsLst>
@@ -5292,21 +8028,18 @@
             <a:schemeClr val="phClr"/>
           </a:solidFill>
           <a:prstDash val="solid"/>
-          <a:miter lim="800000"/>
         </a:ln>
         <a:ln w="12700" cap="flat" cmpd="sng" algn="ctr">
           <a:solidFill>
             <a:schemeClr val="phClr"/>
           </a:solidFill>
           <a:prstDash val="solid"/>
-          <a:miter lim="800000"/>
         </a:ln>
         <a:ln w="19050" cap="flat" cmpd="sng" algn="ctr">
           <a:solidFill>
             <a:schemeClr val="phClr"/>
           </a:solidFill>
           <a:prstDash val="solid"/>
-          <a:miter lim="800000"/>
         </a:ln>
       </a:lnStyleLst>
       <a:effectStyleLst>
@@ -5314,7 +8047,13 @@
           <a:effectLst/>
         </a:effectStyle>
         <a:effectStyle>
-          <a:effectLst/>
+          <a:effectLst>
+            <a:outerShdw blurRad="38100" dist="12700" dir="5400000" algn="ctr" rotWithShape="0">
+              <a:srgbClr val="000000">
+                <a:alpha val="63000"/>
+              </a:srgbClr>
+            </a:outerShdw>
+          </a:effectLst>
         </a:effectStyle>
         <a:effectStyle>
           <a:effectLst>
@@ -5324,45 +8063,58 @@
               </a:srgbClr>
             </a:outerShdw>
           </a:effectLst>
+          <a:scene3d>
+            <a:camera prst="orthographicFront">
+              <a:rot lat="0" lon="0" rev="0"/>
+            </a:camera>
+            <a:lightRig rig="flat" dir="tl">
+              <a:rot lat="0" lon="0" rev="4200000"/>
+            </a:lightRig>
+          </a:scene3d>
+          <a:sp3d prstMaterial="flat">
+            <a:bevelT w="50800" h="63500" prst="riblet"/>
+          </a:sp3d>
         </a:effectStyle>
       </a:effectStyleLst>
       <a:bgFillStyleLst>
         <a:solidFill>
           <a:schemeClr val="phClr"/>
         </a:solidFill>
-        <a:solidFill>
-          <a:schemeClr val="phClr">
-            <a:tint val="95000"/>
-            <a:satMod val="170000"/>
-          </a:schemeClr>
-        </a:solidFill>
         <a:gradFill rotWithShape="1">
           <a:gsLst>
             <a:gs pos="0">
               <a:schemeClr val="phClr">
-                <a:tint val="93000"/>
-                <a:satMod val="150000"/>
-                <a:shade val="98000"/>
-                <a:lumMod val="102000"/>
-              </a:schemeClr>
-            </a:gs>
-            <a:gs pos="50000">
-              <a:schemeClr val="phClr">
-                <a:tint val="98000"/>
-                <a:satMod val="130000"/>
-                <a:shade val="90000"/>
-                <a:lumMod val="103000"/>
+                <a:tint val="80000"/>
+                <a:shade val="100000"/>
+                <a:satMod val="300000"/>
               </a:schemeClr>
             </a:gs>
             <a:gs pos="100000">
               <a:schemeClr val="phClr">
-                <a:shade val="63000"/>
-                <a:satMod val="120000"/>
+                <a:tint val="100000"/>
+                <a:shade val="30000"/>
+                <a:satMod val="200000"/>
               </a:schemeClr>
             </a:gs>
           </a:gsLst>
-          <a:lin ang="5400000" scaled="0"/>
+          <a:path path="circle">
+            <a:fillToRect l="50000" t="50000" r="50000" b="50000"/>
+          </a:path>
         </a:gradFill>
+        <a:blipFill rotWithShape="1">
+          <a:blip xmlns:r="http://schemas.openxmlformats.org/officeDocument/2006/relationships" r:embed="rId1">
+            <a:duotone>
+              <a:schemeClr val="phClr">
+                <a:tint val="95000"/>
+              </a:schemeClr>
+              <a:schemeClr val="phClr">
+                <a:shade val="92000"/>
+                <a:satMod val="115000"/>
+              </a:schemeClr>
+            </a:duotone>
+          </a:blip>
+          <a:tile tx="0" ty="0" sx="60000" sy="60000" flip="none" algn="tl"/>
+        </a:blipFill>
       </a:bgFillStyleLst>
     </a:fmtScheme>
   </a:themeElements>
@@ -5370,7 +8122,7 @@
   <a:extraClrSchemeLst/>
   <a:extLst>
     <a:ext uri="{05A4C25C-085E-4340-85A3-A5531E510DB2}">
-      <thm15:themeFamily xmlns:thm15="http://schemas.microsoft.com/office/thememl/2012/main" name="Office Theme" id="{62F939B6-93AF-4DB8-9C6B-D6C7DFDC589F}" vid="{4A3C46E8-61CC-4603-A589-7422A47A8E4A}"/>
+      <thm15:themeFamily xmlns:thm15="http://schemas.microsoft.com/office/thememl/2012/main" name="Savon" id="{1306E473-ED32-493B-A2D0-240A757EDD34}" vid="{3F20CFC1-E34F-405B-AA49-5BE0E194F1B3}"/>
     </a:ext>
   </a:extLst>
 </a:theme>
